--- a/기획안(JSP.pptx
+++ b/기획안(JSP.pptx
@@ -18,15 +18,14 @@
     <p:sldId id="263" r:id="rId12"/>
     <p:sldId id="267" r:id="rId13"/>
     <p:sldId id="266" r:id="rId14"/>
-    <p:sldId id="264" r:id="rId15"/>
-    <p:sldId id="265" r:id="rId16"/>
-    <p:sldId id="270" r:id="rId17"/>
-    <p:sldId id="271" r:id="rId18"/>
-    <p:sldId id="273" r:id="rId19"/>
-    <p:sldId id="275" r:id="rId20"/>
-    <p:sldId id="274" r:id="rId21"/>
-    <p:sldId id="272" r:id="rId22"/>
-    <p:sldId id="276" r:id="rId23"/>
+    <p:sldId id="265" r:id="rId15"/>
+    <p:sldId id="270" r:id="rId16"/>
+    <p:sldId id="271" r:id="rId17"/>
+    <p:sldId id="273" r:id="rId18"/>
+    <p:sldId id="275" r:id="rId19"/>
+    <p:sldId id="274" r:id="rId20"/>
+    <p:sldId id="272" r:id="rId21"/>
+    <p:sldId id="276" r:id="rId22"/>
   </p:sldIdLst>
   <p:sldSz cx="9144000" cy="6858000" type="screen4x3"/>
   <p:notesSz cx="6858000" cy="9144000"/>
@@ -125,6 +124,11 @@
       </a:defRPr>
     </a:lvl9pPr>
   </p:defaultTextStyle>
+  <p:extLst>
+    <p:ext uri="{EFAFB233-063F-42B5-8137-9DF3F51BA10A}">
+      <p15:sldGuideLst xmlns:p15="http://schemas.microsoft.com/office/powerpoint/2012/main"/>
+    </p:ext>
+  </p:extLst>
 </p:presentation>
 </file>
 
@@ -4186,14 +4190,6 @@
               </a:rPr>
               <a:t>]</a:t>
             </a:r>
-            <a:endParaRPr lang="en-US" altLang="ko-KR" dirty="0" smtClean="0">
-              <a:solidFill>
-                <a:schemeClr val="tx1">
-                  <a:lumMod val="85000"/>
-                  <a:lumOff val="15000"/>
-                </a:schemeClr>
-              </a:solidFill>
-            </a:endParaRPr>
           </a:p>
           <a:p>
             <a:pPr algn="ctr"/>
@@ -4386,6 +4382,17 @@
               <a:t>[</a:t>
             </a:r>
             <a:r>
+              <a:rPr lang="ko-KR" altLang="en-US" dirty="0" err="1" smtClean="0">
+                <a:solidFill>
+                  <a:schemeClr val="tx1">
+                    <a:lumMod val="85000"/>
+                    <a:lumOff val="15000"/>
+                  </a:schemeClr>
+                </a:solidFill>
+              </a:rPr>
+              <a:t>홈화면</a:t>
+            </a:r>
+            <a:r>
               <a:rPr lang="ko-KR" altLang="en-US" dirty="0" smtClean="0">
                 <a:solidFill>
                   <a:schemeClr val="tx1">
@@ -4394,43 +4401,7 @@
                   </a:schemeClr>
                 </a:solidFill>
               </a:rPr>
-              <a:t>삽화 신청</a:t>
-            </a:r>
-            <a:r>
-              <a:rPr lang="en-US" altLang="ko-KR" dirty="0" smtClean="0">
-                <a:solidFill>
-                  <a:schemeClr val="tx1">
-                    <a:lumMod val="85000"/>
-                    <a:lumOff val="15000"/>
-                  </a:schemeClr>
-                </a:solidFill>
-              </a:rPr>
-              <a:t>]</a:t>
-            </a:r>
-          </a:p>
-          <a:p>
-            <a:pPr algn="ctr"/>
-            <a:r>
-              <a:rPr lang="en-US" altLang="ko-KR" dirty="0" smtClean="0">
-                <a:solidFill>
-                  <a:schemeClr val="tx1">
-                    <a:lumMod val="85000"/>
-                    <a:lumOff val="15000"/>
-                  </a:schemeClr>
-                </a:solidFill>
-              </a:rPr>
-              <a:t>[</a:t>
-            </a:r>
-            <a:r>
-              <a:rPr lang="ko-KR" altLang="en-US" dirty="0" err="1" smtClean="0">
-                <a:solidFill>
-                  <a:schemeClr val="tx1">
-                    <a:lumMod val="85000"/>
-                    <a:lumOff val="15000"/>
-                  </a:schemeClr>
-                </a:solidFill>
-              </a:rPr>
-              <a:t>홈화면</a:t>
+              <a:t> </a:t>
             </a:r>
             <a:r>
               <a:rPr lang="ko-KR" altLang="en-US" dirty="0" smtClean="0">
@@ -4441,7 +4412,7 @@
                   </a:schemeClr>
                 </a:solidFill>
               </a:rPr>
-              <a:t> 가기</a:t>
+              <a:t>가기</a:t>
             </a:r>
             <a:r>
               <a:rPr lang="en-US" altLang="ko-KR" dirty="0" smtClean="0">
@@ -5312,14 +5283,6 @@
               </a:rPr>
               <a:t>]</a:t>
             </a:r>
-            <a:endParaRPr lang="en-US" altLang="ko-KR" dirty="0" smtClean="0">
-              <a:solidFill>
-                <a:schemeClr val="tx1">
-                  <a:lumMod val="85000"/>
-                  <a:lumOff val="15000"/>
-                </a:schemeClr>
-              </a:solidFill>
-            </a:endParaRPr>
           </a:p>
           <a:p>
             <a:pPr algn="ctr"/>
@@ -7022,14 +6985,6 @@
               </a:rPr>
               <a:t>]</a:t>
             </a:r>
-            <a:endParaRPr lang="en-US" altLang="ko-KR" dirty="0" smtClean="0">
-              <a:solidFill>
-                <a:schemeClr val="tx1">
-                  <a:lumMod val="85000"/>
-                  <a:lumOff val="15000"/>
-                </a:schemeClr>
-              </a:solidFill>
-            </a:endParaRPr>
           </a:p>
           <a:p>
             <a:pPr algn="ctr"/>
@@ -8853,14 +8808,6 @@
               </a:rPr>
               <a:t>]</a:t>
             </a:r>
-            <a:endParaRPr lang="en-US" altLang="ko-KR" dirty="0" smtClean="0">
-              <a:solidFill>
-                <a:schemeClr val="tx1">
-                  <a:lumMod val="85000"/>
-                  <a:lumOff val="15000"/>
-                </a:schemeClr>
-              </a:solidFill>
-            </a:endParaRPr>
           </a:p>
           <a:p>
             <a:pPr algn="ctr"/>
@@ -10113,7 +10060,7 @@
                   </a:schemeClr>
                 </a:solidFill>
               </a:rPr>
-              <a:t>삽화 신청</a:t>
+              <a:t>작가 보기</a:t>
             </a:r>
             <a:endParaRPr lang="ko-KR" altLang="en-US" dirty="0">
               <a:solidFill>
@@ -10534,14 +10481,6 @@
               </a:rPr>
               <a:t>]</a:t>
             </a:r>
-            <a:endParaRPr lang="en-US" altLang="ko-KR" dirty="0" smtClean="0">
-              <a:solidFill>
-                <a:schemeClr val="tx1">
-                  <a:lumMod val="85000"/>
-                  <a:lumOff val="15000"/>
-                </a:schemeClr>
-              </a:solidFill>
-            </a:endParaRPr>
           </a:p>
           <a:p>
             <a:pPr algn="ctr"/>
@@ -11179,7 +11118,7 @@
         <p:spPr>
           <a:xfrm>
             <a:off x="1679539" y="571035"/>
-            <a:ext cx="5045457" cy="6122041"/>
+            <a:ext cx="5045457" cy="5767631"/>
           </a:xfrm>
           <a:prstGeom prst="rect">
             <a:avLst/>
@@ -11217,14 +11156,14 @@
       </p:sp>
       <p:sp>
         <p:nvSpPr>
-          <p:cNvPr id="5" name="모서리가 둥근 직사각형 4"/>
+          <p:cNvPr id="6" name="모서리가 둥근 직사각형 5"/>
           <p:cNvSpPr/>
           <p:nvPr/>
         </p:nvSpPr>
         <p:spPr>
           <a:xfrm>
-            <a:off x="1775136" y="1448266"/>
-            <a:ext cx="4835560" cy="4114334"/>
+            <a:off x="5663599" y="5775413"/>
+            <a:ext cx="777564" cy="419100"/>
           </a:xfrm>
           <a:prstGeom prst="roundRect">
             <a:avLst/>
@@ -11262,17 +11201,17 @@
           <a:p>
             <a:pPr algn="ctr"/>
             <a:r>
-              <a:rPr lang="en-US" altLang="ko-KR" dirty="0" err="1" smtClean="0">
-                <a:solidFill>
-                  <a:schemeClr val="tx1">
-                    <a:lumMod val="85000"/>
-                    <a:lumOff val="15000"/>
-                  </a:schemeClr>
-                </a:solidFill>
-              </a:rPr>
-              <a:t>xxxxxxxxxxxxxx.image</a:t>
-            </a:r>
-            <a:endParaRPr lang="ko-KR" altLang="en-US" dirty="0">
+              <a:rPr lang="ko-KR" altLang="en-US" sz="900" dirty="0" smtClean="0">
+                <a:solidFill>
+                  <a:schemeClr val="tx1">
+                    <a:lumMod val="85000"/>
+                    <a:lumOff val="15000"/>
+                  </a:schemeClr>
+                </a:solidFill>
+              </a:rPr>
+              <a:t>닫기</a:t>
+            </a:r>
+            <a:endParaRPr lang="ko-KR" altLang="en-US" sz="900" dirty="0">
               <a:solidFill>
                 <a:schemeClr val="tx1">
                   <a:lumMod val="85000"/>
@@ -11285,14 +11224,14 @@
       </p:sp>
       <p:sp>
         <p:nvSpPr>
-          <p:cNvPr id="6" name="모서리가 둥근 직사각형 5"/>
+          <p:cNvPr id="17" name="모서리가 둥근 직사각형 16"/>
           <p:cNvSpPr/>
           <p:nvPr/>
         </p:nvSpPr>
         <p:spPr>
           <a:xfrm>
-            <a:off x="4790438" y="6308813"/>
-            <a:ext cx="777564" cy="419100"/>
+            <a:off x="3642866" y="800099"/>
+            <a:ext cx="2967830" cy="1508765"/>
           </a:xfrm>
           <a:prstGeom prst="roundRect">
             <a:avLst/>
@@ -11338,9 +11277,9 @@
                   </a:schemeClr>
                 </a:solidFill>
               </a:rPr>
-              <a:t>삽화신청</a:t>
-            </a:r>
-            <a:endParaRPr lang="ko-KR" altLang="en-US" sz="900" dirty="0">
+              <a:t>출생년</a:t>
+            </a:r>
+            <a:endParaRPr lang="en-US" altLang="ko-KR" sz="900" dirty="0" smtClean="0">
               <a:solidFill>
                 <a:schemeClr val="tx1">
                   <a:lumMod val="85000"/>
@@ -11349,18 +11288,106 @@
               </a:solidFill>
             </a:endParaRPr>
           </a:p>
-        </p:txBody>
-      </p:sp>
-      <p:sp>
-        <p:nvSpPr>
-          <p:cNvPr id="17" name="모서리가 둥근 직사각형 16"/>
+          <a:p>
+            <a:pPr algn="ctr"/>
+            <a:r>
+              <a:rPr lang="ko-KR" altLang="en-US" sz="900" dirty="0" smtClean="0">
+                <a:solidFill>
+                  <a:schemeClr val="tx1">
+                    <a:lumMod val="85000"/>
+                    <a:lumOff val="15000"/>
+                  </a:schemeClr>
+                </a:solidFill>
+              </a:rPr>
+              <a:t>직업</a:t>
+            </a:r>
+            <a:endParaRPr lang="en-US" altLang="ko-KR" sz="900" dirty="0" smtClean="0">
+              <a:solidFill>
+                <a:schemeClr val="tx1">
+                  <a:lumMod val="85000"/>
+                  <a:lumOff val="15000"/>
+                </a:schemeClr>
+              </a:solidFill>
+            </a:endParaRPr>
+          </a:p>
+          <a:p>
+            <a:pPr algn="ctr"/>
+            <a:r>
+              <a:rPr lang="ko-KR" altLang="en-US" sz="900" dirty="0" smtClean="0">
+                <a:solidFill>
+                  <a:schemeClr val="tx1">
+                    <a:lumMod val="85000"/>
+                    <a:lumOff val="15000"/>
+                  </a:schemeClr>
+                </a:solidFill>
+              </a:rPr>
+              <a:t>취미</a:t>
+            </a:r>
+            <a:endParaRPr lang="en-US" altLang="ko-KR" sz="900" dirty="0" smtClean="0">
+              <a:solidFill>
+                <a:schemeClr val="tx1">
+                  <a:lumMod val="85000"/>
+                  <a:lumOff val="15000"/>
+                </a:schemeClr>
+              </a:solidFill>
+            </a:endParaRPr>
+          </a:p>
+          <a:p>
+            <a:pPr algn="ctr"/>
+            <a:r>
+              <a:rPr lang="ko-KR" altLang="en-US" sz="900" dirty="0" smtClean="0">
+                <a:solidFill>
+                  <a:schemeClr val="tx1">
+                    <a:lumMod val="85000"/>
+                    <a:lumOff val="15000"/>
+                  </a:schemeClr>
+                </a:solidFill>
+              </a:rPr>
+              <a:t>좋아하는 것</a:t>
+            </a:r>
+            <a:endParaRPr lang="en-US" altLang="ko-KR" sz="900" dirty="0" smtClean="0">
+              <a:solidFill>
+                <a:schemeClr val="tx1">
+                  <a:lumMod val="85000"/>
+                  <a:lumOff val="15000"/>
+                </a:schemeClr>
+              </a:solidFill>
+            </a:endParaRPr>
+          </a:p>
+          <a:p>
+            <a:pPr algn="ctr"/>
+            <a:r>
+              <a:rPr lang="ko-KR" altLang="en-US" sz="900" dirty="0" smtClean="0">
+                <a:solidFill>
+                  <a:schemeClr val="tx1">
+                    <a:lumMod val="85000"/>
+                    <a:lumOff val="15000"/>
+                  </a:schemeClr>
+                </a:solidFill>
+              </a:rPr>
+              <a:t>싫어하는 것</a:t>
+            </a:r>
+            <a:endParaRPr lang="en-US" altLang="ko-KR" sz="900" dirty="0" smtClean="0">
+              <a:solidFill>
+                <a:schemeClr val="tx1">
+                  <a:lumMod val="85000"/>
+                  <a:lumOff val="15000"/>
+                </a:schemeClr>
+              </a:solidFill>
+            </a:endParaRPr>
+          </a:p>
+        </p:txBody>
+      </p:sp>
+      <p:sp>
+        <p:nvSpPr>
+          <p:cNvPr id="18" name="모서리가 둥근 직사각형 17"/>
           <p:cNvSpPr/>
           <p:nvPr/>
         </p:nvSpPr>
         <p:spPr>
           <a:xfrm>
-            <a:off x="2746684" y="800100"/>
-            <a:ext cx="3864011" cy="419100"/>
+            <a:off x="1827069" y="2537927"/>
+            <a:ext cx="4688030" cy="3093333"/>
           </a:xfrm>
           <a:prstGeom prst="roundRect">
             <a:avLst/>
@@ -11406,9 +11433,41 @@
                   </a:schemeClr>
                 </a:solidFill>
               </a:rPr>
-              <a:t>책 제목</a:t>
-            </a:r>
-            <a:endParaRPr lang="ko-KR" altLang="en-US" sz="900" dirty="0">
+              <a:t>자기 소개 </a:t>
+            </a:r>
+            <a:r>
+              <a:rPr lang="en-US" altLang="ko-KR" sz="900" dirty="0" smtClean="0">
+                <a:solidFill>
+                  <a:schemeClr val="tx1">
+                    <a:lumMod val="85000"/>
+                    <a:lumOff val="15000"/>
+                  </a:schemeClr>
+                </a:solidFill>
+              </a:rPr>
+              <a:t>;</a:t>
+            </a:r>
+            <a:br>
+              <a:rPr lang="en-US" altLang="ko-KR" sz="900" dirty="0" smtClean="0">
+                <a:solidFill>
+                  <a:schemeClr val="tx1">
+                    <a:lumMod val="85000"/>
+                    <a:lumOff val="15000"/>
+                  </a:schemeClr>
+                </a:solidFill>
+              </a:rPr>
+            </a:br>
+            <a:r>
+              <a:rPr lang="en-US" altLang="ko-KR" sz="900" dirty="0" err="1" smtClean="0">
+                <a:solidFill>
+                  <a:schemeClr val="tx1">
+                    <a:lumMod val="85000"/>
+                    <a:lumOff val="15000"/>
+                  </a:schemeClr>
+                </a:solidFill>
+              </a:rPr>
+              <a:t>sfasdfasdfasd</a:t>
+            </a:r>
+            <a:endParaRPr lang="en-US" altLang="ko-KR" sz="900" dirty="0" smtClean="0">
               <a:solidFill>
                 <a:schemeClr val="tx1">
                   <a:lumMod val="85000"/>
@@ -11417,18 +11476,62 @@
               </a:solidFill>
             </a:endParaRPr>
           </a:p>
-        </p:txBody>
-      </p:sp>
-      <p:sp>
-        <p:nvSpPr>
-          <p:cNvPr id="18" name="모서리가 둥근 직사각형 17"/>
+          <a:p>
+            <a:pPr algn="ctr"/>
+            <a:r>
+              <a:rPr lang="en-US" altLang="ko-KR" sz="900" dirty="0" err="1" smtClean="0">
+                <a:solidFill>
+                  <a:schemeClr val="tx1">
+                    <a:lumMod val="85000"/>
+                    <a:lumOff val="15000"/>
+                  </a:schemeClr>
+                </a:solidFill>
+              </a:rPr>
+              <a:t>Asfdasdfasdfasdf</a:t>
+            </a:r>
+            <a:endParaRPr lang="en-US" altLang="ko-KR" sz="900" dirty="0" smtClean="0">
+              <a:solidFill>
+                <a:schemeClr val="tx1">
+                  <a:lumMod val="85000"/>
+                  <a:lumOff val="15000"/>
+                </a:schemeClr>
+              </a:solidFill>
+            </a:endParaRPr>
+          </a:p>
+          <a:p>
+            <a:pPr algn="ctr"/>
+            <a:r>
+              <a:rPr lang="en-US" altLang="ko-KR" sz="900" dirty="0" err="1" smtClean="0">
+                <a:solidFill>
+                  <a:schemeClr val="tx1">
+                    <a:lumMod val="85000"/>
+                    <a:lumOff val="15000"/>
+                  </a:schemeClr>
+                </a:solidFill>
+              </a:rPr>
+              <a:t>asdfasdfasdfasdf</a:t>
+            </a:r>
+            <a:endParaRPr lang="ko-KR" altLang="en-US" sz="900" dirty="0">
+              <a:solidFill>
+                <a:schemeClr val="tx1">
+                  <a:lumMod val="85000"/>
+                  <a:lumOff val="15000"/>
+                </a:schemeClr>
+              </a:solidFill>
+            </a:endParaRPr>
+          </a:p>
+        </p:txBody>
+      </p:sp>
+      <p:sp>
+        <p:nvSpPr>
+          <p:cNvPr id="19" name="모서리가 둥근 직사각형 18"/>
           <p:cNvSpPr/>
           <p:nvPr/>
         </p:nvSpPr>
         <p:spPr>
           <a:xfrm>
-            <a:off x="1827069" y="5775412"/>
-            <a:ext cx="4783626" cy="422363"/>
+            <a:off x="1775135" y="800100"/>
+            <a:ext cx="1657831" cy="1498272"/>
           </a:xfrm>
           <a:prstGeom prst="roundRect">
             <a:avLst/>
@@ -11474,20 +11577,9 @@
                   </a:schemeClr>
                 </a:solidFill>
               </a:rPr>
-              <a:t>철수가 영희를 만났을 때 사용하면 좋겠어요</a:t>
-            </a:r>
-            <a:r>
-              <a:rPr lang="en-US" altLang="ko-KR" sz="900" dirty="0" smtClean="0">
-                <a:solidFill>
-                  <a:schemeClr val="tx1">
-                    <a:lumMod val="85000"/>
-                    <a:lumOff val="15000"/>
-                  </a:schemeClr>
-                </a:solidFill>
-              </a:rPr>
-              <a:t>.</a:t>
-            </a:r>
-            <a:endParaRPr lang="ko-KR" altLang="en-US" sz="900" dirty="0">
+              <a:t>작가</a:t>
+            </a:r>
+            <a:endParaRPr lang="en-US" altLang="ko-KR" sz="900" dirty="0" smtClean="0">
               <a:solidFill>
                 <a:schemeClr val="tx1">
                   <a:lumMod val="85000"/>
@@ -11496,52 +11588,6 @@
               </a:solidFill>
             </a:endParaRPr>
           </a:p>
-        </p:txBody>
-      </p:sp>
-      <p:sp>
-        <p:nvSpPr>
-          <p:cNvPr id="19" name="모서리가 둥근 직사각형 18"/>
-          <p:cNvSpPr/>
-          <p:nvPr/>
-        </p:nvSpPr>
-        <p:spPr>
-          <a:xfrm>
-            <a:off x="1775136" y="800100"/>
-            <a:ext cx="777564" cy="419100"/>
-          </a:xfrm>
-          <a:prstGeom prst="roundRect">
-            <a:avLst/>
-          </a:prstGeom>
-          <a:solidFill>
-            <a:schemeClr val="bg1">
-              <a:lumMod val="85000"/>
-            </a:schemeClr>
-          </a:solidFill>
-          <a:ln>
-            <a:solidFill>
-              <a:schemeClr val="tx1"/>
-            </a:solidFill>
-          </a:ln>
-        </p:spPr>
-        <p:style>
-          <a:lnRef idx="2">
-            <a:schemeClr val="accent1">
-              <a:shade val="50000"/>
-            </a:schemeClr>
-          </a:lnRef>
-          <a:fillRef idx="1">
-            <a:schemeClr val="accent1"/>
-          </a:fillRef>
-          <a:effectRef idx="0">
-            <a:schemeClr val="accent1"/>
-          </a:effectRef>
-          <a:fontRef idx="minor">
-            <a:schemeClr val="lt1"/>
-          </a:fontRef>
-        </p:style>
-        <p:txBody>
-          <a:bodyPr rtlCol="0" anchor="ctr"/>
-          <a:lstStyle/>
           <a:p>
             <a:pPr algn="ctr"/>
             <a:r>
@@ -11553,9 +11599,9 @@
                   </a:schemeClr>
                 </a:solidFill>
               </a:rPr>
-              <a:t>작가</a:t>
-            </a:r>
-            <a:endParaRPr lang="en-US" altLang="ko-KR" sz="900" dirty="0" smtClean="0">
+              <a:t>사진</a:t>
+            </a:r>
+            <a:endParaRPr lang="ko-KR" altLang="en-US" sz="900" dirty="0">
               <a:solidFill>
                 <a:schemeClr val="tx1">
                   <a:lumMod val="85000"/>
@@ -11564,102 +11610,12 @@
               </a:solidFill>
             </a:endParaRPr>
           </a:p>
-          <a:p>
-            <a:pPr algn="ctr"/>
-            <a:r>
-              <a:rPr lang="ko-KR" altLang="en-US" sz="900" dirty="0" smtClean="0">
-                <a:solidFill>
-                  <a:schemeClr val="tx1">
-                    <a:lumMod val="85000"/>
-                    <a:lumOff val="15000"/>
-                  </a:schemeClr>
-                </a:solidFill>
-              </a:rPr>
-              <a:t>사진</a:t>
-            </a:r>
-            <a:endParaRPr lang="ko-KR" altLang="en-US" sz="900" dirty="0">
-              <a:solidFill>
-                <a:schemeClr val="tx1">
-                  <a:lumMod val="85000"/>
-                  <a:lumOff val="15000"/>
-                </a:schemeClr>
-              </a:solidFill>
-            </a:endParaRPr>
-          </a:p>
-        </p:txBody>
-      </p:sp>
-      <p:sp>
-        <p:nvSpPr>
-          <p:cNvPr id="20" name="모서리가 둥근 직사각형 19"/>
-          <p:cNvSpPr/>
-          <p:nvPr/>
-        </p:nvSpPr>
-        <p:spPr>
-          <a:xfrm>
-            <a:off x="5663599" y="6308813"/>
-            <a:ext cx="777564" cy="419100"/>
-          </a:xfrm>
-          <a:prstGeom prst="roundRect">
-            <a:avLst/>
-          </a:prstGeom>
-          <a:solidFill>
-            <a:schemeClr val="bg1">
-              <a:lumMod val="85000"/>
-            </a:schemeClr>
-          </a:solidFill>
-          <a:ln>
-            <a:solidFill>
-              <a:schemeClr val="tx1"/>
-            </a:solidFill>
-          </a:ln>
-        </p:spPr>
-        <p:style>
-          <a:lnRef idx="2">
-            <a:schemeClr val="accent1">
-              <a:shade val="50000"/>
-            </a:schemeClr>
-          </a:lnRef>
-          <a:fillRef idx="1">
-            <a:schemeClr val="accent1"/>
-          </a:fillRef>
-          <a:effectRef idx="0">
-            <a:schemeClr val="accent1"/>
-          </a:effectRef>
-          <a:fontRef idx="minor">
-            <a:schemeClr val="lt1"/>
-          </a:fontRef>
-        </p:style>
-        <p:txBody>
-          <a:bodyPr rtlCol="0" anchor="ctr"/>
-          <a:lstStyle/>
-          <a:p>
-            <a:pPr algn="ctr"/>
-            <a:r>
-              <a:rPr lang="ko-KR" altLang="en-US" sz="900" dirty="0" smtClean="0">
-                <a:solidFill>
-                  <a:schemeClr val="tx1">
-                    <a:lumMod val="85000"/>
-                    <a:lumOff val="15000"/>
-                  </a:schemeClr>
-                </a:solidFill>
-              </a:rPr>
-              <a:t>닫기</a:t>
-            </a:r>
-            <a:endParaRPr lang="ko-KR" altLang="en-US" sz="900" dirty="0">
-              <a:solidFill>
-                <a:schemeClr val="tx1">
-                  <a:lumMod val="85000"/>
-                  <a:lumOff val="15000"/>
-                </a:schemeClr>
-              </a:solidFill>
-            </a:endParaRPr>
-          </a:p>
         </p:txBody>
       </p:sp>
     </p:spTree>
     <p:extLst>
       <p:ext uri="{BB962C8B-B14F-4D97-AF65-F5344CB8AC3E}">
-        <p14:creationId xmlns:p14="http://schemas.microsoft.com/office/powerpoint/2010/main" val="1057431841"/>
+        <p14:creationId xmlns:p14="http://schemas.microsoft.com/office/powerpoint/2010/main" val="2059835764"/>
       </p:ext>
     </p:extLst>
   </p:cSld>
@@ -11688,6 +11644,66 @@
       </p:grpSpPr>
       <p:sp>
         <p:nvSpPr>
+          <p:cNvPr id="13" name="직사각형 12"/>
+          <p:cNvSpPr/>
+          <p:nvPr/>
+        </p:nvSpPr>
+        <p:spPr>
+          <a:xfrm>
+            <a:off x="1670858" y="6758"/>
+            <a:ext cx="5054139" cy="6851242"/>
+          </a:xfrm>
+          <a:prstGeom prst="rect">
+            <a:avLst/>
+          </a:prstGeom>
+          <a:solidFill>
+            <a:srgbClr val="FFFF00">
+              <a:alpha val="50196"/>
+            </a:srgbClr>
+          </a:solidFill>
+          <a:ln>
+            <a:solidFill>
+              <a:schemeClr val="tx1">
+                <a:lumMod val="75000"/>
+                <a:lumOff val="25000"/>
+              </a:schemeClr>
+            </a:solidFill>
+          </a:ln>
+        </p:spPr>
+        <p:style>
+          <a:lnRef idx="2">
+            <a:schemeClr val="accent1">
+              <a:shade val="50000"/>
+            </a:schemeClr>
+          </a:lnRef>
+          <a:fillRef idx="1">
+            <a:schemeClr val="accent1"/>
+          </a:fillRef>
+          <a:effectRef idx="0">
+            <a:schemeClr val="accent1"/>
+          </a:effectRef>
+          <a:fontRef idx="minor">
+            <a:schemeClr val="lt1"/>
+          </a:fontRef>
+        </p:style>
+        <p:txBody>
+          <a:bodyPr rtlCol="0" anchor="ctr"/>
+          <a:lstStyle/>
+          <a:p>
+            <a:pPr algn="ctr"/>
+            <a:endParaRPr lang="ko-KR" altLang="en-US" dirty="0">
+              <a:solidFill>
+                <a:schemeClr val="tx1">
+                  <a:lumMod val="85000"/>
+                  <a:lumOff val="15000"/>
+                </a:schemeClr>
+              </a:solidFill>
+            </a:endParaRPr>
+          </a:p>
+        </p:txBody>
+      </p:sp>
+      <p:sp>
+        <p:nvSpPr>
           <p:cNvPr id="4" name="직사각형 3"/>
           <p:cNvSpPr/>
           <p:nvPr/>
@@ -11796,7 +11812,7 @@
                   </a:schemeClr>
                 </a:solidFill>
               </a:rPr>
-              <a:t>작가 보기</a:t>
+              <a:t>독자 홈</a:t>
             </a:r>
             <a:endParaRPr lang="ko-KR" altLang="en-US" dirty="0">
               <a:solidFill>
@@ -11876,14 +11892,14 @@
       </p:sp>
       <p:sp>
         <p:nvSpPr>
-          <p:cNvPr id="13" name="직사각형 12"/>
+          <p:cNvPr id="33" name="직사각형 32"/>
           <p:cNvSpPr/>
           <p:nvPr/>
         </p:nvSpPr>
         <p:spPr>
           <a:xfrm>
-            <a:off x="1670858" y="6758"/>
-            <a:ext cx="5054139" cy="6851242"/>
+            <a:off x="1987968" y="297525"/>
+            <a:ext cx="1021239" cy="1238250"/>
           </a:xfrm>
           <a:prstGeom prst="rect">
             <a:avLst/>
@@ -11894,14 +11910,6 @@
               <a:lumOff val="80000"/>
             </a:schemeClr>
           </a:solidFill>
-          <a:ln>
-            <a:solidFill>
-              <a:schemeClr val="tx1">
-                <a:lumMod val="75000"/>
-                <a:lumOff val="25000"/>
-              </a:schemeClr>
-            </a:solidFill>
-          </a:ln>
         </p:spPr>
         <p:style>
           <a:lnRef idx="2">
@@ -11924,7 +11932,7 @@
           <a:lstStyle/>
           <a:p>
             <a:pPr algn="ctr"/>
-            <a:endParaRPr lang="ko-KR" altLang="en-US">
+            <a:endParaRPr lang="en-US" altLang="ko-KR" dirty="0" smtClean="0">
               <a:solidFill>
                 <a:schemeClr val="tx1">
                   <a:lumMod val="85000"/>
@@ -11937,27 +11945,54 @@
       </p:sp>
       <p:sp>
         <p:nvSpPr>
-          <p:cNvPr id="15" name="직사각형 14"/>
-          <p:cNvSpPr/>
-          <p:nvPr/>
-        </p:nvSpPr>
-        <p:spPr>
-          <a:xfrm>
-            <a:off x="3231563" y="571035"/>
-            <a:ext cx="1854788" cy="385984"/>
+          <p:cNvPr id="5" name="TextBox 4"/>
+          <p:cNvSpPr txBox="1"/>
+          <p:nvPr/>
+        </p:nvSpPr>
+        <p:spPr>
+          <a:xfrm>
+            <a:off x="2244350" y="366581"/>
+            <a:ext cx="508473" cy="323165"/>
           </a:xfrm>
           <a:prstGeom prst="rect">
             <a:avLst/>
           </a:prstGeom>
           <a:noFill/>
-          <a:ln>
-            <a:solidFill>
-              <a:schemeClr val="tx1">
-                <a:lumMod val="75000"/>
-                <a:lumOff val="25000"/>
-              </a:schemeClr>
-            </a:solidFill>
-          </a:ln>
+        </p:spPr>
+        <p:txBody>
+          <a:bodyPr wrap="none" rtlCol="0">
+            <a:spAutoFit/>
+          </a:bodyPr>
+          <a:lstStyle/>
+          <a:p>
+            <a:r>
+              <a:rPr lang="en-US" altLang="ko-KR" sz="1500" b="1" dirty="0" smtClean="0"/>
+              <a:t>title</a:t>
+            </a:r>
+            <a:endParaRPr lang="ko-KR" altLang="en-US" sz="1500" b="1" dirty="0"/>
+          </a:p>
+        </p:txBody>
+      </p:sp>
+      <p:sp>
+        <p:nvSpPr>
+          <p:cNvPr id="29" name="직사각형 28"/>
+          <p:cNvSpPr/>
+          <p:nvPr/>
+        </p:nvSpPr>
+        <p:spPr>
+          <a:xfrm>
+            <a:off x="3159153" y="297525"/>
+            <a:ext cx="1021239" cy="1238250"/>
+          </a:xfrm>
+          <a:prstGeom prst="rect">
+            <a:avLst/>
+          </a:prstGeom>
+          <a:solidFill>
+            <a:schemeClr val="accent5">
+              <a:lumMod val="20000"/>
+              <a:lumOff val="80000"/>
+            </a:schemeClr>
+          </a:solidFill>
         </p:spPr>
         <p:style>
           <a:lnRef idx="2">
@@ -11980,17 +12015,6 @@
           <a:lstStyle/>
           <a:p>
             <a:pPr algn="ctr"/>
-            <a:r>
-              <a:rPr lang="ko-KR" altLang="en-US" smtClean="0">
-                <a:solidFill>
-                  <a:schemeClr val="tx1">
-                    <a:lumMod val="85000"/>
-                    <a:lumOff val="15000"/>
-                  </a:schemeClr>
-                </a:solidFill>
-              </a:rPr>
-              <a:t>텍스트 내용들</a:t>
-            </a:r>
             <a:endParaRPr lang="ko-KR" altLang="en-US" dirty="0">
               <a:solidFill>
                 <a:schemeClr val="tx1">
@@ -12004,27 +12028,54 @@
       </p:sp>
       <p:sp>
         <p:nvSpPr>
-          <p:cNvPr id="27" name="직사각형 26"/>
-          <p:cNvSpPr/>
-          <p:nvPr/>
-        </p:nvSpPr>
-        <p:spPr>
-          <a:xfrm>
-            <a:off x="4495799" y="2298372"/>
-            <a:ext cx="1658219" cy="2197428"/>
+          <p:cNvPr id="32" name="TextBox 31"/>
+          <p:cNvSpPr txBox="1"/>
+          <p:nvPr/>
+        </p:nvSpPr>
+        <p:spPr>
+          <a:xfrm>
+            <a:off x="3415535" y="366581"/>
+            <a:ext cx="508473" cy="323165"/>
           </a:xfrm>
           <a:prstGeom prst="rect">
             <a:avLst/>
           </a:prstGeom>
           <a:noFill/>
-          <a:ln>
-            <a:solidFill>
-              <a:schemeClr val="tx1">
-                <a:lumMod val="75000"/>
-                <a:lumOff val="25000"/>
-              </a:schemeClr>
-            </a:solidFill>
-          </a:ln>
+        </p:spPr>
+        <p:txBody>
+          <a:bodyPr wrap="none" rtlCol="0">
+            <a:spAutoFit/>
+          </a:bodyPr>
+          <a:lstStyle/>
+          <a:p>
+            <a:r>
+              <a:rPr lang="en-US" altLang="ko-KR" sz="1500" b="1" dirty="0" smtClean="0"/>
+              <a:t>title</a:t>
+            </a:r>
+            <a:endParaRPr lang="ko-KR" altLang="en-US" sz="1500" b="1" dirty="0"/>
+          </a:p>
+        </p:txBody>
+      </p:sp>
+      <p:sp>
+        <p:nvSpPr>
+          <p:cNvPr id="35" name="직사각형 34"/>
+          <p:cNvSpPr/>
+          <p:nvPr/>
+        </p:nvSpPr>
+        <p:spPr>
+          <a:xfrm>
+            <a:off x="4330338" y="297525"/>
+            <a:ext cx="1021239" cy="1238250"/>
+          </a:xfrm>
+          <a:prstGeom prst="rect">
+            <a:avLst/>
+          </a:prstGeom>
+          <a:solidFill>
+            <a:schemeClr val="accent5">
+              <a:lumMod val="20000"/>
+              <a:lumOff val="80000"/>
+            </a:schemeClr>
+          </a:solidFill>
         </p:spPr>
         <p:style>
           <a:lnRef idx="2">
@@ -12047,18 +12098,7 @@
           <a:lstStyle/>
           <a:p>
             <a:pPr algn="ctr"/>
-            <a:r>
-              <a:rPr lang="ko-KR" altLang="en-US" dirty="0" smtClean="0">
-                <a:solidFill>
-                  <a:schemeClr val="tx1">
-                    <a:lumMod val="85000"/>
-                    <a:lumOff val="15000"/>
-                  </a:schemeClr>
-                </a:solidFill>
-              </a:rPr>
-              <a:t>삽화</a:t>
-            </a:r>
-            <a:endParaRPr lang="en-US" altLang="ko-KR" dirty="0" smtClean="0">
+            <a:endParaRPr lang="ko-KR" altLang="en-US" dirty="0">
               <a:solidFill>
                 <a:schemeClr val="tx1">
                   <a:lumMod val="85000"/>
@@ -12067,847 +12107,363 @@
               </a:solidFill>
             </a:endParaRPr>
           </a:p>
-          <a:p>
-            <a:pPr algn="ctr"/>
-            <a:r>
-              <a:rPr lang="ko-KR" altLang="en-US" dirty="0" smtClean="0">
-                <a:solidFill>
-                  <a:schemeClr val="tx1">
-                    <a:lumMod val="85000"/>
-                    <a:lumOff val="15000"/>
-                  </a:schemeClr>
-                </a:solidFill>
-              </a:rPr>
-              <a:t>있을 수 있음</a:t>
-            </a:r>
-            <a:endParaRPr lang="ko-KR" altLang="en-US" dirty="0">
-              <a:solidFill>
-                <a:schemeClr val="tx1">
-                  <a:lumMod val="85000"/>
-                  <a:lumOff val="15000"/>
-                </a:schemeClr>
-              </a:solidFill>
-            </a:endParaRPr>
-          </a:p>
-        </p:txBody>
-      </p:sp>
-      <p:sp>
-        <p:nvSpPr>
-          <p:cNvPr id="32" name="직사각형 31"/>
-          <p:cNvSpPr/>
-          <p:nvPr/>
-        </p:nvSpPr>
-        <p:spPr>
-          <a:xfrm>
-            <a:off x="2215852" y="1517996"/>
-            <a:ext cx="3938166" cy="4177954"/>
-          </a:xfrm>
-          <a:prstGeom prst="rect">
-            <a:avLst/>
-          </a:prstGeom>
-          <a:solidFill>
-            <a:srgbClr val="FFC000">
-              <a:alpha val="65098"/>
-            </a:srgbClr>
-          </a:solidFill>
-          <a:ln>
-            <a:solidFill>
-              <a:schemeClr val="tx1">
-                <a:lumMod val="75000"/>
-                <a:lumOff val="25000"/>
-              </a:schemeClr>
-            </a:solidFill>
-          </a:ln>
-        </p:spPr>
-        <p:style>
-          <a:lnRef idx="2">
-            <a:schemeClr val="accent1">
-              <a:shade val="50000"/>
-            </a:schemeClr>
-          </a:lnRef>
-          <a:fillRef idx="1">
-            <a:schemeClr val="accent1"/>
-          </a:fillRef>
-          <a:effectRef idx="0">
-            <a:schemeClr val="accent1"/>
-          </a:effectRef>
-          <a:fontRef idx="minor">
-            <a:schemeClr val="lt1"/>
-          </a:fontRef>
-        </p:style>
-        <p:txBody>
-          <a:bodyPr rtlCol="0" anchor="ctr"/>
-          <a:lstStyle/>
-          <a:p>
-            <a:pPr algn="ctr"/>
-            <a:r>
-              <a:rPr lang="ko-KR" altLang="en-US" b="1" dirty="0" smtClean="0">
-                <a:solidFill>
-                  <a:schemeClr val="tx1">
-                    <a:lumMod val="85000"/>
-                    <a:lumOff val="15000"/>
-                  </a:schemeClr>
-                </a:solidFill>
-              </a:rPr>
-              <a:t>팝업 창</a:t>
-            </a:r>
-            <a:endParaRPr lang="en-US" altLang="ko-KR" b="1" dirty="0" smtClean="0">
-              <a:solidFill>
-                <a:schemeClr val="tx1">
-                  <a:lumMod val="85000"/>
-                  <a:lumOff val="15000"/>
-                </a:schemeClr>
-              </a:solidFill>
-            </a:endParaRPr>
-          </a:p>
-          <a:p>
-            <a:pPr algn="ctr"/>
-            <a:endParaRPr lang="en-US" altLang="ko-KR" dirty="0" smtClean="0">
-              <a:solidFill>
-                <a:schemeClr val="tx1">
-                  <a:lumMod val="85000"/>
-                  <a:lumOff val="15000"/>
-                </a:schemeClr>
-              </a:solidFill>
-            </a:endParaRPr>
-          </a:p>
-          <a:p>
-            <a:pPr algn="ctr"/>
-            <a:endParaRPr lang="en-US" altLang="ko-KR" dirty="0">
-              <a:solidFill>
-                <a:schemeClr val="tx1">
-                  <a:lumMod val="85000"/>
-                  <a:lumOff val="15000"/>
-                </a:schemeClr>
-              </a:solidFill>
-            </a:endParaRPr>
-          </a:p>
-          <a:p>
-            <a:pPr algn="ctr"/>
-            <a:r>
-              <a:rPr lang="en-US" altLang="ko-KR" dirty="0" smtClean="0">
-                <a:solidFill>
-                  <a:schemeClr val="tx1">
-                    <a:lumMod val="85000"/>
-                    <a:lumOff val="15000"/>
-                  </a:schemeClr>
-                </a:solidFill>
-              </a:rPr>
-              <a:t>[</a:t>
-            </a:r>
-            <a:r>
-              <a:rPr lang="ko-KR" altLang="en-US" dirty="0" smtClean="0">
-                <a:solidFill>
-                  <a:schemeClr val="tx1">
-                    <a:lumMod val="85000"/>
-                    <a:lumOff val="15000"/>
-                  </a:schemeClr>
-                </a:solidFill>
-              </a:rPr>
-              <a:t>책갈피 이동</a:t>
-            </a:r>
-            <a:r>
-              <a:rPr lang="en-US" altLang="ko-KR" dirty="0" smtClean="0">
-                <a:solidFill>
-                  <a:schemeClr val="tx1">
-                    <a:lumMod val="85000"/>
-                    <a:lumOff val="15000"/>
-                  </a:schemeClr>
-                </a:solidFill>
-              </a:rPr>
-              <a:t>]</a:t>
-            </a:r>
-            <a:endParaRPr lang="en-US" altLang="ko-KR" dirty="0" smtClean="0">
-              <a:solidFill>
-                <a:schemeClr val="tx1">
-                  <a:lumMod val="85000"/>
-                  <a:lumOff val="15000"/>
-                </a:schemeClr>
-              </a:solidFill>
-            </a:endParaRPr>
-          </a:p>
-          <a:p>
-            <a:pPr algn="ctr"/>
-            <a:r>
-              <a:rPr lang="en-US" altLang="ko-KR" dirty="0" smtClean="0">
-                <a:solidFill>
-                  <a:schemeClr val="tx1">
-                    <a:lumMod val="85000"/>
-                    <a:lumOff val="15000"/>
-                  </a:schemeClr>
-                </a:solidFill>
-              </a:rPr>
-              <a:t>[</a:t>
-            </a:r>
-            <a:r>
-              <a:rPr lang="ko-KR" altLang="en-US" dirty="0" smtClean="0">
-                <a:solidFill>
-                  <a:schemeClr val="tx1">
-                    <a:lumMod val="85000"/>
-                    <a:lumOff val="15000"/>
-                  </a:schemeClr>
-                </a:solidFill>
-              </a:rPr>
-              <a:t>클릭 위치 책갈피 저장</a:t>
-            </a:r>
-            <a:r>
-              <a:rPr lang="en-US" altLang="ko-KR" dirty="0" smtClean="0">
-                <a:solidFill>
-                  <a:schemeClr val="tx1">
-                    <a:lumMod val="85000"/>
-                    <a:lumOff val="15000"/>
-                  </a:schemeClr>
-                </a:solidFill>
-              </a:rPr>
-              <a:t>]</a:t>
-            </a:r>
-          </a:p>
-          <a:p>
-            <a:pPr algn="ctr"/>
-            <a:r>
-              <a:rPr lang="en-US" altLang="ko-KR" dirty="0" smtClean="0">
-                <a:solidFill>
-                  <a:schemeClr val="tx1">
-                    <a:lumMod val="85000"/>
-                    <a:lumOff val="15000"/>
-                  </a:schemeClr>
-                </a:solidFill>
-              </a:rPr>
-              <a:t>[</a:t>
-            </a:r>
-            <a:r>
-              <a:rPr lang="ko-KR" altLang="en-US" dirty="0" smtClean="0">
-                <a:solidFill>
-                  <a:schemeClr val="tx1">
-                    <a:lumMod val="85000"/>
-                    <a:lumOff val="15000"/>
-                  </a:schemeClr>
-                </a:solidFill>
-              </a:rPr>
-              <a:t>작가 보기</a:t>
-            </a:r>
-            <a:r>
-              <a:rPr lang="en-US" altLang="ko-KR" dirty="0" smtClean="0">
-                <a:solidFill>
-                  <a:schemeClr val="tx1">
-                    <a:lumMod val="85000"/>
-                    <a:lumOff val="15000"/>
-                  </a:schemeClr>
-                </a:solidFill>
-              </a:rPr>
-              <a:t>]</a:t>
-            </a:r>
-          </a:p>
-          <a:p>
-            <a:pPr algn="ctr"/>
-            <a:r>
-              <a:rPr lang="en-US" altLang="ko-KR" dirty="0" smtClean="0">
-                <a:solidFill>
-                  <a:schemeClr val="tx1">
-                    <a:lumMod val="85000"/>
-                    <a:lumOff val="15000"/>
-                  </a:schemeClr>
-                </a:solidFill>
-              </a:rPr>
-              <a:t>[</a:t>
-            </a:r>
-            <a:r>
-              <a:rPr lang="ko-KR" altLang="en-US" dirty="0" smtClean="0">
-                <a:solidFill>
-                  <a:schemeClr val="tx1">
-                    <a:lumMod val="85000"/>
-                    <a:lumOff val="15000"/>
-                  </a:schemeClr>
-                </a:solidFill>
-              </a:rPr>
-              <a:t>현재 영역 기준 </a:t>
-            </a:r>
-            <a:r>
-              <a:rPr lang="ko-KR" altLang="en-US" dirty="0" err="1" smtClean="0">
-                <a:solidFill>
-                  <a:schemeClr val="tx1">
-                    <a:lumMod val="85000"/>
-                    <a:lumOff val="15000"/>
-                  </a:schemeClr>
-                </a:solidFill>
-              </a:rPr>
-              <a:t>댓글달기</a:t>
-            </a:r>
-            <a:r>
-              <a:rPr lang="en-US" altLang="ko-KR" dirty="0" smtClean="0">
-                <a:solidFill>
-                  <a:schemeClr val="tx1">
-                    <a:lumMod val="85000"/>
-                    <a:lumOff val="15000"/>
-                  </a:schemeClr>
-                </a:solidFill>
-              </a:rPr>
-              <a:t>]</a:t>
-            </a:r>
-          </a:p>
-          <a:p>
-            <a:pPr algn="ctr"/>
-            <a:r>
-              <a:rPr lang="en-US" altLang="ko-KR" dirty="0" smtClean="0">
-                <a:solidFill>
-                  <a:schemeClr val="tx1">
-                    <a:lumMod val="85000"/>
-                    <a:lumOff val="15000"/>
-                  </a:schemeClr>
-                </a:solidFill>
-              </a:rPr>
-              <a:t>(</a:t>
-            </a:r>
-            <a:r>
-              <a:rPr lang="ko-KR" altLang="en-US" dirty="0" smtClean="0">
-                <a:solidFill>
-                  <a:schemeClr val="tx1">
-                    <a:lumMod val="85000"/>
-                    <a:lumOff val="15000"/>
-                  </a:schemeClr>
-                </a:solidFill>
-              </a:rPr>
-              <a:t>댓글은 작가와 </a:t>
-            </a:r>
-            <a:r>
-              <a:rPr lang="ko-KR" altLang="en-US" dirty="0" err="1" smtClean="0">
-                <a:solidFill>
-                  <a:schemeClr val="tx1">
-                    <a:lumMod val="85000"/>
-                    <a:lumOff val="15000"/>
-                  </a:schemeClr>
-                </a:solidFill>
-              </a:rPr>
-              <a:t>자기자신만</a:t>
-            </a:r>
-            <a:r>
-              <a:rPr lang="ko-KR" altLang="en-US" dirty="0" smtClean="0">
-                <a:solidFill>
-                  <a:schemeClr val="tx1">
-                    <a:lumMod val="85000"/>
-                    <a:lumOff val="15000"/>
-                  </a:schemeClr>
-                </a:solidFill>
-              </a:rPr>
-              <a:t> 본다</a:t>
-            </a:r>
-            <a:r>
-              <a:rPr lang="en-US" altLang="ko-KR" dirty="0" smtClean="0">
-                <a:solidFill>
-                  <a:schemeClr val="tx1">
-                    <a:lumMod val="85000"/>
-                    <a:lumOff val="15000"/>
-                  </a:schemeClr>
-                </a:solidFill>
-              </a:rPr>
-              <a:t>.)</a:t>
-            </a:r>
-          </a:p>
-          <a:p>
-            <a:pPr algn="ctr"/>
-            <a:r>
-              <a:rPr lang="en-US" altLang="ko-KR" dirty="0" smtClean="0">
-                <a:solidFill>
-                  <a:schemeClr val="tx1">
-                    <a:lumMod val="85000"/>
-                    <a:lumOff val="15000"/>
-                  </a:schemeClr>
-                </a:solidFill>
-              </a:rPr>
-              <a:t>[</a:t>
-            </a:r>
-            <a:r>
-              <a:rPr lang="ko-KR" altLang="en-US" dirty="0" smtClean="0">
-                <a:solidFill>
-                  <a:schemeClr val="tx1">
-                    <a:lumMod val="85000"/>
-                    <a:lumOff val="15000"/>
-                  </a:schemeClr>
-                </a:solidFill>
-              </a:rPr>
-              <a:t>삽화 신청</a:t>
-            </a:r>
-            <a:r>
-              <a:rPr lang="en-US" altLang="ko-KR" dirty="0" smtClean="0">
-                <a:solidFill>
-                  <a:schemeClr val="tx1">
-                    <a:lumMod val="85000"/>
-                    <a:lumOff val="15000"/>
-                  </a:schemeClr>
-                </a:solidFill>
-              </a:rPr>
-              <a:t>]</a:t>
-            </a:r>
-          </a:p>
-          <a:p>
-            <a:pPr algn="ctr"/>
-            <a:r>
-              <a:rPr lang="en-US" altLang="ko-KR" dirty="0" smtClean="0">
-                <a:solidFill>
-                  <a:schemeClr val="tx1">
-                    <a:lumMod val="85000"/>
-                    <a:lumOff val="15000"/>
-                  </a:schemeClr>
-                </a:solidFill>
-              </a:rPr>
-              <a:t>[</a:t>
-            </a:r>
-            <a:r>
-              <a:rPr lang="ko-KR" altLang="en-US" dirty="0" err="1" smtClean="0">
-                <a:solidFill>
-                  <a:schemeClr val="tx1">
-                    <a:lumMod val="85000"/>
-                    <a:lumOff val="15000"/>
-                  </a:schemeClr>
-                </a:solidFill>
-              </a:rPr>
-              <a:t>홈화면</a:t>
-            </a:r>
-            <a:r>
-              <a:rPr lang="ko-KR" altLang="en-US" dirty="0" smtClean="0">
-                <a:solidFill>
-                  <a:schemeClr val="tx1">
-                    <a:lumMod val="85000"/>
-                    <a:lumOff val="15000"/>
-                  </a:schemeClr>
-                </a:solidFill>
-              </a:rPr>
-              <a:t> 가기</a:t>
-            </a:r>
-            <a:r>
-              <a:rPr lang="en-US" altLang="ko-KR" dirty="0" smtClean="0">
-                <a:solidFill>
-                  <a:schemeClr val="tx1">
-                    <a:lumMod val="85000"/>
-                    <a:lumOff val="15000"/>
-                  </a:schemeClr>
-                </a:solidFill>
-              </a:rPr>
-              <a:t>]</a:t>
-            </a:r>
-          </a:p>
-          <a:p>
-            <a:pPr algn="ctr"/>
-            <a:endParaRPr lang="en-US" altLang="ko-KR" dirty="0">
-              <a:solidFill>
-                <a:schemeClr val="tx1">
-                  <a:lumMod val="85000"/>
-                  <a:lumOff val="15000"/>
-                </a:schemeClr>
-              </a:solidFill>
-            </a:endParaRPr>
-          </a:p>
-          <a:p>
-            <a:pPr algn="ctr"/>
-            <a:endParaRPr lang="en-US" altLang="ko-KR" dirty="0" smtClean="0">
-              <a:solidFill>
-                <a:schemeClr val="tx1">
-                  <a:lumMod val="85000"/>
-                  <a:lumOff val="15000"/>
-                </a:schemeClr>
-              </a:solidFill>
-            </a:endParaRPr>
-          </a:p>
-          <a:p>
-            <a:pPr algn="ctr"/>
-            <a:r>
-              <a:rPr lang="en-US" altLang="ko-KR" dirty="0" smtClean="0">
-                <a:solidFill>
-                  <a:schemeClr val="tx1">
-                    <a:lumMod val="85000"/>
-                    <a:lumOff val="15000"/>
-                  </a:schemeClr>
-                </a:solidFill>
-              </a:rPr>
-              <a:t>[</a:t>
-            </a:r>
-            <a:r>
-              <a:rPr lang="ko-KR" altLang="en-US" dirty="0" smtClean="0">
-                <a:solidFill>
-                  <a:schemeClr val="tx1">
-                    <a:lumMod val="85000"/>
-                    <a:lumOff val="15000"/>
-                  </a:schemeClr>
-                </a:solidFill>
-              </a:rPr>
-              <a:t>닫기</a:t>
-            </a:r>
-            <a:r>
-              <a:rPr lang="en-US" altLang="ko-KR" dirty="0" smtClean="0">
-                <a:solidFill>
-                  <a:schemeClr val="tx1">
-                    <a:lumMod val="85000"/>
-                    <a:lumOff val="15000"/>
-                  </a:schemeClr>
-                </a:solidFill>
-              </a:rPr>
-              <a:t>]</a:t>
-            </a:r>
-          </a:p>
-          <a:p>
-            <a:pPr algn="ctr"/>
-            <a:endParaRPr lang="ko-KR" altLang="en-US" dirty="0">
-              <a:solidFill>
-                <a:schemeClr val="tx1">
-                  <a:lumMod val="85000"/>
-                  <a:lumOff val="15000"/>
-                </a:schemeClr>
-              </a:solidFill>
-            </a:endParaRPr>
-          </a:p>
-        </p:txBody>
-      </p:sp>
-      <p:sp>
-        <p:nvSpPr>
-          <p:cNvPr id="14" name="직사각형 13"/>
-          <p:cNvSpPr/>
-          <p:nvPr/>
-        </p:nvSpPr>
-        <p:spPr>
-          <a:xfrm>
-            <a:off x="6943577" y="1218738"/>
-            <a:ext cx="1269399" cy="299258"/>
+        </p:txBody>
+      </p:sp>
+      <p:sp>
+        <p:nvSpPr>
+          <p:cNvPr id="36" name="TextBox 35"/>
+          <p:cNvSpPr txBox="1"/>
+          <p:nvPr/>
+        </p:nvSpPr>
+        <p:spPr>
+          <a:xfrm>
+            <a:off x="4586720" y="366581"/>
+            <a:ext cx="508473" cy="323165"/>
           </a:xfrm>
           <a:prstGeom prst="rect">
             <a:avLst/>
           </a:prstGeom>
           <a:noFill/>
-          <a:ln>
-            <a:solidFill>
-              <a:schemeClr val="tx1">
-                <a:lumMod val="75000"/>
-                <a:lumOff val="25000"/>
-              </a:schemeClr>
-            </a:solidFill>
-          </a:ln>
-        </p:spPr>
-        <p:style>
-          <a:lnRef idx="2">
-            <a:schemeClr val="accent1">
-              <a:shade val="50000"/>
-            </a:schemeClr>
-          </a:lnRef>
-          <a:fillRef idx="1">
-            <a:schemeClr val="accent1"/>
-          </a:fillRef>
-          <a:effectRef idx="0">
-            <a:schemeClr val="accent1"/>
-          </a:effectRef>
-          <a:fontRef idx="minor">
-            <a:schemeClr val="lt1"/>
-          </a:fontRef>
-        </p:style>
-        <p:txBody>
-          <a:bodyPr rtlCol="0" anchor="ctr"/>
-          <a:lstStyle/>
-          <a:p>
-            <a:pPr algn="ctr"/>
-            <a:r>
-              <a:rPr lang="ko-KR" altLang="en-US" dirty="0" smtClean="0">
-                <a:solidFill>
-                  <a:schemeClr val="tx1">
-                    <a:lumMod val="85000"/>
-                    <a:lumOff val="15000"/>
-                  </a:schemeClr>
-                </a:solidFill>
-              </a:rPr>
-              <a:t>스크롤</a:t>
-            </a:r>
-            <a:endParaRPr lang="ko-KR" altLang="en-US" dirty="0">
-              <a:solidFill>
-                <a:schemeClr val="tx1">
-                  <a:lumMod val="85000"/>
-                  <a:lumOff val="15000"/>
-                </a:schemeClr>
-              </a:solidFill>
-            </a:endParaRPr>
-          </a:p>
-        </p:txBody>
-      </p:sp>
-      <p:sp>
-        <p:nvSpPr>
-          <p:cNvPr id="16" name="직사각형 15"/>
-          <p:cNvSpPr/>
-          <p:nvPr/>
-        </p:nvSpPr>
-        <p:spPr>
-          <a:xfrm>
-            <a:off x="6943577" y="5695950"/>
-            <a:ext cx="2200423" cy="997126"/>
+        </p:spPr>
+        <p:txBody>
+          <a:bodyPr wrap="none" rtlCol="0">
+            <a:spAutoFit/>
+          </a:bodyPr>
+          <a:lstStyle/>
+          <a:p>
+            <a:r>
+              <a:rPr lang="en-US" altLang="ko-KR" sz="1500" b="1" dirty="0" smtClean="0"/>
+              <a:t>title</a:t>
+            </a:r>
+            <a:endParaRPr lang="ko-KR" altLang="en-US" sz="1500" b="1" dirty="0"/>
+          </a:p>
+        </p:txBody>
+      </p:sp>
+      <p:sp>
+        <p:nvSpPr>
+          <p:cNvPr id="56" name="TextBox 55"/>
+          <p:cNvSpPr txBox="1"/>
+          <p:nvPr/>
+        </p:nvSpPr>
+        <p:spPr>
+          <a:xfrm>
+            <a:off x="2201870" y="796171"/>
+            <a:ext cx="593432" cy="230832"/>
           </a:xfrm>
           <a:prstGeom prst="rect">
             <a:avLst/>
           </a:prstGeom>
           <a:noFill/>
-          <a:ln>
-            <a:solidFill>
-              <a:schemeClr val="tx1">
-                <a:lumMod val="75000"/>
-                <a:lumOff val="25000"/>
-              </a:schemeClr>
-            </a:solidFill>
-          </a:ln>
-        </p:spPr>
-        <p:style>
-          <a:lnRef idx="2">
-            <a:schemeClr val="accent1">
-              <a:shade val="50000"/>
-            </a:schemeClr>
-          </a:lnRef>
-          <a:fillRef idx="1">
-            <a:schemeClr val="accent1"/>
-          </a:fillRef>
-          <a:effectRef idx="0">
-            <a:schemeClr val="accent1"/>
-          </a:effectRef>
-          <a:fontRef idx="minor">
-            <a:schemeClr val="lt1"/>
-          </a:fontRef>
-        </p:style>
-        <p:txBody>
-          <a:bodyPr rtlCol="0" anchor="ctr"/>
-          <a:lstStyle/>
-          <a:p>
-            <a:pPr algn="ctr"/>
-            <a:r>
-              <a:rPr lang="ko-KR" altLang="en-US" dirty="0" smtClean="0">
-                <a:solidFill>
-                  <a:schemeClr val="tx1">
-                    <a:lumMod val="85000"/>
-                    <a:lumOff val="15000"/>
-                  </a:schemeClr>
-                </a:solidFill>
-              </a:rPr>
-              <a:t>페이지 개념 없애자</a:t>
-            </a:r>
-            <a:endParaRPr lang="en-US" altLang="ko-KR" dirty="0" smtClean="0">
-              <a:solidFill>
-                <a:schemeClr val="tx1">
-                  <a:lumMod val="85000"/>
-                  <a:lumOff val="15000"/>
-                </a:schemeClr>
-              </a:solidFill>
-            </a:endParaRPr>
-          </a:p>
-          <a:p>
-            <a:pPr algn="ctr"/>
-            <a:r>
-              <a:rPr lang="ko-KR" altLang="en-US" dirty="0" smtClean="0">
-                <a:solidFill>
-                  <a:schemeClr val="tx1">
-                    <a:lumMod val="85000"/>
-                    <a:lumOff val="15000"/>
-                  </a:schemeClr>
-                </a:solidFill>
-              </a:rPr>
-              <a:t>라인 수만으로 해결</a:t>
-            </a:r>
-            <a:endParaRPr lang="ko-KR" altLang="en-US" dirty="0">
-              <a:solidFill>
-                <a:schemeClr val="tx1">
-                  <a:lumMod val="85000"/>
-                  <a:lumOff val="15000"/>
-                </a:schemeClr>
-              </a:solidFill>
-            </a:endParaRPr>
-          </a:p>
-        </p:txBody>
-      </p:sp>
-      <p:sp>
-        <p:nvSpPr>
-          <p:cNvPr id="11" name="직사각형 10"/>
-          <p:cNvSpPr/>
-          <p:nvPr/>
-        </p:nvSpPr>
-        <p:spPr>
-          <a:xfrm>
-            <a:off x="4800600" y="6338667"/>
-            <a:ext cx="1618387" cy="354409"/>
+        </p:spPr>
+        <p:txBody>
+          <a:bodyPr wrap="none" rtlCol="0">
+            <a:spAutoFit/>
+          </a:bodyPr>
+          <a:lstStyle/>
+          <a:p>
+            <a:r>
+              <a:rPr lang="ko-KR" altLang="en-US" sz="900" b="1" dirty="0" smtClean="0"/>
+              <a:t>배경</a:t>
+            </a:r>
+            <a:r>
+              <a:rPr lang="en-US" altLang="ko-KR" sz="900" b="1" dirty="0" err="1" smtClean="0"/>
+              <a:t>img</a:t>
+            </a:r>
+            <a:endParaRPr lang="ko-KR" altLang="en-US" sz="900" b="1" dirty="0"/>
+          </a:p>
+        </p:txBody>
+      </p:sp>
+      <p:sp>
+        <p:nvSpPr>
+          <p:cNvPr id="63" name="TextBox 62"/>
+          <p:cNvSpPr txBox="1"/>
+          <p:nvPr/>
+        </p:nvSpPr>
+        <p:spPr>
+          <a:xfrm>
+            <a:off x="3373055" y="796171"/>
+            <a:ext cx="593432" cy="230832"/>
           </a:xfrm>
           <a:prstGeom prst="rect">
             <a:avLst/>
           </a:prstGeom>
-          <a:solidFill>
-            <a:srgbClr val="FFC000"/>
-          </a:solidFill>
-          <a:ln>
-            <a:solidFill>
-              <a:schemeClr val="tx1">
-                <a:lumMod val="75000"/>
-                <a:lumOff val="25000"/>
-              </a:schemeClr>
-            </a:solidFill>
-          </a:ln>
-        </p:spPr>
-        <p:style>
-          <a:lnRef idx="2">
-            <a:schemeClr val="accent1">
-              <a:shade val="50000"/>
-            </a:schemeClr>
-          </a:lnRef>
-          <a:fillRef idx="1">
-            <a:schemeClr val="accent1"/>
-          </a:fillRef>
-          <a:effectRef idx="0">
-            <a:schemeClr val="accent1"/>
-          </a:effectRef>
-          <a:fontRef idx="minor">
-            <a:schemeClr val="lt1"/>
-          </a:fontRef>
-        </p:style>
-        <p:txBody>
-          <a:bodyPr rtlCol="0" anchor="ctr"/>
-          <a:lstStyle/>
-          <a:p>
-            <a:pPr algn="ctr"/>
-            <a:r>
-              <a:rPr lang="ko-KR" altLang="en-US" smtClean="0">
-                <a:solidFill>
-                  <a:schemeClr val="tx1">
-                    <a:lumMod val="85000"/>
-                    <a:lumOff val="15000"/>
-                  </a:schemeClr>
-                </a:solidFill>
-              </a:rPr>
-              <a:t>아이콘 버튼</a:t>
-            </a:r>
-            <a:endParaRPr lang="ko-KR" altLang="en-US" dirty="0">
-              <a:solidFill>
-                <a:schemeClr val="tx1">
-                  <a:lumMod val="85000"/>
-                  <a:lumOff val="15000"/>
-                </a:schemeClr>
-              </a:solidFill>
-            </a:endParaRPr>
-          </a:p>
-        </p:txBody>
-      </p:sp>
-      <p:sp>
-        <p:nvSpPr>
-          <p:cNvPr id="12" name="직사각형 11"/>
-          <p:cNvSpPr/>
-          <p:nvPr/>
-        </p:nvSpPr>
-        <p:spPr>
-          <a:xfrm>
-            <a:off x="1670858" y="0"/>
-            <a:ext cx="5054139" cy="6858000"/>
+          <a:noFill/>
+        </p:spPr>
+        <p:txBody>
+          <a:bodyPr wrap="none" rtlCol="0">
+            <a:spAutoFit/>
+          </a:bodyPr>
+          <a:lstStyle/>
+          <a:p>
+            <a:r>
+              <a:rPr lang="ko-KR" altLang="en-US" sz="900" b="1" smtClean="0"/>
+              <a:t>배경</a:t>
+            </a:r>
+            <a:r>
+              <a:rPr lang="en-US" altLang="ko-KR" sz="900" b="1" dirty="0" err="1" smtClean="0"/>
+              <a:t>img</a:t>
+            </a:r>
+            <a:endParaRPr lang="ko-KR" altLang="en-US" sz="900" b="1" dirty="0"/>
+          </a:p>
+        </p:txBody>
+      </p:sp>
+      <p:sp>
+        <p:nvSpPr>
+          <p:cNvPr id="64" name="TextBox 63"/>
+          <p:cNvSpPr txBox="1"/>
+          <p:nvPr/>
+        </p:nvSpPr>
+        <p:spPr>
+          <a:xfrm>
+            <a:off x="4556204" y="796171"/>
+            <a:ext cx="593432" cy="230832"/>
           </a:xfrm>
           <a:prstGeom prst="rect">
             <a:avLst/>
           </a:prstGeom>
-          <a:solidFill>
-            <a:srgbClr val="404040">
-              <a:alpha val="50196"/>
-            </a:srgbClr>
-          </a:solidFill>
-          <a:ln>
-            <a:solidFill>
-              <a:schemeClr val="tx1">
-                <a:lumMod val="75000"/>
-                <a:lumOff val="25000"/>
-              </a:schemeClr>
-            </a:solidFill>
-          </a:ln>
-        </p:spPr>
-        <p:style>
-          <a:lnRef idx="2">
-            <a:schemeClr val="accent1">
-              <a:shade val="50000"/>
-            </a:schemeClr>
-          </a:lnRef>
-          <a:fillRef idx="1">
-            <a:schemeClr val="accent1"/>
-          </a:fillRef>
-          <a:effectRef idx="0">
-            <a:schemeClr val="accent1"/>
-          </a:effectRef>
-          <a:fontRef idx="minor">
-            <a:schemeClr val="lt1"/>
-          </a:fontRef>
-        </p:style>
-        <p:txBody>
-          <a:bodyPr rtlCol="0" anchor="ctr"/>
-          <a:lstStyle/>
-          <a:p>
-            <a:pPr algn="ctr"/>
-            <a:r>
-              <a:rPr lang="ko-KR" altLang="en-US" smtClean="0">
-                <a:solidFill>
-                  <a:schemeClr val="tx1">
-                    <a:lumMod val="85000"/>
-                    <a:lumOff val="15000"/>
-                  </a:schemeClr>
-                </a:solidFill>
-              </a:rPr>
-              <a:t>텍스트 내용들</a:t>
-            </a:r>
-            <a:endParaRPr lang="ko-KR" altLang="en-US" dirty="0">
-              <a:solidFill>
-                <a:schemeClr val="tx1">
-                  <a:lumMod val="85000"/>
-                  <a:lumOff val="15000"/>
-                </a:schemeClr>
-              </a:solidFill>
-            </a:endParaRPr>
-          </a:p>
-        </p:txBody>
-      </p:sp>
-      <p:sp>
-        <p:nvSpPr>
-          <p:cNvPr id="3" name="직사각형 2"/>
-          <p:cNvSpPr/>
-          <p:nvPr/>
-        </p:nvSpPr>
-        <p:spPr>
-          <a:xfrm>
-            <a:off x="1679539" y="571035"/>
-            <a:ext cx="5045457" cy="5767631"/>
+          <a:noFill/>
+        </p:spPr>
+        <p:txBody>
+          <a:bodyPr wrap="none" rtlCol="0">
+            <a:spAutoFit/>
+          </a:bodyPr>
+          <a:lstStyle/>
+          <a:p>
+            <a:r>
+              <a:rPr lang="ko-KR" altLang="en-US" sz="900" b="1" smtClean="0"/>
+              <a:t>배경</a:t>
+            </a:r>
+            <a:r>
+              <a:rPr lang="en-US" altLang="ko-KR" sz="900" b="1" dirty="0" err="1" smtClean="0"/>
+              <a:t>img</a:t>
+            </a:r>
+            <a:endParaRPr lang="ko-KR" altLang="en-US" sz="900" b="1" dirty="0"/>
+          </a:p>
+        </p:txBody>
+      </p:sp>
+      <p:sp>
+        <p:nvSpPr>
+          <p:cNvPr id="65" name="TextBox 64"/>
+          <p:cNvSpPr txBox="1"/>
+          <p:nvPr/>
+        </p:nvSpPr>
+        <p:spPr>
+          <a:xfrm>
+            <a:off x="2293313" y="1066020"/>
+            <a:ext cx="415498" cy="230832"/>
           </a:xfrm>
           <a:prstGeom prst="rect">
             <a:avLst/>
           </a:prstGeom>
-          <a:solidFill>
-            <a:srgbClr val="6699FF">
-              <a:alpha val="72157"/>
-            </a:srgbClr>
-          </a:solidFill>
-        </p:spPr>
-        <p:style>
-          <a:lnRef idx="2">
-            <a:schemeClr val="accent1">
-              <a:shade val="50000"/>
-            </a:schemeClr>
-          </a:lnRef>
-          <a:fillRef idx="1">
-            <a:schemeClr val="accent1"/>
-          </a:fillRef>
-          <a:effectRef idx="0">
-            <a:schemeClr val="accent1"/>
-          </a:effectRef>
-          <a:fontRef idx="minor">
-            <a:schemeClr val="lt1"/>
-          </a:fontRef>
-        </p:style>
-        <p:txBody>
-          <a:bodyPr rtlCol="0" anchor="ctr"/>
-          <a:lstStyle/>
-          <a:p>
-            <a:pPr algn="ctr"/>
-            <a:endParaRPr lang="ko-KR" altLang="en-US"/>
-          </a:p>
-        </p:txBody>
-      </p:sp>
-      <p:sp>
-        <p:nvSpPr>
-          <p:cNvPr id="6" name="모서리가 둥근 직사각형 5"/>
+          <a:noFill/>
+        </p:spPr>
+        <p:txBody>
+          <a:bodyPr wrap="none" rtlCol="0">
+            <a:spAutoFit/>
+          </a:bodyPr>
+          <a:lstStyle/>
+          <a:p>
+            <a:r>
+              <a:rPr lang="ko-KR" altLang="en-US" sz="900" b="1" dirty="0" smtClean="0"/>
+              <a:t>완결</a:t>
+            </a:r>
+            <a:endParaRPr lang="ko-KR" altLang="en-US" sz="900" b="1" dirty="0"/>
+          </a:p>
+        </p:txBody>
+      </p:sp>
+      <p:sp>
+        <p:nvSpPr>
+          <p:cNvPr id="66" name="TextBox 65"/>
+          <p:cNvSpPr txBox="1"/>
+          <p:nvPr/>
+        </p:nvSpPr>
+        <p:spPr>
+          <a:xfrm>
+            <a:off x="3373056" y="1066020"/>
+            <a:ext cx="619882" cy="230832"/>
+          </a:xfrm>
+          <a:prstGeom prst="rect">
+            <a:avLst/>
+          </a:prstGeom>
+          <a:noFill/>
+        </p:spPr>
+        <p:txBody>
+          <a:bodyPr wrap="square" rtlCol="0">
+            <a:spAutoFit/>
+          </a:bodyPr>
+          <a:lstStyle/>
+          <a:p>
+            <a:r>
+              <a:rPr lang="ko-KR" altLang="en-US" sz="900" b="1" dirty="0" smtClean="0"/>
+              <a:t>연재 중</a:t>
+            </a:r>
+            <a:endParaRPr lang="ko-KR" altLang="en-US" sz="900" b="1" dirty="0"/>
+          </a:p>
+        </p:txBody>
+      </p:sp>
+      <p:sp>
+        <p:nvSpPr>
+          <p:cNvPr id="68" name="TextBox 67"/>
+          <p:cNvSpPr txBox="1"/>
+          <p:nvPr/>
+        </p:nvSpPr>
+        <p:spPr>
+          <a:xfrm>
+            <a:off x="4526703" y="1066020"/>
+            <a:ext cx="619882" cy="230832"/>
+          </a:xfrm>
+          <a:prstGeom prst="rect">
+            <a:avLst/>
+          </a:prstGeom>
+          <a:noFill/>
+        </p:spPr>
+        <p:txBody>
+          <a:bodyPr wrap="square" rtlCol="0">
+            <a:spAutoFit/>
+          </a:bodyPr>
+          <a:lstStyle/>
+          <a:p>
+            <a:r>
+              <a:rPr lang="ko-KR" altLang="en-US" sz="900" b="1" dirty="0" smtClean="0"/>
+              <a:t>연재 중</a:t>
+            </a:r>
+            <a:endParaRPr lang="ko-KR" altLang="en-US" sz="900" b="1" dirty="0"/>
+          </a:p>
+        </p:txBody>
+      </p:sp>
+      <p:sp>
+        <p:nvSpPr>
+          <p:cNvPr id="6" name="TextBox 5"/>
+          <p:cNvSpPr txBox="1"/>
+          <p:nvPr/>
+        </p:nvSpPr>
+        <p:spPr>
+          <a:xfrm>
+            <a:off x="1987968" y="1618446"/>
+            <a:ext cx="1467068" cy="230832"/>
+          </a:xfrm>
+          <a:prstGeom prst="rect">
+            <a:avLst/>
+          </a:prstGeom>
+          <a:noFill/>
+        </p:spPr>
+        <p:txBody>
+          <a:bodyPr wrap="none" rtlCol="0">
+            <a:spAutoFit/>
+          </a:bodyPr>
+          <a:lstStyle/>
+          <a:p>
+            <a:r>
+              <a:rPr lang="ko-KR" altLang="en-US" sz="900" smtClean="0"/>
+              <a:t>클릭 시 집필 모드 창 이동</a:t>
+            </a:r>
+            <a:endParaRPr lang="ko-KR" altLang="en-US" sz="900"/>
+          </a:p>
+        </p:txBody>
+      </p:sp>
+      <p:sp>
+        <p:nvSpPr>
+          <p:cNvPr id="69" name="TextBox 68"/>
+          <p:cNvSpPr txBox="1"/>
+          <p:nvPr/>
+        </p:nvSpPr>
+        <p:spPr>
+          <a:xfrm>
+            <a:off x="2243435" y="1264107"/>
+            <a:ext cx="530915" cy="230832"/>
+          </a:xfrm>
+          <a:prstGeom prst="rect">
+            <a:avLst/>
+          </a:prstGeom>
+          <a:noFill/>
+        </p:spPr>
+        <p:txBody>
+          <a:bodyPr wrap="none" rtlCol="0">
+            <a:spAutoFit/>
+          </a:bodyPr>
+          <a:lstStyle/>
+          <a:p>
+            <a:pPr algn="ctr"/>
+            <a:r>
+              <a:rPr lang="ko-KR" altLang="en-US" sz="900" b="1" smtClean="0"/>
+              <a:t>조회수</a:t>
+            </a:r>
+            <a:endParaRPr lang="ko-KR" altLang="en-US" sz="900" b="1" dirty="0"/>
+          </a:p>
+        </p:txBody>
+      </p:sp>
+      <p:sp>
+        <p:nvSpPr>
+          <p:cNvPr id="70" name="TextBox 69"/>
+          <p:cNvSpPr txBox="1"/>
+          <p:nvPr/>
+        </p:nvSpPr>
+        <p:spPr>
+          <a:xfrm>
+            <a:off x="3373056" y="1264107"/>
+            <a:ext cx="619882" cy="230832"/>
+          </a:xfrm>
+          <a:prstGeom prst="rect">
+            <a:avLst/>
+          </a:prstGeom>
+          <a:noFill/>
+        </p:spPr>
+        <p:txBody>
+          <a:bodyPr wrap="square" rtlCol="0">
+            <a:spAutoFit/>
+          </a:bodyPr>
+          <a:lstStyle/>
+          <a:p>
+            <a:pPr algn="ctr"/>
+            <a:r>
+              <a:rPr lang="ko-KR" altLang="en-US" sz="900" b="1" smtClean="0"/>
+              <a:t>조회수</a:t>
+            </a:r>
+            <a:endParaRPr lang="ko-KR" altLang="en-US" sz="900" b="1" dirty="0"/>
+          </a:p>
+        </p:txBody>
+      </p:sp>
+      <p:sp>
+        <p:nvSpPr>
+          <p:cNvPr id="71" name="TextBox 70"/>
+          <p:cNvSpPr txBox="1"/>
+          <p:nvPr/>
+        </p:nvSpPr>
+        <p:spPr>
+          <a:xfrm>
+            <a:off x="4526703" y="1264107"/>
+            <a:ext cx="619882" cy="230832"/>
+          </a:xfrm>
+          <a:prstGeom prst="rect">
+            <a:avLst/>
+          </a:prstGeom>
+          <a:noFill/>
+        </p:spPr>
+        <p:txBody>
+          <a:bodyPr wrap="square" rtlCol="0">
+            <a:spAutoFit/>
+          </a:bodyPr>
+          <a:lstStyle/>
+          <a:p>
+            <a:pPr algn="ctr"/>
+            <a:r>
+              <a:rPr lang="ko-KR" altLang="en-US" sz="900" b="1" dirty="0" smtClean="0"/>
+              <a:t>조회수</a:t>
+            </a:r>
+            <a:endParaRPr lang="ko-KR" altLang="en-US" sz="900" b="1" dirty="0"/>
+          </a:p>
+        </p:txBody>
+      </p:sp>
+      <p:sp>
+        <p:nvSpPr>
+          <p:cNvPr id="72" name="모서리가 둥근 직사각형 71"/>
           <p:cNvSpPr/>
           <p:nvPr/>
         </p:nvSpPr>
         <p:spPr>
           <a:xfrm>
-            <a:off x="5663599" y="5775413"/>
-            <a:ext cx="777564" cy="419100"/>
+            <a:off x="5663599" y="6308813"/>
+            <a:ext cx="777564" cy="291492"/>
           </a:xfrm>
           <a:prstGeom prst="roundRect">
             <a:avLst/>
@@ -12945,15 +12501,15 @@
           <a:p>
             <a:pPr algn="ctr"/>
             <a:r>
-              <a:rPr lang="ko-KR" altLang="en-US" sz="900" dirty="0" smtClean="0">
-                <a:solidFill>
-                  <a:schemeClr val="tx1">
-                    <a:lumMod val="85000"/>
-                    <a:lumOff val="15000"/>
-                  </a:schemeClr>
-                </a:solidFill>
-              </a:rPr>
-              <a:t>닫기</a:t>
+              <a:rPr lang="ko-KR" altLang="en-US" sz="900" dirty="0" err="1" smtClean="0">
+                <a:solidFill>
+                  <a:schemeClr val="tx1">
+                    <a:lumMod val="85000"/>
+                    <a:lumOff val="15000"/>
+                  </a:schemeClr>
+                </a:solidFill>
+              </a:rPr>
+              <a:t>홈화면</a:t>
             </a:r>
             <a:endParaRPr lang="ko-KR" altLang="en-US" sz="900" dirty="0">
               <a:solidFill>
@@ -12966,400 +12522,10 @@
           </a:p>
         </p:txBody>
       </p:sp>
-      <p:sp>
-        <p:nvSpPr>
-          <p:cNvPr id="17" name="모서리가 둥근 직사각형 16"/>
-          <p:cNvSpPr/>
-          <p:nvPr/>
-        </p:nvSpPr>
-        <p:spPr>
-          <a:xfrm>
-            <a:off x="3642866" y="800099"/>
-            <a:ext cx="2967830" cy="1508765"/>
-          </a:xfrm>
-          <a:prstGeom prst="roundRect">
-            <a:avLst/>
-          </a:prstGeom>
-          <a:solidFill>
-            <a:schemeClr val="bg1">
-              <a:lumMod val="85000"/>
-            </a:schemeClr>
-          </a:solidFill>
-          <a:ln>
-            <a:solidFill>
-              <a:schemeClr val="tx1"/>
-            </a:solidFill>
-          </a:ln>
-        </p:spPr>
-        <p:style>
-          <a:lnRef idx="2">
-            <a:schemeClr val="accent1">
-              <a:shade val="50000"/>
-            </a:schemeClr>
-          </a:lnRef>
-          <a:fillRef idx="1">
-            <a:schemeClr val="accent1"/>
-          </a:fillRef>
-          <a:effectRef idx="0">
-            <a:schemeClr val="accent1"/>
-          </a:effectRef>
-          <a:fontRef idx="minor">
-            <a:schemeClr val="lt1"/>
-          </a:fontRef>
-        </p:style>
-        <p:txBody>
-          <a:bodyPr rtlCol="0" anchor="ctr"/>
-          <a:lstStyle/>
-          <a:p>
-            <a:pPr algn="ctr"/>
-            <a:r>
-              <a:rPr lang="ko-KR" altLang="en-US" sz="900" dirty="0" err="1" smtClean="0">
-                <a:solidFill>
-                  <a:schemeClr val="tx1">
-                    <a:lumMod val="85000"/>
-                    <a:lumOff val="15000"/>
-                  </a:schemeClr>
-                </a:solidFill>
-              </a:rPr>
-              <a:t>출생년</a:t>
-            </a:r>
-            <a:endParaRPr lang="en-US" altLang="ko-KR" sz="900" dirty="0" smtClean="0">
-              <a:solidFill>
-                <a:schemeClr val="tx1">
-                  <a:lumMod val="85000"/>
-                  <a:lumOff val="15000"/>
-                </a:schemeClr>
-              </a:solidFill>
-            </a:endParaRPr>
-          </a:p>
-          <a:p>
-            <a:pPr algn="ctr"/>
-            <a:r>
-              <a:rPr lang="ko-KR" altLang="en-US" sz="900" dirty="0" smtClean="0">
-                <a:solidFill>
-                  <a:schemeClr val="tx1">
-                    <a:lumMod val="85000"/>
-                    <a:lumOff val="15000"/>
-                  </a:schemeClr>
-                </a:solidFill>
-              </a:rPr>
-              <a:t>직업</a:t>
-            </a:r>
-            <a:endParaRPr lang="en-US" altLang="ko-KR" sz="900" dirty="0" smtClean="0">
-              <a:solidFill>
-                <a:schemeClr val="tx1">
-                  <a:lumMod val="85000"/>
-                  <a:lumOff val="15000"/>
-                </a:schemeClr>
-              </a:solidFill>
-            </a:endParaRPr>
-          </a:p>
-          <a:p>
-            <a:pPr algn="ctr"/>
-            <a:r>
-              <a:rPr lang="ko-KR" altLang="en-US" sz="900" dirty="0" smtClean="0">
-                <a:solidFill>
-                  <a:schemeClr val="tx1">
-                    <a:lumMod val="85000"/>
-                    <a:lumOff val="15000"/>
-                  </a:schemeClr>
-                </a:solidFill>
-              </a:rPr>
-              <a:t>취미</a:t>
-            </a:r>
-            <a:endParaRPr lang="en-US" altLang="ko-KR" sz="900" dirty="0" smtClean="0">
-              <a:solidFill>
-                <a:schemeClr val="tx1">
-                  <a:lumMod val="85000"/>
-                  <a:lumOff val="15000"/>
-                </a:schemeClr>
-              </a:solidFill>
-            </a:endParaRPr>
-          </a:p>
-          <a:p>
-            <a:pPr algn="ctr"/>
-            <a:r>
-              <a:rPr lang="ko-KR" altLang="en-US" sz="900" dirty="0" smtClean="0">
-                <a:solidFill>
-                  <a:schemeClr val="tx1">
-                    <a:lumMod val="85000"/>
-                    <a:lumOff val="15000"/>
-                  </a:schemeClr>
-                </a:solidFill>
-              </a:rPr>
-              <a:t>좋아하는 것</a:t>
-            </a:r>
-            <a:endParaRPr lang="en-US" altLang="ko-KR" sz="900" dirty="0" smtClean="0">
-              <a:solidFill>
-                <a:schemeClr val="tx1">
-                  <a:lumMod val="85000"/>
-                  <a:lumOff val="15000"/>
-                </a:schemeClr>
-              </a:solidFill>
-            </a:endParaRPr>
-          </a:p>
-          <a:p>
-            <a:pPr algn="ctr"/>
-            <a:r>
-              <a:rPr lang="ko-KR" altLang="en-US" sz="900" dirty="0" smtClean="0">
-                <a:solidFill>
-                  <a:schemeClr val="tx1">
-                    <a:lumMod val="85000"/>
-                    <a:lumOff val="15000"/>
-                  </a:schemeClr>
-                </a:solidFill>
-              </a:rPr>
-              <a:t>싫어하는 것</a:t>
-            </a:r>
-            <a:endParaRPr lang="en-US" altLang="ko-KR" sz="900" dirty="0" smtClean="0">
-              <a:solidFill>
-                <a:schemeClr val="tx1">
-                  <a:lumMod val="85000"/>
-                  <a:lumOff val="15000"/>
-                </a:schemeClr>
-              </a:solidFill>
-            </a:endParaRPr>
-          </a:p>
-        </p:txBody>
-      </p:sp>
-      <p:sp>
-        <p:nvSpPr>
-          <p:cNvPr id="18" name="모서리가 둥근 직사각형 17"/>
-          <p:cNvSpPr/>
-          <p:nvPr/>
-        </p:nvSpPr>
-        <p:spPr>
-          <a:xfrm>
-            <a:off x="1827069" y="2537927"/>
-            <a:ext cx="4688030" cy="3093333"/>
-          </a:xfrm>
-          <a:prstGeom prst="roundRect">
-            <a:avLst/>
-          </a:prstGeom>
-          <a:solidFill>
-            <a:schemeClr val="bg1">
-              <a:lumMod val="85000"/>
-            </a:schemeClr>
-          </a:solidFill>
-          <a:ln>
-            <a:solidFill>
-              <a:schemeClr val="tx1"/>
-            </a:solidFill>
-          </a:ln>
-        </p:spPr>
-        <p:style>
-          <a:lnRef idx="2">
-            <a:schemeClr val="accent1">
-              <a:shade val="50000"/>
-            </a:schemeClr>
-          </a:lnRef>
-          <a:fillRef idx="1">
-            <a:schemeClr val="accent1"/>
-          </a:fillRef>
-          <a:effectRef idx="0">
-            <a:schemeClr val="accent1"/>
-          </a:effectRef>
-          <a:fontRef idx="minor">
-            <a:schemeClr val="lt1"/>
-          </a:fontRef>
-        </p:style>
-        <p:txBody>
-          <a:bodyPr rtlCol="0" anchor="ctr"/>
-          <a:lstStyle/>
-          <a:p>
-            <a:pPr algn="ctr"/>
-            <a:r>
-              <a:rPr lang="ko-KR" altLang="en-US" sz="900" dirty="0" smtClean="0">
-                <a:solidFill>
-                  <a:schemeClr val="tx1">
-                    <a:lumMod val="85000"/>
-                    <a:lumOff val="15000"/>
-                  </a:schemeClr>
-                </a:solidFill>
-              </a:rPr>
-              <a:t>자기 소개 </a:t>
-            </a:r>
-            <a:r>
-              <a:rPr lang="en-US" altLang="ko-KR" sz="900" dirty="0" smtClean="0">
-                <a:solidFill>
-                  <a:schemeClr val="tx1">
-                    <a:lumMod val="85000"/>
-                    <a:lumOff val="15000"/>
-                  </a:schemeClr>
-                </a:solidFill>
-              </a:rPr>
-              <a:t>;</a:t>
-            </a:r>
-            <a:br>
-              <a:rPr lang="en-US" altLang="ko-KR" sz="900" dirty="0" smtClean="0">
-                <a:solidFill>
-                  <a:schemeClr val="tx1">
-                    <a:lumMod val="85000"/>
-                    <a:lumOff val="15000"/>
-                  </a:schemeClr>
-                </a:solidFill>
-              </a:rPr>
-            </a:br>
-            <a:r>
-              <a:rPr lang="en-US" altLang="ko-KR" sz="900" dirty="0" err="1" smtClean="0">
-                <a:solidFill>
-                  <a:schemeClr val="tx1">
-                    <a:lumMod val="85000"/>
-                    <a:lumOff val="15000"/>
-                  </a:schemeClr>
-                </a:solidFill>
-              </a:rPr>
-              <a:t>sfasdfasdfasd</a:t>
-            </a:r>
-            <a:endParaRPr lang="en-US" altLang="ko-KR" sz="900" dirty="0" smtClean="0">
-              <a:solidFill>
-                <a:schemeClr val="tx1">
-                  <a:lumMod val="85000"/>
-                  <a:lumOff val="15000"/>
-                </a:schemeClr>
-              </a:solidFill>
-            </a:endParaRPr>
-          </a:p>
-          <a:p>
-            <a:pPr algn="ctr"/>
-            <a:r>
-              <a:rPr lang="en-US" altLang="ko-KR" sz="900" dirty="0" err="1" smtClean="0">
-                <a:solidFill>
-                  <a:schemeClr val="tx1">
-                    <a:lumMod val="85000"/>
-                    <a:lumOff val="15000"/>
-                  </a:schemeClr>
-                </a:solidFill>
-              </a:rPr>
-              <a:t>Asfdasdfasdfasdf</a:t>
-            </a:r>
-            <a:endParaRPr lang="en-US" altLang="ko-KR" sz="900" dirty="0" smtClean="0">
-              <a:solidFill>
-                <a:schemeClr val="tx1">
-                  <a:lumMod val="85000"/>
-                  <a:lumOff val="15000"/>
-                </a:schemeClr>
-              </a:solidFill>
-            </a:endParaRPr>
-          </a:p>
-          <a:p>
-            <a:pPr algn="ctr"/>
-            <a:r>
-              <a:rPr lang="en-US" altLang="ko-KR" sz="900" dirty="0" err="1" smtClean="0">
-                <a:solidFill>
-                  <a:schemeClr val="tx1">
-                    <a:lumMod val="85000"/>
-                    <a:lumOff val="15000"/>
-                  </a:schemeClr>
-                </a:solidFill>
-              </a:rPr>
-              <a:t>asdfasdfasdfasdf</a:t>
-            </a:r>
-            <a:endParaRPr lang="ko-KR" altLang="en-US" sz="900" dirty="0">
-              <a:solidFill>
-                <a:schemeClr val="tx1">
-                  <a:lumMod val="85000"/>
-                  <a:lumOff val="15000"/>
-                </a:schemeClr>
-              </a:solidFill>
-            </a:endParaRPr>
-          </a:p>
-        </p:txBody>
-      </p:sp>
-      <p:sp>
-        <p:nvSpPr>
-          <p:cNvPr id="19" name="모서리가 둥근 직사각형 18"/>
-          <p:cNvSpPr/>
-          <p:nvPr/>
-        </p:nvSpPr>
-        <p:spPr>
-          <a:xfrm>
-            <a:off x="1775135" y="800100"/>
-            <a:ext cx="1657831" cy="1498272"/>
-          </a:xfrm>
-          <a:prstGeom prst="roundRect">
-            <a:avLst/>
-          </a:prstGeom>
-          <a:solidFill>
-            <a:schemeClr val="bg1">
-              <a:lumMod val="85000"/>
-            </a:schemeClr>
-          </a:solidFill>
-          <a:ln>
-            <a:solidFill>
-              <a:schemeClr val="tx1"/>
-            </a:solidFill>
-          </a:ln>
-        </p:spPr>
-        <p:style>
-          <a:lnRef idx="2">
-            <a:schemeClr val="accent1">
-              <a:shade val="50000"/>
-            </a:schemeClr>
-          </a:lnRef>
-          <a:fillRef idx="1">
-            <a:schemeClr val="accent1"/>
-          </a:fillRef>
-          <a:effectRef idx="0">
-            <a:schemeClr val="accent1"/>
-          </a:effectRef>
-          <a:fontRef idx="minor">
-            <a:schemeClr val="lt1"/>
-          </a:fontRef>
-        </p:style>
-        <p:txBody>
-          <a:bodyPr rtlCol="0" anchor="ctr"/>
-          <a:lstStyle/>
-          <a:p>
-            <a:pPr algn="ctr"/>
-            <a:r>
-              <a:rPr lang="ko-KR" altLang="en-US" sz="900" dirty="0" smtClean="0">
-                <a:solidFill>
-                  <a:schemeClr val="tx1">
-                    <a:lumMod val="85000"/>
-                    <a:lumOff val="15000"/>
-                  </a:schemeClr>
-                </a:solidFill>
-              </a:rPr>
-              <a:t>작가</a:t>
-            </a:r>
-            <a:endParaRPr lang="en-US" altLang="ko-KR" sz="900" dirty="0" smtClean="0">
-              <a:solidFill>
-                <a:schemeClr val="tx1">
-                  <a:lumMod val="85000"/>
-                  <a:lumOff val="15000"/>
-                </a:schemeClr>
-              </a:solidFill>
-            </a:endParaRPr>
-          </a:p>
-          <a:p>
-            <a:pPr algn="ctr"/>
-            <a:r>
-              <a:rPr lang="ko-KR" altLang="en-US" sz="900" dirty="0" smtClean="0">
-                <a:solidFill>
-                  <a:schemeClr val="tx1">
-                    <a:lumMod val="85000"/>
-                    <a:lumOff val="15000"/>
-                  </a:schemeClr>
-                </a:solidFill>
-              </a:rPr>
-              <a:t>사진</a:t>
-            </a:r>
-            <a:endParaRPr lang="ko-KR" altLang="en-US" sz="900" dirty="0">
-              <a:solidFill>
-                <a:schemeClr val="tx1">
-                  <a:lumMod val="85000"/>
-                  <a:lumOff val="15000"/>
-                </a:schemeClr>
-              </a:solidFill>
-            </a:endParaRPr>
-          </a:p>
-        </p:txBody>
-      </p:sp>
     </p:spTree>
     <p:extLst>
       <p:ext uri="{BB962C8B-B14F-4D97-AF65-F5344CB8AC3E}">
-        <p14:creationId xmlns:p14="http://schemas.microsoft.com/office/powerpoint/2010/main" val="2059835764"/>
+        <p14:creationId xmlns:p14="http://schemas.microsoft.com/office/powerpoint/2010/main" val="735906310"/>
       </p:ext>
     </p:extLst>
   </p:cSld>
@@ -13386,6 +12552,30 @@
           <a:chExt cx="0" cy="0"/>
         </a:xfrm>
       </p:grpSpPr>
+      <p:pic>
+        <p:nvPicPr>
+          <p:cNvPr id="8" name="그림 7"/>
+          <p:cNvPicPr>
+            <a:picLocks noChangeAspect="1"/>
+          </p:cNvPicPr>
+          <p:nvPr/>
+        </p:nvPicPr>
+        <p:blipFill>
+          <a:blip r:embed="rId2"/>
+          <a:stretch>
+            <a:fillRect/>
+          </a:stretch>
+        </p:blipFill>
+        <p:spPr>
+          <a:xfrm>
+            <a:off x="1938152" y="362307"/>
+            <a:ext cx="4528232" cy="5301344"/>
+          </a:xfrm>
+          <a:prstGeom prst="rect">
+            <a:avLst/>
+          </a:prstGeom>
+        </p:spPr>
+      </p:pic>
       <p:sp>
         <p:nvSpPr>
           <p:cNvPr id="13" name="직사각형 12"/>
@@ -13510,8 +12700,8 @@
         </p:nvSpPr>
         <p:spPr>
           <a:xfrm>
-            <a:off x="102201" y="1218738"/>
-            <a:ext cx="1269399" cy="299258"/>
+            <a:off x="102201" y="1218737"/>
+            <a:ext cx="1269399" cy="1050637"/>
           </a:xfrm>
           <a:prstGeom prst="rect">
             <a:avLst/>
@@ -13548,6 +12738,17 @@
           <a:p>
             <a:pPr algn="ctr"/>
             <a:r>
+              <a:rPr lang="ko-KR" altLang="en-US" smtClean="0">
+                <a:solidFill>
+                  <a:schemeClr val="tx1">
+                    <a:lumMod val="85000"/>
+                    <a:lumOff val="15000"/>
+                  </a:schemeClr>
+                </a:solidFill>
+              </a:rPr>
+              <a:t>집필모드</a:t>
+            </a:r>
+            <a:r>
               <a:rPr lang="ko-KR" altLang="en-US" dirty="0" smtClean="0">
                 <a:solidFill>
                   <a:schemeClr val="tx1">
@@ -13556,7 +12757,7 @@
                   </a:schemeClr>
                 </a:solidFill>
               </a:rPr>
-              <a:t>독자 홈</a:t>
+              <a:t> 창</a:t>
             </a:r>
             <a:endParaRPr lang="ko-KR" altLang="en-US" dirty="0">
               <a:solidFill>
@@ -13593,18 +12794,9 @@
           <a:p>
             <a:r>
               <a:rPr lang="en-US" altLang="ko-KR" sz="900" dirty="0" smtClean="0">
-                <a:hlinkClick r:id="rId2"/>
+                <a:hlinkClick r:id="rId3"/>
               </a:rPr>
               <a:t>https://radishfiction.com/</a:t>
-            </a:r>
-            <a:endParaRPr lang="en-US" altLang="ko-KR" sz="900" dirty="0" smtClean="0"/>
-          </a:p>
-          <a:p>
-            <a:r>
-              <a:rPr lang="en-US" altLang="ko-KR" sz="900" dirty="0" smtClean="0">
-                <a:hlinkClick r:id="rId3"/>
-              </a:rPr>
-              <a:t>https://www.webnovel.com/</a:t>
             </a:r>
             <a:endParaRPr lang="en-US" altLang="ko-KR" sz="900" dirty="0" smtClean="0"/>
           </a:p>
@@ -13613,7 +12805,7 @@
               <a:rPr lang="en-US" altLang="ko-KR" sz="900" dirty="0" smtClean="0">
                 <a:hlinkClick r:id="rId4"/>
               </a:rPr>
-              <a:t>https://www.royalroad.com/home</a:t>
+              <a:t>https://www.webnovel.com/</a:t>
             </a:r>
             <a:endParaRPr lang="en-US" altLang="ko-KR" sz="900" dirty="0" smtClean="0"/>
           </a:p>
@@ -13622,6 +12814,15 @@
               <a:rPr lang="en-US" altLang="ko-KR" sz="900" dirty="0" smtClean="0">
                 <a:hlinkClick r:id="rId5"/>
               </a:rPr>
+              <a:t>https://www.royalroad.com/home</a:t>
+            </a:r>
+            <a:endParaRPr lang="en-US" altLang="ko-KR" sz="900" dirty="0" smtClean="0"/>
+          </a:p>
+          <a:p>
+            <a:r>
+              <a:rPr lang="en-US" altLang="ko-KR" sz="900" dirty="0" smtClean="0">
+                <a:hlinkClick r:id="rId6"/>
+              </a:rPr>
               <a:t>https://www.wattpad.com/</a:t>
             </a:r>
             <a:endParaRPr lang="en-US" altLang="ko-KR" sz="900" dirty="0" smtClean="0"/>
@@ -13631,570 +12832,6 @@
           </a:p>
           <a:p>
             <a:endParaRPr lang="ko-KR" altLang="en-US" sz="900" dirty="0"/>
-          </a:p>
-        </p:txBody>
-      </p:sp>
-      <p:sp>
-        <p:nvSpPr>
-          <p:cNvPr id="33" name="직사각형 32"/>
-          <p:cNvSpPr/>
-          <p:nvPr/>
-        </p:nvSpPr>
-        <p:spPr>
-          <a:xfrm>
-            <a:off x="1987968" y="297525"/>
-            <a:ext cx="1021239" cy="1238250"/>
-          </a:xfrm>
-          <a:prstGeom prst="rect">
-            <a:avLst/>
-          </a:prstGeom>
-          <a:solidFill>
-            <a:schemeClr val="accent5">
-              <a:lumMod val="20000"/>
-              <a:lumOff val="80000"/>
-            </a:schemeClr>
-          </a:solidFill>
-        </p:spPr>
-        <p:style>
-          <a:lnRef idx="2">
-            <a:schemeClr val="accent1">
-              <a:shade val="50000"/>
-            </a:schemeClr>
-          </a:lnRef>
-          <a:fillRef idx="1">
-            <a:schemeClr val="accent1"/>
-          </a:fillRef>
-          <a:effectRef idx="0">
-            <a:schemeClr val="accent1"/>
-          </a:effectRef>
-          <a:fontRef idx="minor">
-            <a:schemeClr val="lt1"/>
-          </a:fontRef>
-        </p:style>
-        <p:txBody>
-          <a:bodyPr rtlCol="0" anchor="ctr"/>
-          <a:lstStyle/>
-          <a:p>
-            <a:pPr algn="ctr"/>
-            <a:endParaRPr lang="en-US" altLang="ko-KR" dirty="0" smtClean="0">
-              <a:solidFill>
-                <a:schemeClr val="tx1">
-                  <a:lumMod val="85000"/>
-                  <a:lumOff val="15000"/>
-                </a:schemeClr>
-              </a:solidFill>
-            </a:endParaRPr>
-          </a:p>
-        </p:txBody>
-      </p:sp>
-      <p:sp>
-        <p:nvSpPr>
-          <p:cNvPr id="5" name="TextBox 4"/>
-          <p:cNvSpPr txBox="1"/>
-          <p:nvPr/>
-        </p:nvSpPr>
-        <p:spPr>
-          <a:xfrm>
-            <a:off x="2244350" y="366581"/>
-            <a:ext cx="508473" cy="323165"/>
-          </a:xfrm>
-          <a:prstGeom prst="rect">
-            <a:avLst/>
-          </a:prstGeom>
-          <a:noFill/>
-        </p:spPr>
-        <p:txBody>
-          <a:bodyPr wrap="none" rtlCol="0">
-            <a:spAutoFit/>
-          </a:bodyPr>
-          <a:lstStyle/>
-          <a:p>
-            <a:r>
-              <a:rPr lang="en-US" altLang="ko-KR" sz="1500" b="1" dirty="0" smtClean="0"/>
-              <a:t>title</a:t>
-            </a:r>
-            <a:endParaRPr lang="ko-KR" altLang="en-US" sz="1500" b="1" dirty="0"/>
-          </a:p>
-        </p:txBody>
-      </p:sp>
-      <p:sp>
-        <p:nvSpPr>
-          <p:cNvPr id="29" name="직사각형 28"/>
-          <p:cNvSpPr/>
-          <p:nvPr/>
-        </p:nvSpPr>
-        <p:spPr>
-          <a:xfrm>
-            <a:off x="3159153" y="297525"/>
-            <a:ext cx="1021239" cy="1238250"/>
-          </a:xfrm>
-          <a:prstGeom prst="rect">
-            <a:avLst/>
-          </a:prstGeom>
-          <a:solidFill>
-            <a:schemeClr val="accent5">
-              <a:lumMod val="20000"/>
-              <a:lumOff val="80000"/>
-            </a:schemeClr>
-          </a:solidFill>
-        </p:spPr>
-        <p:style>
-          <a:lnRef idx="2">
-            <a:schemeClr val="accent1">
-              <a:shade val="50000"/>
-            </a:schemeClr>
-          </a:lnRef>
-          <a:fillRef idx="1">
-            <a:schemeClr val="accent1"/>
-          </a:fillRef>
-          <a:effectRef idx="0">
-            <a:schemeClr val="accent1"/>
-          </a:effectRef>
-          <a:fontRef idx="minor">
-            <a:schemeClr val="lt1"/>
-          </a:fontRef>
-        </p:style>
-        <p:txBody>
-          <a:bodyPr rtlCol="0" anchor="ctr"/>
-          <a:lstStyle/>
-          <a:p>
-            <a:pPr algn="ctr"/>
-            <a:endParaRPr lang="ko-KR" altLang="en-US" dirty="0">
-              <a:solidFill>
-                <a:schemeClr val="tx1">
-                  <a:lumMod val="85000"/>
-                  <a:lumOff val="15000"/>
-                </a:schemeClr>
-              </a:solidFill>
-            </a:endParaRPr>
-          </a:p>
-        </p:txBody>
-      </p:sp>
-      <p:sp>
-        <p:nvSpPr>
-          <p:cNvPr id="32" name="TextBox 31"/>
-          <p:cNvSpPr txBox="1"/>
-          <p:nvPr/>
-        </p:nvSpPr>
-        <p:spPr>
-          <a:xfrm>
-            <a:off x="3415535" y="366581"/>
-            <a:ext cx="508473" cy="323165"/>
-          </a:xfrm>
-          <a:prstGeom prst="rect">
-            <a:avLst/>
-          </a:prstGeom>
-          <a:noFill/>
-        </p:spPr>
-        <p:txBody>
-          <a:bodyPr wrap="none" rtlCol="0">
-            <a:spAutoFit/>
-          </a:bodyPr>
-          <a:lstStyle/>
-          <a:p>
-            <a:r>
-              <a:rPr lang="en-US" altLang="ko-KR" sz="1500" b="1" dirty="0" smtClean="0"/>
-              <a:t>title</a:t>
-            </a:r>
-            <a:endParaRPr lang="ko-KR" altLang="en-US" sz="1500" b="1" dirty="0"/>
-          </a:p>
-        </p:txBody>
-      </p:sp>
-      <p:sp>
-        <p:nvSpPr>
-          <p:cNvPr id="35" name="직사각형 34"/>
-          <p:cNvSpPr/>
-          <p:nvPr/>
-        </p:nvSpPr>
-        <p:spPr>
-          <a:xfrm>
-            <a:off x="4330338" y="297525"/>
-            <a:ext cx="1021239" cy="1238250"/>
-          </a:xfrm>
-          <a:prstGeom prst="rect">
-            <a:avLst/>
-          </a:prstGeom>
-          <a:solidFill>
-            <a:schemeClr val="accent5">
-              <a:lumMod val="20000"/>
-              <a:lumOff val="80000"/>
-            </a:schemeClr>
-          </a:solidFill>
-        </p:spPr>
-        <p:style>
-          <a:lnRef idx="2">
-            <a:schemeClr val="accent1">
-              <a:shade val="50000"/>
-            </a:schemeClr>
-          </a:lnRef>
-          <a:fillRef idx="1">
-            <a:schemeClr val="accent1"/>
-          </a:fillRef>
-          <a:effectRef idx="0">
-            <a:schemeClr val="accent1"/>
-          </a:effectRef>
-          <a:fontRef idx="minor">
-            <a:schemeClr val="lt1"/>
-          </a:fontRef>
-        </p:style>
-        <p:txBody>
-          <a:bodyPr rtlCol="0" anchor="ctr"/>
-          <a:lstStyle/>
-          <a:p>
-            <a:pPr algn="ctr"/>
-            <a:endParaRPr lang="ko-KR" altLang="en-US" dirty="0">
-              <a:solidFill>
-                <a:schemeClr val="tx1">
-                  <a:lumMod val="85000"/>
-                  <a:lumOff val="15000"/>
-                </a:schemeClr>
-              </a:solidFill>
-            </a:endParaRPr>
-          </a:p>
-        </p:txBody>
-      </p:sp>
-      <p:sp>
-        <p:nvSpPr>
-          <p:cNvPr id="36" name="TextBox 35"/>
-          <p:cNvSpPr txBox="1"/>
-          <p:nvPr/>
-        </p:nvSpPr>
-        <p:spPr>
-          <a:xfrm>
-            <a:off x="4586720" y="366581"/>
-            <a:ext cx="508473" cy="323165"/>
-          </a:xfrm>
-          <a:prstGeom prst="rect">
-            <a:avLst/>
-          </a:prstGeom>
-          <a:noFill/>
-        </p:spPr>
-        <p:txBody>
-          <a:bodyPr wrap="none" rtlCol="0">
-            <a:spAutoFit/>
-          </a:bodyPr>
-          <a:lstStyle/>
-          <a:p>
-            <a:r>
-              <a:rPr lang="en-US" altLang="ko-KR" sz="1500" b="1" dirty="0" smtClean="0"/>
-              <a:t>title</a:t>
-            </a:r>
-            <a:endParaRPr lang="ko-KR" altLang="en-US" sz="1500" b="1" dirty="0"/>
-          </a:p>
-        </p:txBody>
-      </p:sp>
-      <p:sp>
-        <p:nvSpPr>
-          <p:cNvPr id="56" name="TextBox 55"/>
-          <p:cNvSpPr txBox="1"/>
-          <p:nvPr/>
-        </p:nvSpPr>
-        <p:spPr>
-          <a:xfrm>
-            <a:off x="2201870" y="796171"/>
-            <a:ext cx="593432" cy="230832"/>
-          </a:xfrm>
-          <a:prstGeom prst="rect">
-            <a:avLst/>
-          </a:prstGeom>
-          <a:noFill/>
-        </p:spPr>
-        <p:txBody>
-          <a:bodyPr wrap="none" rtlCol="0">
-            <a:spAutoFit/>
-          </a:bodyPr>
-          <a:lstStyle/>
-          <a:p>
-            <a:r>
-              <a:rPr lang="ko-KR" altLang="en-US" sz="900" b="1" dirty="0" smtClean="0"/>
-              <a:t>배경</a:t>
-            </a:r>
-            <a:r>
-              <a:rPr lang="en-US" altLang="ko-KR" sz="900" b="1" dirty="0" err="1" smtClean="0"/>
-              <a:t>img</a:t>
-            </a:r>
-            <a:endParaRPr lang="ko-KR" altLang="en-US" sz="900" b="1" dirty="0"/>
-          </a:p>
-        </p:txBody>
-      </p:sp>
-      <p:sp>
-        <p:nvSpPr>
-          <p:cNvPr id="63" name="TextBox 62"/>
-          <p:cNvSpPr txBox="1"/>
-          <p:nvPr/>
-        </p:nvSpPr>
-        <p:spPr>
-          <a:xfrm>
-            <a:off x="3373055" y="796171"/>
-            <a:ext cx="593432" cy="230832"/>
-          </a:xfrm>
-          <a:prstGeom prst="rect">
-            <a:avLst/>
-          </a:prstGeom>
-          <a:noFill/>
-        </p:spPr>
-        <p:txBody>
-          <a:bodyPr wrap="none" rtlCol="0">
-            <a:spAutoFit/>
-          </a:bodyPr>
-          <a:lstStyle/>
-          <a:p>
-            <a:r>
-              <a:rPr lang="ko-KR" altLang="en-US" sz="900" b="1" smtClean="0"/>
-              <a:t>배경</a:t>
-            </a:r>
-            <a:r>
-              <a:rPr lang="en-US" altLang="ko-KR" sz="900" b="1" dirty="0" err="1" smtClean="0"/>
-              <a:t>img</a:t>
-            </a:r>
-            <a:endParaRPr lang="ko-KR" altLang="en-US" sz="900" b="1" dirty="0"/>
-          </a:p>
-        </p:txBody>
-      </p:sp>
-      <p:sp>
-        <p:nvSpPr>
-          <p:cNvPr id="64" name="TextBox 63"/>
-          <p:cNvSpPr txBox="1"/>
-          <p:nvPr/>
-        </p:nvSpPr>
-        <p:spPr>
-          <a:xfrm>
-            <a:off x="4556204" y="796171"/>
-            <a:ext cx="593432" cy="230832"/>
-          </a:xfrm>
-          <a:prstGeom prst="rect">
-            <a:avLst/>
-          </a:prstGeom>
-          <a:noFill/>
-        </p:spPr>
-        <p:txBody>
-          <a:bodyPr wrap="none" rtlCol="0">
-            <a:spAutoFit/>
-          </a:bodyPr>
-          <a:lstStyle/>
-          <a:p>
-            <a:r>
-              <a:rPr lang="ko-KR" altLang="en-US" sz="900" b="1" smtClean="0"/>
-              <a:t>배경</a:t>
-            </a:r>
-            <a:r>
-              <a:rPr lang="en-US" altLang="ko-KR" sz="900" b="1" dirty="0" err="1" smtClean="0"/>
-              <a:t>img</a:t>
-            </a:r>
-            <a:endParaRPr lang="ko-KR" altLang="en-US" sz="900" b="1" dirty="0"/>
-          </a:p>
-        </p:txBody>
-      </p:sp>
-      <p:sp>
-        <p:nvSpPr>
-          <p:cNvPr id="65" name="TextBox 64"/>
-          <p:cNvSpPr txBox="1"/>
-          <p:nvPr/>
-        </p:nvSpPr>
-        <p:spPr>
-          <a:xfrm>
-            <a:off x="2293313" y="1066020"/>
-            <a:ext cx="415498" cy="230832"/>
-          </a:xfrm>
-          <a:prstGeom prst="rect">
-            <a:avLst/>
-          </a:prstGeom>
-          <a:noFill/>
-        </p:spPr>
-        <p:txBody>
-          <a:bodyPr wrap="none" rtlCol="0">
-            <a:spAutoFit/>
-          </a:bodyPr>
-          <a:lstStyle/>
-          <a:p>
-            <a:r>
-              <a:rPr lang="ko-KR" altLang="en-US" sz="900" b="1" dirty="0" smtClean="0"/>
-              <a:t>완결</a:t>
-            </a:r>
-            <a:endParaRPr lang="ko-KR" altLang="en-US" sz="900" b="1" dirty="0"/>
-          </a:p>
-        </p:txBody>
-      </p:sp>
-      <p:sp>
-        <p:nvSpPr>
-          <p:cNvPr id="66" name="TextBox 65"/>
-          <p:cNvSpPr txBox="1"/>
-          <p:nvPr/>
-        </p:nvSpPr>
-        <p:spPr>
-          <a:xfrm>
-            <a:off x="3373056" y="1066020"/>
-            <a:ext cx="619882" cy="230832"/>
-          </a:xfrm>
-          <a:prstGeom prst="rect">
-            <a:avLst/>
-          </a:prstGeom>
-          <a:noFill/>
-        </p:spPr>
-        <p:txBody>
-          <a:bodyPr wrap="square" rtlCol="0">
-            <a:spAutoFit/>
-          </a:bodyPr>
-          <a:lstStyle/>
-          <a:p>
-            <a:r>
-              <a:rPr lang="ko-KR" altLang="en-US" sz="900" b="1" dirty="0" smtClean="0"/>
-              <a:t>연재 중</a:t>
-            </a:r>
-            <a:endParaRPr lang="ko-KR" altLang="en-US" sz="900" b="1" dirty="0"/>
-          </a:p>
-        </p:txBody>
-      </p:sp>
-      <p:sp>
-        <p:nvSpPr>
-          <p:cNvPr id="68" name="TextBox 67"/>
-          <p:cNvSpPr txBox="1"/>
-          <p:nvPr/>
-        </p:nvSpPr>
-        <p:spPr>
-          <a:xfrm>
-            <a:off x="4526703" y="1066020"/>
-            <a:ext cx="619882" cy="230832"/>
-          </a:xfrm>
-          <a:prstGeom prst="rect">
-            <a:avLst/>
-          </a:prstGeom>
-          <a:noFill/>
-        </p:spPr>
-        <p:txBody>
-          <a:bodyPr wrap="square" rtlCol="0">
-            <a:spAutoFit/>
-          </a:bodyPr>
-          <a:lstStyle/>
-          <a:p>
-            <a:r>
-              <a:rPr lang="ko-KR" altLang="en-US" sz="900" b="1" dirty="0" smtClean="0"/>
-              <a:t>연재 중</a:t>
-            </a:r>
-            <a:endParaRPr lang="ko-KR" altLang="en-US" sz="900" b="1" dirty="0"/>
-          </a:p>
-        </p:txBody>
-      </p:sp>
-      <p:sp>
-        <p:nvSpPr>
-          <p:cNvPr id="6" name="TextBox 5"/>
-          <p:cNvSpPr txBox="1"/>
-          <p:nvPr/>
-        </p:nvSpPr>
-        <p:spPr>
-          <a:xfrm>
-            <a:off x="1987968" y="1618446"/>
-            <a:ext cx="1467068" cy="230832"/>
-          </a:xfrm>
-          <a:prstGeom prst="rect">
-            <a:avLst/>
-          </a:prstGeom>
-          <a:noFill/>
-        </p:spPr>
-        <p:txBody>
-          <a:bodyPr wrap="none" rtlCol="0">
-            <a:spAutoFit/>
-          </a:bodyPr>
-          <a:lstStyle/>
-          <a:p>
-            <a:r>
-              <a:rPr lang="ko-KR" altLang="en-US" sz="900" smtClean="0"/>
-              <a:t>클릭 시 집필 모드 창 이동</a:t>
-            </a:r>
-            <a:endParaRPr lang="ko-KR" altLang="en-US" sz="900"/>
-          </a:p>
-        </p:txBody>
-      </p:sp>
-      <p:sp>
-        <p:nvSpPr>
-          <p:cNvPr id="69" name="TextBox 68"/>
-          <p:cNvSpPr txBox="1"/>
-          <p:nvPr/>
-        </p:nvSpPr>
-        <p:spPr>
-          <a:xfrm>
-            <a:off x="2243435" y="1264107"/>
-            <a:ext cx="530915" cy="230832"/>
-          </a:xfrm>
-          <a:prstGeom prst="rect">
-            <a:avLst/>
-          </a:prstGeom>
-          <a:noFill/>
-        </p:spPr>
-        <p:txBody>
-          <a:bodyPr wrap="none" rtlCol="0">
-            <a:spAutoFit/>
-          </a:bodyPr>
-          <a:lstStyle/>
-          <a:p>
-            <a:pPr algn="ctr"/>
-            <a:r>
-              <a:rPr lang="ko-KR" altLang="en-US" sz="900" b="1" smtClean="0"/>
-              <a:t>조회수</a:t>
-            </a:r>
-            <a:endParaRPr lang="ko-KR" altLang="en-US" sz="900" b="1" dirty="0"/>
-          </a:p>
-        </p:txBody>
-      </p:sp>
-      <p:sp>
-        <p:nvSpPr>
-          <p:cNvPr id="70" name="TextBox 69"/>
-          <p:cNvSpPr txBox="1"/>
-          <p:nvPr/>
-        </p:nvSpPr>
-        <p:spPr>
-          <a:xfrm>
-            <a:off x="3373056" y="1264107"/>
-            <a:ext cx="619882" cy="230832"/>
-          </a:xfrm>
-          <a:prstGeom prst="rect">
-            <a:avLst/>
-          </a:prstGeom>
-          <a:noFill/>
-        </p:spPr>
-        <p:txBody>
-          <a:bodyPr wrap="square" rtlCol="0">
-            <a:spAutoFit/>
-          </a:bodyPr>
-          <a:lstStyle/>
-          <a:p>
-            <a:pPr algn="ctr"/>
-            <a:r>
-              <a:rPr lang="ko-KR" altLang="en-US" sz="900" b="1" smtClean="0"/>
-              <a:t>조회수</a:t>
-            </a:r>
-            <a:endParaRPr lang="ko-KR" altLang="en-US" sz="900" b="1" dirty="0"/>
-          </a:p>
-        </p:txBody>
-      </p:sp>
-      <p:sp>
-        <p:nvSpPr>
-          <p:cNvPr id="71" name="TextBox 70"/>
-          <p:cNvSpPr txBox="1"/>
-          <p:nvPr/>
-        </p:nvSpPr>
-        <p:spPr>
-          <a:xfrm>
-            <a:off x="4526703" y="1264107"/>
-            <a:ext cx="619882" cy="230832"/>
-          </a:xfrm>
-          <a:prstGeom prst="rect">
-            <a:avLst/>
-          </a:prstGeom>
-          <a:noFill/>
-        </p:spPr>
-        <p:txBody>
-          <a:bodyPr wrap="square" rtlCol="0">
-            <a:spAutoFit/>
-          </a:bodyPr>
-          <a:lstStyle/>
-          <a:p>
-            <a:pPr algn="ctr"/>
-            <a:r>
-              <a:rPr lang="ko-KR" altLang="en-US" sz="900" b="1" dirty="0" smtClean="0"/>
-              <a:t>조회수</a:t>
-            </a:r>
-            <a:endParaRPr lang="ko-KR" altLang="en-US" sz="900" b="1" dirty="0"/>
           </a:p>
         </p:txBody>
       </p:sp>
@@ -14206,7 +12843,7 @@
         </p:nvSpPr>
         <p:spPr>
           <a:xfrm>
-            <a:off x="5663599" y="6308813"/>
+            <a:off x="5663600" y="6308813"/>
             <a:ext cx="777564" cy="291492"/>
           </a:xfrm>
           <a:prstGeom prst="roundRect">
@@ -14245,15 +12882,15 @@
           <a:p>
             <a:pPr algn="ctr"/>
             <a:r>
-              <a:rPr lang="ko-KR" altLang="en-US" sz="900" dirty="0" err="1" smtClean="0">
-                <a:solidFill>
-                  <a:schemeClr val="tx1">
-                    <a:lumMod val="85000"/>
-                    <a:lumOff val="15000"/>
-                  </a:schemeClr>
-                </a:solidFill>
-              </a:rPr>
-              <a:t>홈화면</a:t>
+              <a:rPr lang="ko-KR" altLang="en-US" sz="900" dirty="0" smtClean="0">
+                <a:solidFill>
+                  <a:schemeClr val="tx1">
+                    <a:lumMod val="85000"/>
+                    <a:lumOff val="15000"/>
+                  </a:schemeClr>
+                </a:solidFill>
+              </a:rPr>
+              <a:t>저장</a:t>
             </a:r>
             <a:endParaRPr lang="ko-KR" altLang="en-US" sz="900" dirty="0">
               <a:solidFill>
@@ -14266,10 +12903,393 @@
           </a:p>
         </p:txBody>
       </p:sp>
+      <p:sp>
+        <p:nvSpPr>
+          <p:cNvPr id="3" name="TextBox 2"/>
+          <p:cNvSpPr txBox="1"/>
+          <p:nvPr/>
+        </p:nvSpPr>
+        <p:spPr>
+          <a:xfrm>
+            <a:off x="2108018" y="431558"/>
+            <a:ext cx="4116854" cy="3000821"/>
+          </a:xfrm>
+          <a:prstGeom prst="rect">
+            <a:avLst/>
+          </a:prstGeom>
+          <a:noFill/>
+        </p:spPr>
+        <p:txBody>
+          <a:bodyPr wrap="square" rtlCol="0">
+            <a:spAutoFit/>
+          </a:bodyPr>
+          <a:lstStyle/>
+          <a:p>
+            <a:r>
+              <a:rPr lang="en-US" altLang="ko-KR" sz="900" dirty="0"/>
+              <a:t>What is Lorem Ipsum?</a:t>
+            </a:r>
+          </a:p>
+          <a:p>
+            <a:r>
+              <a:rPr lang="en-US" altLang="ko-KR" sz="900" b="1" dirty="0"/>
+              <a:t>Lorem Ipsum</a:t>
+            </a:r>
+            <a:r>
+              <a:rPr lang="en-US" altLang="ko-KR" sz="900" dirty="0"/>
+              <a:t> is simply dummy text of the printing and typesetting industry. </a:t>
+            </a:r>
+            <a:endParaRPr lang="en-US" altLang="ko-KR" sz="900" dirty="0" smtClean="0"/>
+          </a:p>
+          <a:p>
+            <a:r>
+              <a:rPr lang="en-US" altLang="ko-KR" sz="900" dirty="0" smtClean="0"/>
+              <a:t>Lorem </a:t>
+            </a:r>
+            <a:r>
+              <a:rPr lang="en-US" altLang="ko-KR" sz="900" dirty="0"/>
+              <a:t>Ipsum has been the industry's standard dummy text ever since the 1500s, </a:t>
+            </a:r>
+            <a:endParaRPr lang="en-US" altLang="ko-KR" sz="900" dirty="0" smtClean="0"/>
+          </a:p>
+          <a:p>
+            <a:r>
+              <a:rPr lang="en-US" altLang="ko-KR" sz="900" dirty="0" smtClean="0"/>
+              <a:t>when </a:t>
+            </a:r>
+            <a:r>
+              <a:rPr lang="en-US" altLang="ko-KR" sz="900" dirty="0"/>
+              <a:t>an unknown printer took a galley of type and scrambled it to make a </a:t>
+            </a:r>
+            <a:endParaRPr lang="en-US" altLang="ko-KR" sz="900" dirty="0" smtClean="0"/>
+          </a:p>
+          <a:p>
+            <a:r>
+              <a:rPr lang="en-US" altLang="ko-KR" sz="900" dirty="0" smtClean="0"/>
+              <a:t>type </a:t>
+            </a:r>
+            <a:r>
+              <a:rPr lang="en-US" altLang="ko-KR" sz="900" dirty="0"/>
+              <a:t>specimen book. It has survived not only five centuries, but also the leap </a:t>
+            </a:r>
+            <a:endParaRPr lang="en-US" altLang="ko-KR" sz="900" dirty="0" smtClean="0"/>
+          </a:p>
+          <a:p>
+            <a:r>
+              <a:rPr lang="en-US" altLang="ko-KR" sz="900" dirty="0" smtClean="0"/>
+              <a:t>into </a:t>
+            </a:r>
+            <a:r>
+              <a:rPr lang="en-US" altLang="ko-KR" sz="900" dirty="0"/>
+              <a:t>electronic typesetting, remaining essentially unchanged. It </a:t>
+            </a:r>
+            <a:r>
+              <a:rPr lang="en-US" altLang="ko-KR" sz="900" dirty="0" smtClean="0"/>
+              <a:t>was</a:t>
+            </a:r>
+          </a:p>
+          <a:p>
+            <a:r>
+              <a:rPr lang="en-US" altLang="ko-KR" sz="900" dirty="0" smtClean="0"/>
+              <a:t> </a:t>
+            </a:r>
+            <a:r>
+              <a:rPr lang="en-US" altLang="ko-KR" sz="900" dirty="0" err="1"/>
+              <a:t>popularised</a:t>
+            </a:r>
+            <a:r>
+              <a:rPr lang="en-US" altLang="ko-KR" sz="900" dirty="0"/>
+              <a:t> in the 1960s with the release of </a:t>
+            </a:r>
+            <a:r>
+              <a:rPr lang="en-US" altLang="ko-KR" sz="900" dirty="0" err="1"/>
+              <a:t>Letraset</a:t>
+            </a:r>
+            <a:r>
+              <a:rPr lang="en-US" altLang="ko-KR" sz="900" dirty="0"/>
+              <a:t> sheets containing </a:t>
+            </a:r>
+            <a:endParaRPr lang="en-US" altLang="ko-KR" sz="900" dirty="0" smtClean="0"/>
+          </a:p>
+          <a:p>
+            <a:r>
+              <a:rPr lang="en-US" altLang="ko-KR" sz="900" dirty="0" smtClean="0"/>
+              <a:t>Lorem </a:t>
+            </a:r>
+            <a:r>
+              <a:rPr lang="en-US" altLang="ko-KR" sz="900" dirty="0"/>
+              <a:t>Ipsum passages, and more recently with desktop publishing </a:t>
+            </a:r>
+            <a:r>
+              <a:rPr lang="en-US" altLang="ko-KR" sz="900" dirty="0" smtClean="0"/>
+              <a:t>software</a:t>
+            </a:r>
+          </a:p>
+          <a:p>
+            <a:r>
+              <a:rPr lang="en-US" altLang="ko-KR" sz="900" dirty="0" smtClean="0"/>
+              <a:t> </a:t>
+            </a:r>
+            <a:r>
+              <a:rPr lang="en-US" altLang="ko-KR" sz="900" dirty="0"/>
+              <a:t>like Aldus PageMaker including versions of Lorem Ipsum</a:t>
+            </a:r>
+            <a:r>
+              <a:rPr lang="en-US" altLang="ko-KR" sz="900" dirty="0" smtClean="0"/>
+              <a:t>.</a:t>
+            </a:r>
+          </a:p>
+          <a:p>
+            <a:endParaRPr lang="en-US" altLang="ko-KR" sz="900" dirty="0"/>
+          </a:p>
+          <a:p>
+            <a:r>
+              <a:rPr lang="en-US" altLang="ko-KR" sz="900" dirty="0"/>
+              <a:t>Why do we use it?</a:t>
+            </a:r>
+          </a:p>
+          <a:p>
+            <a:r>
+              <a:rPr lang="en-US" altLang="ko-KR" sz="900" dirty="0"/>
+              <a:t>It is a long established fact that a reader will be distracted by the readable content of a page when looking at its layout. The point of using Lorem Ipsum is that it has a more-or-less normal distribution of letters, as opposed to using 'Content here, content here', making it look like readable English. Many desktop publishing packages and web page editors now use Lorem Ipsum as their default model text, and a search for 'lorem ipsum' will uncover many web sites still in their infancy. Various versions have evolved over the years, sometimes by accident, sometimes on purpose (injected </a:t>
+            </a:r>
+            <a:r>
+              <a:rPr lang="en-US" altLang="ko-KR" sz="900" dirty="0" err="1"/>
+              <a:t>humour</a:t>
+            </a:r>
+            <a:r>
+              <a:rPr lang="en-US" altLang="ko-KR" sz="900" dirty="0"/>
+              <a:t> and the like).</a:t>
+            </a:r>
+          </a:p>
+          <a:p>
+            <a:endParaRPr lang="en-US" altLang="ko-KR" sz="900" dirty="0"/>
+          </a:p>
+          <a:p>
+            <a:endParaRPr lang="ko-KR" altLang="en-US" sz="900" dirty="0"/>
+          </a:p>
+        </p:txBody>
+      </p:sp>
+      <p:sp>
+        <p:nvSpPr>
+          <p:cNvPr id="7" name="TextBox 6"/>
+          <p:cNvSpPr txBox="1"/>
+          <p:nvPr/>
+        </p:nvSpPr>
+        <p:spPr>
+          <a:xfrm>
+            <a:off x="7024255" y="108392"/>
+            <a:ext cx="2052165" cy="1615827"/>
+          </a:xfrm>
+          <a:prstGeom prst="rect">
+            <a:avLst/>
+          </a:prstGeom>
+          <a:noFill/>
+        </p:spPr>
+        <p:txBody>
+          <a:bodyPr wrap="none" rtlCol="0">
+            <a:spAutoFit/>
+          </a:bodyPr>
+          <a:lstStyle/>
+          <a:p>
+            <a:r>
+              <a:rPr lang="en-US" altLang="ko-KR" sz="900" dirty="0" smtClean="0">
+                <a:hlinkClick r:id="rId7"/>
+              </a:rPr>
+              <a:t>https://sir.kr/cm_free/1553981</a:t>
+            </a:r>
+            <a:endParaRPr lang="en-US" altLang="ko-KR" sz="900" dirty="0" smtClean="0"/>
+          </a:p>
+          <a:p>
+            <a:endParaRPr lang="en-US" altLang="ko-KR" sz="900" dirty="0"/>
+          </a:p>
+          <a:p>
+            <a:r>
+              <a:rPr lang="en-US" altLang="ko-KR" sz="900" dirty="0" smtClean="0">
+                <a:hlinkClick r:id="rId8"/>
+              </a:rPr>
+              <a:t>https://dev-bak.tistory.com/27</a:t>
+            </a:r>
+            <a:endParaRPr lang="en-US" altLang="ko-KR" sz="900" dirty="0" smtClean="0"/>
+          </a:p>
+          <a:p>
+            <a:endParaRPr lang="en-US" altLang="ko-KR" sz="900" dirty="0"/>
+          </a:p>
+          <a:p>
+            <a:endParaRPr lang="en-US" altLang="ko-KR" sz="900" dirty="0" smtClean="0"/>
+          </a:p>
+          <a:p>
+            <a:endParaRPr lang="en-US" altLang="ko-KR" sz="900" dirty="0"/>
+          </a:p>
+          <a:p>
+            <a:r>
+              <a:rPr lang="en-US" altLang="ko-KR" sz="900" dirty="0" smtClean="0">
+                <a:hlinkClick r:id="rId9"/>
+              </a:rPr>
+              <a:t>https://mine-it-record.tistory.com/277</a:t>
+            </a:r>
+            <a:endParaRPr lang="en-US" altLang="ko-KR" sz="900" dirty="0" smtClean="0"/>
+          </a:p>
+          <a:p>
+            <a:endParaRPr lang="en-US" altLang="ko-KR" sz="900" dirty="0"/>
+          </a:p>
+          <a:p>
+            <a:r>
+              <a:rPr lang="en-US" altLang="ko-KR" sz="900" dirty="0" smtClean="0">
+                <a:hlinkClick r:id="rId10"/>
+              </a:rPr>
+              <a:t>https://ckeditor.com/ckeditor-4/demo/</a:t>
+            </a:r>
+            <a:endParaRPr lang="en-US" altLang="ko-KR" sz="900" dirty="0" smtClean="0"/>
+          </a:p>
+          <a:p>
+            <a:endParaRPr lang="en-US" altLang="ko-KR" sz="900" dirty="0"/>
+          </a:p>
+          <a:p>
+            <a:endParaRPr lang="ko-KR" altLang="en-US" sz="900" dirty="0"/>
+          </a:p>
+        </p:txBody>
+      </p:sp>
+      <p:sp>
+        <p:nvSpPr>
+          <p:cNvPr id="26" name="모서리가 둥근 직사각형 25"/>
+          <p:cNvSpPr/>
+          <p:nvPr/>
+        </p:nvSpPr>
+        <p:spPr>
+          <a:xfrm>
+            <a:off x="1938152" y="6308813"/>
+            <a:ext cx="777564" cy="291492"/>
+          </a:xfrm>
+          <a:prstGeom prst="roundRect">
+            <a:avLst/>
+          </a:prstGeom>
+          <a:solidFill>
+            <a:schemeClr val="bg1">
+              <a:lumMod val="85000"/>
+            </a:schemeClr>
+          </a:solidFill>
+          <a:ln>
+            <a:solidFill>
+              <a:schemeClr val="tx1"/>
+            </a:solidFill>
+          </a:ln>
+        </p:spPr>
+        <p:style>
+          <a:lnRef idx="2">
+            <a:schemeClr val="accent1">
+              <a:shade val="50000"/>
+            </a:schemeClr>
+          </a:lnRef>
+          <a:fillRef idx="1">
+            <a:schemeClr val="accent1"/>
+          </a:fillRef>
+          <a:effectRef idx="0">
+            <a:schemeClr val="accent1"/>
+          </a:effectRef>
+          <a:fontRef idx="minor">
+            <a:schemeClr val="lt1"/>
+          </a:fontRef>
+        </p:style>
+        <p:txBody>
+          <a:bodyPr rtlCol="0" anchor="ctr"/>
+          <a:lstStyle/>
+          <a:p>
+            <a:pPr algn="ctr"/>
+            <a:r>
+              <a:rPr lang="ko-KR" altLang="en-US" sz="900" dirty="0" smtClean="0">
+                <a:solidFill>
+                  <a:schemeClr val="tx1">
+                    <a:lumMod val="85000"/>
+                    <a:lumOff val="15000"/>
+                  </a:schemeClr>
+                </a:solidFill>
+              </a:rPr>
+              <a:t>게시</a:t>
+            </a:r>
+            <a:endParaRPr lang="ko-KR" altLang="en-US" sz="900" dirty="0">
+              <a:solidFill>
+                <a:schemeClr val="tx1">
+                  <a:lumMod val="85000"/>
+                  <a:lumOff val="15000"/>
+                </a:schemeClr>
+              </a:solidFill>
+            </a:endParaRPr>
+          </a:p>
+        </p:txBody>
+      </p:sp>
+      <p:sp>
+        <p:nvSpPr>
+          <p:cNvPr id="27" name="모서리가 둥근 직사각형 26"/>
+          <p:cNvSpPr/>
+          <p:nvPr/>
+        </p:nvSpPr>
+        <p:spPr>
+          <a:xfrm>
+            <a:off x="2934296" y="6308813"/>
+            <a:ext cx="777564" cy="291492"/>
+          </a:xfrm>
+          <a:prstGeom prst="roundRect">
+            <a:avLst/>
+          </a:prstGeom>
+          <a:solidFill>
+            <a:schemeClr val="bg1">
+              <a:lumMod val="85000"/>
+            </a:schemeClr>
+          </a:solidFill>
+          <a:ln>
+            <a:solidFill>
+              <a:schemeClr val="tx1"/>
+            </a:solidFill>
+          </a:ln>
+        </p:spPr>
+        <p:style>
+          <a:lnRef idx="2">
+            <a:schemeClr val="accent1">
+              <a:shade val="50000"/>
+            </a:schemeClr>
+          </a:lnRef>
+          <a:fillRef idx="1">
+            <a:schemeClr val="accent1"/>
+          </a:fillRef>
+          <a:effectRef idx="0">
+            <a:schemeClr val="accent1"/>
+          </a:effectRef>
+          <a:fontRef idx="minor">
+            <a:schemeClr val="lt1"/>
+          </a:fontRef>
+        </p:style>
+        <p:txBody>
+          <a:bodyPr rtlCol="0" anchor="ctr"/>
+          <a:lstStyle/>
+          <a:p>
+            <a:pPr algn="ctr"/>
+            <a:r>
+              <a:rPr lang="ko-KR" altLang="en-US" sz="900" dirty="0" smtClean="0">
+                <a:solidFill>
+                  <a:schemeClr val="tx1">
+                    <a:lumMod val="85000"/>
+                    <a:lumOff val="15000"/>
+                  </a:schemeClr>
+                </a:solidFill>
+              </a:rPr>
+              <a:t>노트</a:t>
+            </a:r>
+            <a:endParaRPr lang="ko-KR" altLang="en-US" sz="900" dirty="0">
+              <a:solidFill>
+                <a:schemeClr val="tx1">
+                  <a:lumMod val="85000"/>
+                  <a:lumOff val="15000"/>
+                </a:schemeClr>
+              </a:solidFill>
+            </a:endParaRPr>
+          </a:p>
+        </p:txBody>
+      </p:sp>
     </p:spTree>
     <p:extLst>
       <p:ext uri="{BB962C8B-B14F-4D97-AF65-F5344CB8AC3E}">
-        <p14:creationId xmlns:p14="http://schemas.microsoft.com/office/powerpoint/2010/main" val="735906310"/>
+        <p14:creationId xmlns:p14="http://schemas.microsoft.com/office/powerpoint/2010/main" val="1501996116"/>
       </p:ext>
     </p:extLst>
   </p:cSld>
@@ -14482,26 +13502,37 @@
           <a:p>
             <a:pPr algn="ctr"/>
             <a:r>
-              <a:rPr lang="ko-KR" altLang="en-US" smtClean="0">
-                <a:solidFill>
-                  <a:schemeClr val="tx1">
-                    <a:lumMod val="85000"/>
-                    <a:lumOff val="15000"/>
-                  </a:schemeClr>
-                </a:solidFill>
-              </a:rPr>
-              <a:t>집필모드</a:t>
-            </a:r>
-            <a:r>
-              <a:rPr lang="ko-KR" altLang="en-US" dirty="0" smtClean="0">
-                <a:solidFill>
-                  <a:schemeClr val="tx1">
-                    <a:lumMod val="85000"/>
-                    <a:lumOff val="15000"/>
-                  </a:schemeClr>
-                </a:solidFill>
-              </a:rPr>
-              <a:t> 창</a:t>
+              <a:rPr lang="ko-KR" altLang="en-US" dirty="0" err="1" smtClean="0">
+                <a:solidFill>
+                  <a:schemeClr val="tx1">
+                    <a:lumMod val="85000"/>
+                    <a:lumOff val="15000"/>
+                  </a:schemeClr>
+                </a:solidFill>
+              </a:rPr>
+              <a:t>게시버튼</a:t>
+            </a:r>
+            <a:endParaRPr lang="en-US" altLang="ko-KR" dirty="0" smtClean="0">
+              <a:solidFill>
+                <a:schemeClr val="tx1">
+                  <a:lumMod val="85000"/>
+                  <a:lumOff val="15000"/>
+                </a:schemeClr>
+              </a:solidFill>
+            </a:endParaRPr>
+          </a:p>
+          <a:p>
+            <a:pPr algn="ctr"/>
+            <a:r>
+              <a:rPr lang="ko-KR" altLang="en-US" dirty="0" err="1" smtClean="0">
+                <a:solidFill>
+                  <a:schemeClr val="tx1">
+                    <a:lumMod val="85000"/>
+                    <a:lumOff val="15000"/>
+                  </a:schemeClr>
+                </a:solidFill>
+              </a:rPr>
+              <a:t>클릭시</a:t>
             </a:r>
             <a:endParaRPr lang="ko-KR" altLang="en-US" dirty="0">
               <a:solidFill>
@@ -15030,10 +14061,393 @@
           </a:p>
         </p:txBody>
       </p:sp>
+      <p:sp>
+        <p:nvSpPr>
+          <p:cNvPr id="12" name="직사각형 11"/>
+          <p:cNvSpPr/>
+          <p:nvPr/>
+        </p:nvSpPr>
+        <p:spPr>
+          <a:xfrm>
+            <a:off x="2715716" y="1724219"/>
+            <a:ext cx="3109038" cy="3109038"/>
+          </a:xfrm>
+          <a:prstGeom prst="rect">
+            <a:avLst/>
+          </a:prstGeom>
+          <a:solidFill>
+            <a:srgbClr val="92D050"/>
+          </a:solidFill>
+        </p:spPr>
+        <p:style>
+          <a:lnRef idx="2">
+            <a:schemeClr val="accent1">
+              <a:shade val="50000"/>
+            </a:schemeClr>
+          </a:lnRef>
+          <a:fillRef idx="1">
+            <a:schemeClr val="accent1"/>
+          </a:fillRef>
+          <a:effectRef idx="0">
+            <a:schemeClr val="accent1"/>
+          </a:effectRef>
+          <a:fontRef idx="minor">
+            <a:schemeClr val="lt1"/>
+          </a:fontRef>
+        </p:style>
+        <p:txBody>
+          <a:bodyPr rtlCol="0" anchor="ctr"/>
+          <a:lstStyle/>
+          <a:p>
+            <a:pPr algn="ctr"/>
+            <a:endParaRPr lang="ko-KR" altLang="en-US"/>
+          </a:p>
+        </p:txBody>
+      </p:sp>
+      <p:sp>
+        <p:nvSpPr>
+          <p:cNvPr id="14" name="직사각형 13"/>
+          <p:cNvSpPr/>
+          <p:nvPr/>
+        </p:nvSpPr>
+        <p:spPr>
+          <a:xfrm>
+            <a:off x="3141156" y="2768379"/>
+            <a:ext cx="2258158" cy="917164"/>
+          </a:xfrm>
+          <a:prstGeom prst="rect">
+            <a:avLst/>
+          </a:prstGeom>
+          <a:solidFill>
+            <a:schemeClr val="accent4">
+              <a:lumMod val="60000"/>
+              <a:lumOff val="40000"/>
+            </a:schemeClr>
+          </a:solidFill>
+        </p:spPr>
+        <p:style>
+          <a:lnRef idx="2">
+            <a:schemeClr val="accent1">
+              <a:shade val="50000"/>
+            </a:schemeClr>
+          </a:lnRef>
+          <a:fillRef idx="1">
+            <a:schemeClr val="accent1"/>
+          </a:fillRef>
+          <a:effectRef idx="0">
+            <a:schemeClr val="accent1"/>
+          </a:effectRef>
+          <a:fontRef idx="minor">
+            <a:schemeClr val="lt1"/>
+          </a:fontRef>
+        </p:style>
+        <p:txBody>
+          <a:bodyPr rtlCol="0" anchor="ctr"/>
+          <a:lstStyle/>
+          <a:p>
+            <a:pPr algn="ctr"/>
+            <a:r>
+              <a:rPr lang="ko-KR" altLang="en-US" sz="900" dirty="0" smtClean="0">
+                <a:solidFill>
+                  <a:schemeClr val="tx1">
+                    <a:lumMod val="85000"/>
+                    <a:lumOff val="15000"/>
+                  </a:schemeClr>
+                </a:solidFill>
+              </a:rPr>
+              <a:t>배포 하시겠습니까</a:t>
+            </a:r>
+            <a:r>
+              <a:rPr lang="en-US" altLang="ko-KR" sz="900" dirty="0" smtClean="0">
+                <a:solidFill>
+                  <a:schemeClr val="tx1">
+                    <a:lumMod val="85000"/>
+                    <a:lumOff val="15000"/>
+                  </a:schemeClr>
+                </a:solidFill>
+              </a:rPr>
+              <a:t>?</a:t>
+            </a:r>
+          </a:p>
+          <a:p>
+            <a:pPr algn="ctr"/>
+            <a:r>
+              <a:rPr lang="ko-KR" altLang="en-US" sz="900" dirty="0" smtClean="0">
+                <a:solidFill>
+                  <a:schemeClr val="tx1">
+                    <a:lumMod val="85000"/>
+                    <a:lumOff val="15000"/>
+                  </a:schemeClr>
+                </a:solidFill>
+              </a:rPr>
+              <a:t>용량에 따라 </a:t>
+            </a:r>
+            <a:r>
+              <a:rPr lang="ko-KR" altLang="en-US" sz="900" dirty="0" err="1" smtClean="0">
+                <a:solidFill>
+                  <a:schemeClr val="tx1">
+                    <a:lumMod val="85000"/>
+                    <a:lumOff val="15000"/>
+                  </a:schemeClr>
+                </a:solidFill>
+              </a:rPr>
+              <a:t>배포비를</a:t>
+            </a:r>
+            <a:r>
+              <a:rPr lang="ko-KR" altLang="en-US" sz="900" dirty="0" smtClean="0">
+                <a:solidFill>
+                  <a:schemeClr val="tx1">
+                    <a:lumMod val="85000"/>
+                    <a:lumOff val="15000"/>
+                  </a:schemeClr>
+                </a:solidFill>
+              </a:rPr>
+              <a:t> </a:t>
+            </a:r>
+            <a:r>
+              <a:rPr lang="ko-KR" altLang="en-US" sz="900" dirty="0" err="1" smtClean="0">
+                <a:solidFill>
+                  <a:schemeClr val="tx1">
+                    <a:lumMod val="85000"/>
+                    <a:lumOff val="15000"/>
+                  </a:schemeClr>
+                </a:solidFill>
+              </a:rPr>
+              <a:t>필요로합니다</a:t>
+            </a:r>
+            <a:r>
+              <a:rPr lang="en-US" altLang="ko-KR" sz="900" dirty="0" smtClean="0">
+                <a:solidFill>
+                  <a:schemeClr val="tx1">
+                    <a:lumMod val="85000"/>
+                    <a:lumOff val="15000"/>
+                  </a:schemeClr>
+                </a:solidFill>
+              </a:rPr>
+              <a:t>.</a:t>
+            </a:r>
+          </a:p>
+          <a:p>
+            <a:pPr algn="ctr"/>
+            <a:endParaRPr lang="ko-KR" altLang="en-US" sz="900" dirty="0">
+              <a:solidFill>
+                <a:schemeClr val="tx1">
+                  <a:lumMod val="85000"/>
+                  <a:lumOff val="15000"/>
+                </a:schemeClr>
+              </a:solidFill>
+            </a:endParaRPr>
+          </a:p>
+        </p:txBody>
+      </p:sp>
+      <p:sp>
+        <p:nvSpPr>
+          <p:cNvPr id="15" name="모서리가 둥근 직사각형 14"/>
+          <p:cNvSpPr/>
+          <p:nvPr/>
+        </p:nvSpPr>
+        <p:spPr>
+          <a:xfrm>
+            <a:off x="3893987" y="4330705"/>
+            <a:ext cx="777564" cy="291492"/>
+          </a:xfrm>
+          <a:prstGeom prst="roundRect">
+            <a:avLst/>
+          </a:prstGeom>
+          <a:solidFill>
+            <a:schemeClr val="bg1">
+              <a:lumMod val="85000"/>
+            </a:schemeClr>
+          </a:solidFill>
+          <a:ln>
+            <a:solidFill>
+              <a:schemeClr val="tx1"/>
+            </a:solidFill>
+          </a:ln>
+        </p:spPr>
+        <p:style>
+          <a:lnRef idx="2">
+            <a:schemeClr val="accent1">
+              <a:shade val="50000"/>
+            </a:schemeClr>
+          </a:lnRef>
+          <a:fillRef idx="1">
+            <a:schemeClr val="accent1"/>
+          </a:fillRef>
+          <a:effectRef idx="0">
+            <a:schemeClr val="accent1"/>
+          </a:effectRef>
+          <a:fontRef idx="minor">
+            <a:schemeClr val="lt1"/>
+          </a:fontRef>
+        </p:style>
+        <p:txBody>
+          <a:bodyPr rtlCol="0" anchor="ctr"/>
+          <a:lstStyle/>
+          <a:p>
+            <a:pPr algn="ctr"/>
+            <a:r>
+              <a:rPr lang="ko-KR" altLang="en-US" sz="900" dirty="0" smtClean="0">
+                <a:solidFill>
+                  <a:schemeClr val="tx1">
+                    <a:lumMod val="85000"/>
+                    <a:lumOff val="15000"/>
+                  </a:schemeClr>
+                </a:solidFill>
+              </a:rPr>
+              <a:t>계속 작성</a:t>
+            </a:r>
+            <a:endParaRPr lang="ko-KR" altLang="en-US" sz="900" dirty="0">
+              <a:solidFill>
+                <a:schemeClr val="tx1">
+                  <a:lumMod val="85000"/>
+                  <a:lumOff val="15000"/>
+                </a:schemeClr>
+              </a:solidFill>
+            </a:endParaRPr>
+          </a:p>
+        </p:txBody>
+      </p:sp>
+      <p:sp>
+        <p:nvSpPr>
+          <p:cNvPr id="16" name="모서리가 둥근 직사각형 15"/>
+          <p:cNvSpPr/>
+          <p:nvPr/>
+        </p:nvSpPr>
+        <p:spPr>
+          <a:xfrm>
+            <a:off x="4720265" y="4330705"/>
+            <a:ext cx="904396" cy="291492"/>
+          </a:xfrm>
+          <a:prstGeom prst="roundRect">
+            <a:avLst/>
+          </a:prstGeom>
+          <a:solidFill>
+            <a:schemeClr val="bg1">
+              <a:lumMod val="85000"/>
+            </a:schemeClr>
+          </a:solidFill>
+          <a:ln>
+            <a:solidFill>
+              <a:schemeClr val="tx1"/>
+            </a:solidFill>
+          </a:ln>
+        </p:spPr>
+        <p:style>
+          <a:lnRef idx="2">
+            <a:schemeClr val="accent1">
+              <a:shade val="50000"/>
+            </a:schemeClr>
+          </a:lnRef>
+          <a:fillRef idx="1">
+            <a:schemeClr val="accent1"/>
+          </a:fillRef>
+          <a:effectRef idx="0">
+            <a:schemeClr val="accent1"/>
+          </a:effectRef>
+          <a:fontRef idx="minor">
+            <a:schemeClr val="lt1"/>
+          </a:fontRef>
+        </p:style>
+        <p:txBody>
+          <a:bodyPr rtlCol="0" anchor="ctr"/>
+          <a:lstStyle/>
+          <a:p>
+            <a:pPr algn="ctr"/>
+            <a:r>
+              <a:rPr lang="ko-KR" altLang="en-US" sz="900" dirty="0" smtClean="0">
+                <a:solidFill>
+                  <a:schemeClr val="tx2">
+                    <a:lumMod val="40000"/>
+                    <a:lumOff val="60000"/>
+                  </a:schemeClr>
+                </a:solidFill>
+              </a:rPr>
+              <a:t>독자로 이동</a:t>
+            </a:r>
+            <a:endParaRPr lang="ko-KR" altLang="en-US" sz="900" dirty="0">
+              <a:solidFill>
+                <a:schemeClr val="tx2">
+                  <a:lumMod val="40000"/>
+                  <a:lumOff val="60000"/>
+                </a:schemeClr>
+              </a:solidFill>
+            </a:endParaRPr>
+          </a:p>
+        </p:txBody>
+      </p:sp>
+      <p:sp>
+        <p:nvSpPr>
+          <p:cNvPr id="17" name="모서리가 둥근 직사각형 16"/>
+          <p:cNvSpPr/>
+          <p:nvPr/>
+        </p:nvSpPr>
+        <p:spPr>
+          <a:xfrm>
+            <a:off x="4015285" y="3379897"/>
+            <a:ext cx="509900" cy="214582"/>
+          </a:xfrm>
+          <a:prstGeom prst="roundRect">
+            <a:avLst/>
+          </a:prstGeom>
+          <a:solidFill>
+            <a:schemeClr val="bg1">
+              <a:lumMod val="85000"/>
+            </a:schemeClr>
+          </a:solidFill>
+          <a:ln>
+            <a:solidFill>
+              <a:schemeClr val="tx1"/>
+            </a:solidFill>
+          </a:ln>
+        </p:spPr>
+        <p:style>
+          <a:lnRef idx="2">
+            <a:schemeClr val="accent1">
+              <a:shade val="50000"/>
+            </a:schemeClr>
+          </a:lnRef>
+          <a:fillRef idx="1">
+            <a:schemeClr val="accent1"/>
+          </a:fillRef>
+          <a:effectRef idx="0">
+            <a:schemeClr val="accent1"/>
+          </a:effectRef>
+          <a:fontRef idx="minor">
+            <a:schemeClr val="lt1"/>
+          </a:fontRef>
+        </p:style>
+        <p:txBody>
+          <a:bodyPr rtlCol="0" anchor="ctr"/>
+          <a:lstStyle/>
+          <a:p>
+            <a:pPr algn="ctr"/>
+            <a:r>
+              <a:rPr lang="ko-KR" altLang="en-US" sz="900" dirty="0" smtClean="0">
+                <a:solidFill>
+                  <a:schemeClr val="tx1">
+                    <a:lumMod val="85000"/>
+                    <a:lumOff val="15000"/>
+                  </a:schemeClr>
+                </a:solidFill>
+              </a:rPr>
+              <a:t>결제</a:t>
+            </a:r>
+            <a:endParaRPr lang="ko-KR" altLang="en-US" sz="900" dirty="0">
+              <a:solidFill>
+                <a:schemeClr val="tx1">
+                  <a:lumMod val="85000"/>
+                  <a:lumOff val="15000"/>
+                </a:schemeClr>
+              </a:solidFill>
+            </a:endParaRPr>
+          </a:p>
+        </p:txBody>
+      </p:sp>
     </p:spTree>
     <p:extLst>
       <p:ext uri="{BB962C8B-B14F-4D97-AF65-F5344CB8AC3E}">
-        <p14:creationId xmlns:p14="http://schemas.microsoft.com/office/powerpoint/2010/main" val="1501996116"/>
+        <p14:creationId xmlns:p14="http://schemas.microsoft.com/office/powerpoint/2010/main" val="2661084219"/>
       </p:ext>
     </p:extLst>
   </p:cSld>
@@ -15246,15 +14660,15 @@
           <a:p>
             <a:pPr algn="ctr"/>
             <a:r>
-              <a:rPr lang="ko-KR" altLang="en-US" dirty="0" err="1" smtClean="0">
-                <a:solidFill>
-                  <a:schemeClr val="tx1">
-                    <a:lumMod val="85000"/>
-                    <a:lumOff val="15000"/>
-                  </a:schemeClr>
-                </a:solidFill>
-              </a:rPr>
-              <a:t>게시버튼</a:t>
+              <a:rPr lang="ko-KR" altLang="en-US" dirty="0" smtClean="0">
+                <a:solidFill>
+                  <a:schemeClr val="tx1">
+                    <a:lumMod val="85000"/>
+                    <a:lumOff val="15000"/>
+                  </a:schemeClr>
+                </a:solidFill>
+              </a:rPr>
+              <a:t>결제 클릭</a:t>
             </a:r>
             <a:endParaRPr lang="en-US" altLang="ko-KR" dirty="0" smtClean="0">
               <a:solidFill>
@@ -15268,24 +14682,16 @@
           <a:p>
             <a:pPr algn="ctr"/>
             <a:r>
-              <a:rPr lang="ko-KR" altLang="en-US" dirty="0" err="1" smtClean="0">
-                <a:solidFill>
-                  <a:schemeClr val="tx1">
-                    <a:lumMod val="85000"/>
-                    <a:lumOff val="15000"/>
-                  </a:schemeClr>
-                </a:solidFill>
-              </a:rPr>
-              <a:t>클릭시</a:t>
-            </a:r>
-            <a:endParaRPr lang="ko-KR" altLang="en-US" dirty="0">
-              <a:solidFill>
-                <a:schemeClr val="tx1">
-                  <a:lumMod val="85000"/>
-                  <a:lumOff val="15000"/>
-                </a:schemeClr>
-              </a:solidFill>
-            </a:endParaRPr>
+              <a:rPr lang="ko-KR" altLang="en-US" dirty="0">
+                <a:solidFill>
+                  <a:schemeClr val="tx1">
+                    <a:lumMod val="85000"/>
+                    <a:lumOff val="15000"/>
+                  </a:schemeClr>
+                </a:solidFill>
+              </a:rPr>
+              <a:t>시</a:t>
+            </a:r>
           </a:p>
         </p:txBody>
       </p:sp>
@@ -15844,143 +15250,15 @@
           <a:lstStyle/>
           <a:p>
             <a:pPr algn="ctr"/>
-            <a:endParaRPr lang="ko-KR" altLang="en-US"/>
-          </a:p>
-        </p:txBody>
-      </p:sp>
-      <p:sp>
-        <p:nvSpPr>
-          <p:cNvPr id="14" name="직사각형 13"/>
-          <p:cNvSpPr/>
-          <p:nvPr/>
-        </p:nvSpPr>
-        <p:spPr>
-          <a:xfrm>
-            <a:off x="3141156" y="2768379"/>
-            <a:ext cx="2258158" cy="917164"/>
-          </a:xfrm>
-          <a:prstGeom prst="rect">
-            <a:avLst/>
-          </a:prstGeom>
-          <a:solidFill>
-            <a:schemeClr val="accent4">
-              <a:lumMod val="60000"/>
-              <a:lumOff val="40000"/>
-            </a:schemeClr>
-          </a:solidFill>
-        </p:spPr>
-        <p:style>
-          <a:lnRef idx="2">
-            <a:schemeClr val="accent1">
-              <a:shade val="50000"/>
-            </a:schemeClr>
-          </a:lnRef>
-          <a:fillRef idx="1">
-            <a:schemeClr val="accent1"/>
-          </a:fillRef>
-          <a:effectRef idx="0">
-            <a:schemeClr val="accent1"/>
-          </a:effectRef>
-          <a:fontRef idx="minor">
-            <a:schemeClr val="lt1"/>
-          </a:fontRef>
-        </p:style>
-        <p:txBody>
-          <a:bodyPr rtlCol="0" anchor="ctr"/>
-          <a:lstStyle/>
-          <a:p>
-            <a:pPr algn="ctr"/>
-            <a:r>
-              <a:rPr lang="ko-KR" altLang="en-US" sz="900" dirty="0" smtClean="0">
-                <a:solidFill>
-                  <a:schemeClr val="tx1">
-                    <a:lumMod val="85000"/>
-                    <a:lumOff val="15000"/>
-                  </a:schemeClr>
-                </a:solidFill>
-              </a:rPr>
-              <a:t>배포 하시겠습니까</a:t>
-            </a:r>
-            <a:r>
-              <a:rPr lang="en-US" altLang="ko-KR" sz="900" dirty="0" smtClean="0">
-                <a:solidFill>
-                  <a:schemeClr val="tx1">
-                    <a:lumMod val="85000"/>
-                    <a:lumOff val="15000"/>
-                  </a:schemeClr>
-                </a:solidFill>
-              </a:rPr>
-              <a:t>?</a:t>
-            </a:r>
-          </a:p>
-          <a:p>
-            <a:pPr algn="ctr"/>
-            <a:r>
-              <a:rPr lang="ko-KR" altLang="en-US" sz="900" dirty="0" smtClean="0">
-                <a:solidFill>
-                  <a:schemeClr val="tx1">
-                    <a:lumMod val="85000"/>
-                    <a:lumOff val="15000"/>
-                  </a:schemeClr>
-                </a:solidFill>
-              </a:rPr>
-              <a:t>용량에 따라 </a:t>
-            </a:r>
-            <a:r>
-              <a:rPr lang="ko-KR" altLang="en-US" sz="900" dirty="0" err="1" smtClean="0">
-                <a:solidFill>
-                  <a:schemeClr val="tx1">
-                    <a:lumMod val="85000"/>
-                    <a:lumOff val="15000"/>
-                  </a:schemeClr>
-                </a:solidFill>
-              </a:rPr>
-              <a:t>배포비를</a:t>
-            </a:r>
-            <a:r>
-              <a:rPr lang="ko-KR" altLang="en-US" sz="900" dirty="0" smtClean="0">
-                <a:solidFill>
-                  <a:schemeClr val="tx1">
-                    <a:lumMod val="85000"/>
-                    <a:lumOff val="15000"/>
-                  </a:schemeClr>
-                </a:solidFill>
-              </a:rPr>
-              <a:t> </a:t>
-            </a:r>
-            <a:r>
-              <a:rPr lang="ko-KR" altLang="en-US" sz="900" dirty="0" err="1" smtClean="0">
-                <a:solidFill>
-                  <a:schemeClr val="tx1">
-                    <a:lumMod val="85000"/>
-                    <a:lumOff val="15000"/>
-                  </a:schemeClr>
-                </a:solidFill>
-              </a:rPr>
-              <a:t>필요로합니다</a:t>
-            </a:r>
-            <a:r>
-              <a:rPr lang="en-US" altLang="ko-KR" sz="900" dirty="0" smtClean="0">
-                <a:solidFill>
-                  <a:schemeClr val="tx1">
-                    <a:lumMod val="85000"/>
-                    <a:lumOff val="15000"/>
-                  </a:schemeClr>
-                </a:solidFill>
-              </a:rPr>
-              <a:t>.</a:t>
-            </a:r>
-          </a:p>
-          <a:p>
-            <a:pPr algn="ctr"/>
-            <a:endParaRPr lang="ko-KR" altLang="en-US" sz="900" dirty="0">
-              <a:solidFill>
-                <a:schemeClr val="tx1">
-                  <a:lumMod val="85000"/>
-                  <a:lumOff val="15000"/>
-                </a:schemeClr>
-              </a:solidFill>
-            </a:endParaRPr>
+            <a:r>
+              <a:rPr lang="en-US" altLang="ko-KR" dirty="0" smtClean="0"/>
+              <a:t>PAYUP </a:t>
+            </a:r>
+            <a:r>
+              <a:rPr lang="ko-KR" altLang="en-US" dirty="0" smtClean="0"/>
+              <a:t>호출</a:t>
+            </a:r>
+            <a:endParaRPr lang="ko-KR" altLang="en-US" dirty="0"/>
           </a:p>
         </p:txBody>
       </p:sp>
@@ -16120,78 +15398,10 @@
           </a:p>
         </p:txBody>
       </p:sp>
-      <p:sp>
-        <p:nvSpPr>
-          <p:cNvPr id="17" name="모서리가 둥근 직사각형 16"/>
-          <p:cNvSpPr/>
-          <p:nvPr/>
-        </p:nvSpPr>
-        <p:spPr>
-          <a:xfrm>
-            <a:off x="4015285" y="3379897"/>
-            <a:ext cx="509900" cy="214582"/>
-          </a:xfrm>
-          <a:prstGeom prst="roundRect">
-            <a:avLst/>
-          </a:prstGeom>
-          <a:solidFill>
-            <a:schemeClr val="bg1">
-              <a:lumMod val="85000"/>
-            </a:schemeClr>
-          </a:solidFill>
-          <a:ln>
-            <a:solidFill>
-              <a:schemeClr val="tx1"/>
-            </a:solidFill>
-          </a:ln>
-        </p:spPr>
-        <p:style>
-          <a:lnRef idx="2">
-            <a:schemeClr val="accent1">
-              <a:shade val="50000"/>
-            </a:schemeClr>
-          </a:lnRef>
-          <a:fillRef idx="1">
-            <a:schemeClr val="accent1"/>
-          </a:fillRef>
-          <a:effectRef idx="0">
-            <a:schemeClr val="accent1"/>
-          </a:effectRef>
-          <a:fontRef idx="minor">
-            <a:schemeClr val="lt1"/>
-          </a:fontRef>
-        </p:style>
-        <p:txBody>
-          <a:bodyPr rtlCol="0" anchor="ctr"/>
-          <a:lstStyle/>
-          <a:p>
-            <a:pPr algn="ctr"/>
-            <a:r>
-              <a:rPr lang="ko-KR" altLang="en-US" sz="900" dirty="0" smtClean="0">
-                <a:solidFill>
-                  <a:schemeClr val="tx1">
-                    <a:lumMod val="85000"/>
-                    <a:lumOff val="15000"/>
-                  </a:schemeClr>
-                </a:solidFill>
-              </a:rPr>
-              <a:t>결제</a:t>
-            </a:r>
-            <a:endParaRPr lang="ko-KR" altLang="en-US" sz="900" dirty="0">
-              <a:solidFill>
-                <a:schemeClr val="tx1">
-                  <a:lumMod val="85000"/>
-                  <a:lumOff val="15000"/>
-                </a:schemeClr>
-              </a:solidFill>
-            </a:endParaRPr>
-          </a:p>
-        </p:txBody>
-      </p:sp>
     </p:spTree>
     <p:extLst>
       <p:ext uri="{BB962C8B-B14F-4D97-AF65-F5344CB8AC3E}">
-        <p14:creationId xmlns:p14="http://schemas.microsoft.com/office/powerpoint/2010/main" val="2661084219"/>
+        <p14:creationId xmlns:p14="http://schemas.microsoft.com/office/powerpoint/2010/main" val="1537883623"/>
       </p:ext>
     </p:extLst>
   </p:cSld>
@@ -16412,7 +15622,7 @@
                   </a:schemeClr>
                 </a:solidFill>
               </a:rPr>
-              <a:t>결제 클릭</a:t>
+              <a:t>결제완료</a:t>
             </a:r>
             <a:endParaRPr lang="en-US" altLang="ko-KR" dirty="0" smtClean="0">
               <a:solidFill>
@@ -16994,15 +16204,82 @@
           <a:lstStyle/>
           <a:p>
             <a:pPr algn="ctr"/>
-            <a:r>
-              <a:rPr lang="en-US" altLang="ko-KR" dirty="0" smtClean="0"/>
-              <a:t>PAYUP </a:t>
-            </a:r>
-            <a:r>
-              <a:rPr lang="ko-KR" altLang="en-US" dirty="0" smtClean="0"/>
-              <a:t>호출</a:t>
-            </a:r>
-            <a:endParaRPr lang="ko-KR" altLang="en-US" dirty="0"/>
+            <a:endParaRPr lang="ko-KR" altLang="en-US"/>
+          </a:p>
+        </p:txBody>
+      </p:sp>
+      <p:sp>
+        <p:nvSpPr>
+          <p:cNvPr id="14" name="직사각형 13"/>
+          <p:cNvSpPr/>
+          <p:nvPr/>
+        </p:nvSpPr>
+        <p:spPr>
+          <a:xfrm>
+            <a:off x="3141156" y="2768379"/>
+            <a:ext cx="2258158" cy="917164"/>
+          </a:xfrm>
+          <a:prstGeom prst="rect">
+            <a:avLst/>
+          </a:prstGeom>
+          <a:solidFill>
+            <a:schemeClr val="accent4">
+              <a:lumMod val="60000"/>
+              <a:lumOff val="40000"/>
+            </a:schemeClr>
+          </a:solidFill>
+        </p:spPr>
+        <p:style>
+          <a:lnRef idx="2">
+            <a:schemeClr val="accent1">
+              <a:shade val="50000"/>
+            </a:schemeClr>
+          </a:lnRef>
+          <a:fillRef idx="1">
+            <a:schemeClr val="accent1"/>
+          </a:fillRef>
+          <a:effectRef idx="0">
+            <a:schemeClr val="accent1"/>
+          </a:effectRef>
+          <a:fontRef idx="minor">
+            <a:schemeClr val="lt1"/>
+          </a:fontRef>
+        </p:style>
+        <p:txBody>
+          <a:bodyPr rtlCol="0" anchor="ctr"/>
+          <a:lstStyle/>
+          <a:p>
+            <a:pPr algn="ctr"/>
+            <a:r>
+              <a:rPr lang="ko-KR" altLang="en-US" sz="900" dirty="0" smtClean="0">
+                <a:solidFill>
+                  <a:schemeClr val="tx1">
+                    <a:lumMod val="85000"/>
+                    <a:lumOff val="15000"/>
+                  </a:schemeClr>
+                </a:solidFill>
+              </a:rPr>
+              <a:t>배포를 완료했습니다</a:t>
+            </a:r>
+            <a:r>
+              <a:rPr lang="en-US" altLang="ko-KR" sz="900" dirty="0" smtClean="0">
+                <a:solidFill>
+                  <a:schemeClr val="tx1">
+                    <a:lumMod val="85000"/>
+                    <a:lumOff val="15000"/>
+                  </a:schemeClr>
+                </a:solidFill>
+              </a:rPr>
+              <a:t>.</a:t>
+            </a:r>
+            <a:endParaRPr lang="ko-KR" altLang="en-US" sz="900" dirty="0">
+              <a:solidFill>
+                <a:schemeClr val="tx1">
+                  <a:lumMod val="85000"/>
+                  <a:lumOff val="15000"/>
+                </a:schemeClr>
+              </a:solidFill>
+            </a:endParaRPr>
           </a:p>
         </p:txBody>
       </p:sp>
@@ -17095,7 +16372,7 @@
           </a:solidFill>
           <a:ln>
             <a:solidFill>
-              <a:schemeClr val="tx1"/>
+              <a:srgbClr val="FF0000"/>
             </a:solidFill>
           </a:ln>
         </p:spPr>
@@ -17123,9 +16400,9 @@
             <a:r>
               <a:rPr lang="ko-KR" altLang="en-US" sz="900" dirty="0" smtClean="0">
                 <a:solidFill>
-                  <a:schemeClr val="tx2">
-                    <a:lumMod val="40000"/>
-                    <a:lumOff val="60000"/>
+                  <a:schemeClr val="tx1">
+                    <a:lumMod val="95000"/>
+                    <a:lumOff val="5000"/>
                   </a:schemeClr>
                 </a:solidFill>
               </a:rPr>
@@ -17133,9 +16410,9 @@
             </a:r>
             <a:endParaRPr lang="ko-KR" altLang="en-US" sz="900" dirty="0">
               <a:solidFill>
-                <a:schemeClr val="tx2">
-                  <a:lumMod val="40000"/>
-                  <a:lumOff val="60000"/>
+                <a:schemeClr val="tx1">
+                  <a:lumMod val="95000"/>
+                  <a:lumOff val="5000"/>
                 </a:schemeClr>
               </a:solidFill>
             </a:endParaRPr>
@@ -17145,7 +16422,7 @@
     </p:spTree>
     <p:extLst>
       <p:ext uri="{BB962C8B-B14F-4D97-AF65-F5344CB8AC3E}">
-        <p14:creationId xmlns:p14="http://schemas.microsoft.com/office/powerpoint/2010/main" val="1537883623"/>
+        <p14:creationId xmlns:p14="http://schemas.microsoft.com/office/powerpoint/2010/main" val="2623676015"/>
       </p:ext>
     </p:extLst>
   </p:cSld>
@@ -17980,6 +17257,17 @@
           <a:p>
             <a:pPr algn="ctr"/>
             <a:r>
+              <a:rPr lang="ko-KR" altLang="en-US" dirty="0" err="1" smtClean="0">
+                <a:solidFill>
+                  <a:schemeClr val="tx1">
+                    <a:lumMod val="85000"/>
+                    <a:lumOff val="15000"/>
+                  </a:schemeClr>
+                </a:solidFill>
+              </a:rPr>
+              <a:t>노트버튼</a:t>
+            </a:r>
+            <a:r>
               <a:rPr lang="ko-KR" altLang="en-US" dirty="0" smtClean="0">
                 <a:solidFill>
                   <a:schemeClr val="tx1">
@@ -17988,9 +17276,20 @@
                   </a:schemeClr>
                 </a:solidFill>
               </a:rPr>
-              <a:t>결제완료</a:t>
-            </a:r>
-            <a:endParaRPr lang="en-US" altLang="ko-KR" dirty="0" smtClean="0">
+              <a:t> </a:t>
+            </a:r>
+            <a:r>
+              <a:rPr lang="ko-KR" altLang="en-US" dirty="0" err="1" smtClean="0">
+                <a:solidFill>
+                  <a:schemeClr val="tx1">
+                    <a:lumMod val="85000"/>
+                    <a:lumOff val="15000"/>
+                  </a:schemeClr>
+                </a:solidFill>
+              </a:rPr>
+              <a:t>클릭시</a:t>
+            </a:r>
+            <a:endParaRPr lang="ko-KR" altLang="en-US" dirty="0">
               <a:solidFill>
                 <a:schemeClr val="tx1">
                   <a:lumMod val="85000"/>
@@ -17998,20 +17297,6 @@
                 </a:schemeClr>
               </a:solidFill>
             </a:endParaRPr>
-          </a:p>
-          <a:p>
-            <a:pPr algn="ctr"/>
-            <a:r>
-              <a:rPr lang="ko-KR" altLang="en-US" dirty="0">
-                <a:solidFill>
-                  <a:schemeClr val="tx1">
-                    <a:lumMod val="85000"/>
-                    <a:lumOff val="15000"/>
-                  </a:schemeClr>
-                </a:solidFill>
-              </a:rPr>
-              <a:t>시</a:t>
-            </a:r>
           </a:p>
         </p:txBody>
       </p:sp>
@@ -18533,7 +17818,7 @@
       </p:sp>
       <p:sp>
         <p:nvSpPr>
-          <p:cNvPr id="12" name="직사각형 11"/>
+          <p:cNvPr id="5" name="직사각형 4"/>
           <p:cNvSpPr/>
           <p:nvPr/>
         </p:nvSpPr>
@@ -18576,14 +17861,44 @@
       </p:sp>
       <p:sp>
         <p:nvSpPr>
-          <p:cNvPr id="14" name="직사각형 13"/>
+          <p:cNvPr id="6" name="TextBox 5"/>
+          <p:cNvSpPr txBox="1"/>
+          <p:nvPr/>
+        </p:nvSpPr>
+        <p:spPr>
+          <a:xfrm>
+            <a:off x="2843882" y="1816552"/>
+            <a:ext cx="441146" cy="230832"/>
+          </a:xfrm>
+          <a:prstGeom prst="rect">
+            <a:avLst/>
+          </a:prstGeom>
+          <a:noFill/>
+        </p:spPr>
+        <p:txBody>
+          <a:bodyPr wrap="none" rtlCol="0">
+            <a:spAutoFit/>
+          </a:bodyPr>
+          <a:lstStyle/>
+          <a:p>
+            <a:r>
+              <a:rPr lang="ko-KR" altLang="en-US" sz="900" b="1" dirty="0" smtClean="0"/>
+              <a:t>노트 </a:t>
+            </a:r>
+            <a:endParaRPr lang="ko-KR" altLang="en-US" sz="900" b="1" dirty="0"/>
+          </a:p>
+        </p:txBody>
+      </p:sp>
+      <p:sp>
+        <p:nvSpPr>
+          <p:cNvPr id="9" name="직사각형 8"/>
           <p:cNvSpPr/>
           <p:nvPr/>
         </p:nvSpPr>
         <p:spPr>
           <a:xfrm>
-            <a:off x="3141156" y="2768379"/>
-            <a:ext cx="2258158" cy="917164"/>
+            <a:off x="2872910" y="2076412"/>
+            <a:ext cx="2819718" cy="2626216"/>
           </a:xfrm>
           <a:prstGeom prst="rect">
             <a:avLst/>
@@ -18615,7 +17930,17 @@
           <a:bodyPr rtlCol="0" anchor="ctr"/>
           <a:lstStyle/>
           <a:p>
-            <a:pPr algn="ctr"/>
+            <a:r>
+              <a:rPr lang="en-US" altLang="ko-KR" sz="900" dirty="0" smtClean="0">
+                <a:solidFill>
+                  <a:schemeClr val="tx1">
+                    <a:lumMod val="85000"/>
+                    <a:lumOff val="15000"/>
+                  </a:schemeClr>
+                </a:solidFill>
+              </a:rPr>
+              <a:t>2022/10</a:t>
+            </a:r>
             <a:r>
               <a:rPr lang="ko-KR" altLang="en-US" sz="900" dirty="0" smtClean="0">
                 <a:solidFill>
@@ -18625,7 +17950,7 @@
                   </a:schemeClr>
                 </a:solidFill>
               </a:rPr>
-              <a:t>배포를 완료했습니다</a:t>
+              <a:t>월</a:t>
             </a:r>
             <a:r>
               <a:rPr lang="en-US" altLang="ko-KR" sz="900" dirty="0" smtClean="0">
@@ -18636,9 +17961,20 @@
                   </a:schemeClr>
                 </a:solidFill>
               </a:rPr>
-              <a:t>.</a:t>
-            </a:r>
-            <a:endParaRPr lang="ko-KR" altLang="en-US" sz="900" dirty="0">
+              <a:t>31</a:t>
+            </a:r>
+            <a:r>
+              <a:rPr lang="ko-KR" altLang="en-US" sz="900" dirty="0" smtClean="0">
+                <a:solidFill>
+                  <a:schemeClr val="tx1">
+                    <a:lumMod val="85000"/>
+                    <a:lumOff val="15000"/>
+                  </a:schemeClr>
+                </a:solidFill>
+              </a:rPr>
+              <a:t>일</a:t>
+            </a:r>
+            <a:endParaRPr lang="en-US" altLang="ko-KR" sz="900" dirty="0" smtClean="0">
               <a:solidFill>
                 <a:schemeClr val="tx1">
                   <a:lumMod val="85000"/>
@@ -18647,11 +17983,375 @@
               </a:solidFill>
             </a:endParaRPr>
           </a:p>
-        </p:txBody>
-      </p:sp>
-      <p:sp>
-        <p:nvSpPr>
-          <p:cNvPr id="15" name="모서리가 둥근 직사각형 14"/>
+          <a:p>
+            <a:endParaRPr lang="en-US" altLang="ko-KR" sz="900" dirty="0" smtClean="0">
+              <a:solidFill>
+                <a:schemeClr val="tx1">
+                  <a:lumMod val="85000"/>
+                  <a:lumOff val="15000"/>
+                </a:schemeClr>
+              </a:solidFill>
+            </a:endParaRPr>
+          </a:p>
+          <a:p>
+            <a:r>
+              <a:rPr lang="ko-KR" altLang="en-US" sz="900" dirty="0" smtClean="0">
+                <a:solidFill>
+                  <a:schemeClr val="tx1">
+                    <a:lumMod val="85000"/>
+                    <a:lumOff val="15000"/>
+                  </a:schemeClr>
+                </a:solidFill>
+              </a:rPr>
+              <a:t>이 문단은 초벌로 기록</a:t>
+            </a:r>
+            <a:r>
+              <a:rPr lang="en-US" altLang="ko-KR" sz="900" dirty="0" smtClean="0">
+                <a:solidFill>
+                  <a:schemeClr val="tx1">
+                    <a:lumMod val="85000"/>
+                    <a:lumOff val="15000"/>
+                  </a:schemeClr>
+                </a:solidFill>
+              </a:rPr>
+              <a:t>.</a:t>
+            </a:r>
+          </a:p>
+          <a:p>
+            <a:r>
+              <a:rPr lang="ko-KR" altLang="en-US" sz="900" dirty="0" smtClean="0">
+                <a:solidFill>
+                  <a:schemeClr val="tx1">
+                    <a:lumMod val="85000"/>
+                    <a:lumOff val="15000"/>
+                  </a:schemeClr>
+                </a:solidFill>
+              </a:rPr>
+              <a:t>줄거리와 흐름은 일치하나</a:t>
+            </a:r>
+            <a:endParaRPr lang="en-US" altLang="ko-KR" sz="900" dirty="0" smtClean="0">
+              <a:solidFill>
+                <a:schemeClr val="tx1">
+                  <a:lumMod val="85000"/>
+                  <a:lumOff val="15000"/>
+                </a:schemeClr>
+              </a:solidFill>
+            </a:endParaRPr>
+          </a:p>
+          <a:p>
+            <a:r>
+              <a:rPr lang="ko-KR" altLang="en-US" sz="900" dirty="0" smtClean="0">
+                <a:solidFill>
+                  <a:schemeClr val="tx1">
+                    <a:lumMod val="85000"/>
+                    <a:lumOff val="15000"/>
+                  </a:schemeClr>
+                </a:solidFill>
+              </a:rPr>
+              <a:t>표현이 어색함</a:t>
+            </a:r>
+            <a:r>
+              <a:rPr lang="en-US" altLang="ko-KR" sz="900" dirty="0" smtClean="0">
+                <a:solidFill>
+                  <a:schemeClr val="tx1">
+                    <a:lumMod val="85000"/>
+                    <a:lumOff val="15000"/>
+                  </a:schemeClr>
+                </a:solidFill>
+              </a:rPr>
+              <a:t>.</a:t>
+            </a:r>
+          </a:p>
+          <a:p>
+            <a:endParaRPr lang="en-US" altLang="ko-KR" sz="900" dirty="0" smtClean="0">
+              <a:solidFill>
+                <a:schemeClr val="tx1">
+                  <a:lumMod val="85000"/>
+                  <a:lumOff val="15000"/>
+                </a:schemeClr>
+              </a:solidFill>
+            </a:endParaRPr>
+          </a:p>
+          <a:p>
+            <a:r>
+              <a:rPr lang="ko-KR" altLang="en-US" sz="900" dirty="0" smtClean="0">
+                <a:solidFill>
+                  <a:schemeClr val="tx1">
+                    <a:lumMod val="85000"/>
+                    <a:lumOff val="15000"/>
+                  </a:schemeClr>
+                </a:solidFill>
+              </a:rPr>
+              <a:t>수정</a:t>
+            </a:r>
+            <a:r>
+              <a:rPr lang="en-US" altLang="ko-KR" sz="900" dirty="0" smtClean="0">
+                <a:solidFill>
+                  <a:schemeClr val="tx1">
+                    <a:lumMod val="85000"/>
+                    <a:lumOff val="15000"/>
+                  </a:schemeClr>
+                </a:solidFill>
+              </a:rPr>
+              <a:t>/</a:t>
+            </a:r>
+            <a:r>
+              <a:rPr lang="ko-KR" altLang="en-US" sz="900" dirty="0" smtClean="0">
+                <a:solidFill>
+                  <a:schemeClr val="tx1">
+                    <a:lumMod val="85000"/>
+                    <a:lumOff val="15000"/>
+                  </a:schemeClr>
+                </a:solidFill>
+              </a:rPr>
+              <a:t>보완 필요함</a:t>
+            </a:r>
+            <a:r>
+              <a:rPr lang="en-US" altLang="ko-KR" sz="900" dirty="0" smtClean="0">
+                <a:solidFill>
+                  <a:schemeClr val="tx1">
+                    <a:lumMod val="85000"/>
+                    <a:lumOff val="15000"/>
+                  </a:schemeClr>
+                </a:solidFill>
+              </a:rPr>
+              <a:t>.</a:t>
+            </a:r>
+          </a:p>
+          <a:p>
+            <a:endParaRPr lang="ko-KR" altLang="en-US" sz="900" dirty="0" smtClean="0">
+              <a:solidFill>
+                <a:schemeClr val="tx1">
+                  <a:lumMod val="85000"/>
+                  <a:lumOff val="15000"/>
+                </a:schemeClr>
+              </a:solidFill>
+            </a:endParaRPr>
+          </a:p>
+          <a:p>
+            <a:endParaRPr lang="en-US" altLang="ko-KR" sz="900" dirty="0" smtClean="0">
+              <a:solidFill>
+                <a:schemeClr val="tx1">
+                  <a:lumMod val="85000"/>
+                  <a:lumOff val="15000"/>
+                </a:schemeClr>
+              </a:solidFill>
+            </a:endParaRPr>
+          </a:p>
+          <a:p>
+            <a:endParaRPr lang="en-US" altLang="ko-KR" sz="900" dirty="0" smtClean="0">
+              <a:solidFill>
+                <a:schemeClr val="tx1">
+                  <a:lumMod val="85000"/>
+                  <a:lumOff val="15000"/>
+                </a:schemeClr>
+              </a:solidFill>
+            </a:endParaRPr>
+          </a:p>
+          <a:p>
+            <a:r>
+              <a:rPr lang="en-US" altLang="ko-KR" sz="900" dirty="0" smtClean="0">
+                <a:solidFill>
+                  <a:schemeClr val="tx1">
+                    <a:lumMod val="85000"/>
+                    <a:lumOff val="15000"/>
+                  </a:schemeClr>
+                </a:solidFill>
+              </a:rPr>
+              <a:t>2022/10</a:t>
+            </a:r>
+            <a:r>
+              <a:rPr lang="ko-KR" altLang="en-US" sz="900" dirty="0" smtClean="0">
+                <a:solidFill>
+                  <a:schemeClr val="tx1">
+                    <a:lumMod val="85000"/>
+                    <a:lumOff val="15000"/>
+                  </a:schemeClr>
+                </a:solidFill>
+              </a:rPr>
+              <a:t>월</a:t>
+            </a:r>
+            <a:r>
+              <a:rPr lang="en-US" altLang="ko-KR" sz="900" dirty="0" smtClean="0">
+                <a:solidFill>
+                  <a:schemeClr val="tx1">
+                    <a:lumMod val="85000"/>
+                    <a:lumOff val="15000"/>
+                  </a:schemeClr>
+                </a:solidFill>
+              </a:rPr>
+              <a:t>31</a:t>
+            </a:r>
+            <a:r>
+              <a:rPr lang="ko-KR" altLang="en-US" sz="900" dirty="0" smtClean="0">
+                <a:solidFill>
+                  <a:schemeClr val="tx1">
+                    <a:lumMod val="85000"/>
+                    <a:lumOff val="15000"/>
+                  </a:schemeClr>
+                </a:solidFill>
+              </a:rPr>
+              <a:t>일</a:t>
+            </a:r>
+            <a:endParaRPr lang="en-US" altLang="ko-KR" sz="900" dirty="0" smtClean="0">
+              <a:solidFill>
+                <a:schemeClr val="tx1">
+                  <a:lumMod val="85000"/>
+                  <a:lumOff val="15000"/>
+                </a:schemeClr>
+              </a:solidFill>
+            </a:endParaRPr>
+          </a:p>
+          <a:p>
+            <a:endParaRPr lang="en-US" altLang="ko-KR" sz="900" dirty="0" smtClean="0">
+              <a:solidFill>
+                <a:schemeClr val="tx1">
+                  <a:lumMod val="85000"/>
+                  <a:lumOff val="15000"/>
+                </a:schemeClr>
+              </a:solidFill>
+            </a:endParaRPr>
+          </a:p>
+          <a:p>
+            <a:r>
+              <a:rPr lang="ko-KR" altLang="en-US" sz="900" dirty="0" smtClean="0">
+                <a:solidFill>
+                  <a:schemeClr val="tx1">
+                    <a:lumMod val="85000"/>
+                    <a:lumOff val="15000"/>
+                  </a:schemeClr>
+                </a:solidFill>
+              </a:rPr>
+              <a:t>이 문단은 초벌로 기록</a:t>
+            </a:r>
+            <a:r>
+              <a:rPr lang="en-US" altLang="ko-KR" sz="900" dirty="0" smtClean="0">
+                <a:solidFill>
+                  <a:schemeClr val="tx1">
+                    <a:lumMod val="85000"/>
+                    <a:lumOff val="15000"/>
+                  </a:schemeClr>
+                </a:solidFill>
+              </a:rPr>
+              <a:t>.</a:t>
+            </a:r>
+          </a:p>
+          <a:p>
+            <a:r>
+              <a:rPr lang="ko-KR" altLang="en-US" sz="900" dirty="0" smtClean="0">
+                <a:solidFill>
+                  <a:schemeClr val="tx1">
+                    <a:lumMod val="85000"/>
+                    <a:lumOff val="15000"/>
+                  </a:schemeClr>
+                </a:solidFill>
+              </a:rPr>
+              <a:t>줄거리와 흐름은 일치하나</a:t>
+            </a:r>
+            <a:endParaRPr lang="en-US" altLang="ko-KR" sz="900" dirty="0" smtClean="0">
+              <a:solidFill>
+                <a:schemeClr val="tx1">
+                  <a:lumMod val="85000"/>
+                  <a:lumOff val="15000"/>
+                </a:schemeClr>
+              </a:solidFill>
+            </a:endParaRPr>
+          </a:p>
+          <a:p>
+            <a:r>
+              <a:rPr lang="ko-KR" altLang="en-US" sz="900" dirty="0" smtClean="0">
+                <a:solidFill>
+                  <a:schemeClr val="tx1">
+                    <a:lumMod val="85000"/>
+                    <a:lumOff val="15000"/>
+                  </a:schemeClr>
+                </a:solidFill>
+              </a:rPr>
+              <a:t>표현이 어색함</a:t>
+            </a:r>
+            <a:r>
+              <a:rPr lang="en-US" altLang="ko-KR" sz="900" dirty="0" smtClean="0">
+                <a:solidFill>
+                  <a:schemeClr val="tx1">
+                    <a:lumMod val="85000"/>
+                    <a:lumOff val="15000"/>
+                  </a:schemeClr>
+                </a:solidFill>
+              </a:rPr>
+              <a:t>.</a:t>
+            </a:r>
+          </a:p>
+          <a:p>
+            <a:endParaRPr lang="en-US" altLang="ko-KR" sz="900" dirty="0" smtClean="0">
+              <a:solidFill>
+                <a:schemeClr val="tx1">
+                  <a:lumMod val="85000"/>
+                  <a:lumOff val="15000"/>
+                </a:schemeClr>
+              </a:solidFill>
+            </a:endParaRPr>
+          </a:p>
+          <a:p>
+            <a:r>
+              <a:rPr lang="ko-KR" altLang="en-US" sz="900" dirty="0" smtClean="0">
+                <a:solidFill>
+                  <a:schemeClr val="tx1">
+                    <a:lumMod val="85000"/>
+                    <a:lumOff val="15000"/>
+                  </a:schemeClr>
+                </a:solidFill>
+              </a:rPr>
+              <a:t>수정</a:t>
+            </a:r>
+            <a:r>
+              <a:rPr lang="en-US" altLang="ko-KR" sz="900" dirty="0" smtClean="0">
+                <a:solidFill>
+                  <a:schemeClr val="tx1">
+                    <a:lumMod val="85000"/>
+                    <a:lumOff val="15000"/>
+                  </a:schemeClr>
+                </a:solidFill>
+              </a:rPr>
+              <a:t>/</a:t>
+            </a:r>
+            <a:r>
+              <a:rPr lang="ko-KR" altLang="en-US" sz="900" dirty="0" smtClean="0">
+                <a:solidFill>
+                  <a:schemeClr val="tx1">
+                    <a:lumMod val="85000"/>
+                    <a:lumOff val="15000"/>
+                  </a:schemeClr>
+                </a:solidFill>
+              </a:rPr>
+              <a:t>보완 필요함</a:t>
+            </a:r>
+            <a:r>
+              <a:rPr lang="en-US" altLang="ko-KR" sz="900" dirty="0" smtClean="0">
+                <a:solidFill>
+                  <a:schemeClr val="tx1">
+                    <a:lumMod val="85000"/>
+                    <a:lumOff val="15000"/>
+                  </a:schemeClr>
+                </a:solidFill>
+              </a:rPr>
+              <a:t>.</a:t>
+            </a:r>
+          </a:p>
+          <a:p>
+            <a:endParaRPr lang="ko-KR" altLang="en-US" sz="900" dirty="0">
+              <a:solidFill>
+                <a:schemeClr val="tx1">
+                  <a:lumMod val="85000"/>
+                  <a:lumOff val="15000"/>
+                </a:schemeClr>
+              </a:solidFill>
+            </a:endParaRPr>
+          </a:p>
+        </p:txBody>
+      </p:sp>
+      <p:sp>
+        <p:nvSpPr>
+          <p:cNvPr id="16" name="모서리가 둥근 직사각형 15"/>
           <p:cNvSpPr/>
           <p:nvPr/>
         </p:nvSpPr>
@@ -18696,15 +18396,15 @@
           <a:p>
             <a:pPr algn="ctr"/>
             <a:r>
-              <a:rPr lang="ko-KR" altLang="en-US" sz="900" dirty="0" smtClean="0">
-                <a:solidFill>
-                  <a:schemeClr val="tx1">
-                    <a:lumMod val="85000"/>
-                    <a:lumOff val="15000"/>
-                  </a:schemeClr>
-                </a:solidFill>
-              </a:rPr>
-              <a:t>계속 작성</a:t>
+              <a:rPr lang="ko-KR" altLang="en-US" sz="900" smtClean="0">
+                <a:solidFill>
+                  <a:schemeClr val="tx1">
+                    <a:lumMod val="85000"/>
+                    <a:lumOff val="15000"/>
+                  </a:schemeClr>
+                </a:solidFill>
+              </a:rPr>
+              <a:t>저장</a:t>
             </a:r>
             <a:endParaRPr lang="ko-KR" altLang="en-US" sz="900" dirty="0">
               <a:solidFill>
@@ -18719,14 +18419,14 @@
       </p:sp>
       <p:sp>
         <p:nvSpPr>
-          <p:cNvPr id="16" name="모서리가 둥근 직사각형 15"/>
+          <p:cNvPr id="17" name="모서리가 둥근 직사각형 16"/>
           <p:cNvSpPr/>
           <p:nvPr/>
         </p:nvSpPr>
         <p:spPr>
           <a:xfrm>
-            <a:off x="4720265" y="4330705"/>
-            <a:ext cx="904396" cy="291492"/>
+            <a:off x="4847097" y="4330705"/>
+            <a:ext cx="777564" cy="291492"/>
           </a:xfrm>
           <a:prstGeom prst="roundRect">
             <a:avLst/>
@@ -18738,7 +18438,7 @@
           </a:solidFill>
           <a:ln>
             <a:solidFill>
-              <a:srgbClr val="FF0000"/>
+              <a:schemeClr val="tx1"/>
             </a:solidFill>
           </a:ln>
         </p:spPr>
@@ -18767,18 +18467,18 @@
               <a:rPr lang="ko-KR" altLang="en-US" sz="900" dirty="0" smtClean="0">
                 <a:solidFill>
                   <a:schemeClr val="tx1">
-                    <a:lumMod val="95000"/>
-                    <a:lumOff val="5000"/>
-                  </a:schemeClr>
-                </a:solidFill>
-              </a:rPr>
-              <a:t>독자로 이동</a:t>
+                    <a:lumMod val="85000"/>
+                    <a:lumOff val="15000"/>
+                  </a:schemeClr>
+                </a:solidFill>
+              </a:rPr>
+              <a:t>나가기</a:t>
             </a:r>
             <a:endParaRPr lang="ko-KR" altLang="en-US" sz="900" dirty="0">
               <a:solidFill>
                 <a:schemeClr val="tx1">
-                  <a:lumMod val="95000"/>
-                  <a:lumOff val="5000"/>
+                  <a:lumMod val="85000"/>
+                  <a:lumOff val="15000"/>
                 </a:schemeClr>
               </a:solidFill>
             </a:endParaRPr>
@@ -18788,7 +18488,7 @@
     </p:spTree>
     <p:extLst>
       <p:ext uri="{BB962C8B-B14F-4D97-AF65-F5344CB8AC3E}">
-        <p14:creationId xmlns:p14="http://schemas.microsoft.com/office/powerpoint/2010/main" val="2623676015"/>
+        <p14:creationId xmlns:p14="http://schemas.microsoft.com/office/powerpoint/2010/main" val="3323161278"/>
       </p:ext>
     </p:extLst>
   </p:cSld>
@@ -19009,1450 +18709,6 @@
                   </a:schemeClr>
                 </a:solidFill>
               </a:rPr>
-              <a:t>노트버튼</a:t>
-            </a:r>
-            <a:r>
-              <a:rPr lang="ko-KR" altLang="en-US" dirty="0" smtClean="0">
-                <a:solidFill>
-                  <a:schemeClr val="tx1">
-                    <a:lumMod val="85000"/>
-                    <a:lumOff val="15000"/>
-                  </a:schemeClr>
-                </a:solidFill>
-              </a:rPr>
-              <a:t> </a:t>
-            </a:r>
-            <a:r>
-              <a:rPr lang="ko-KR" altLang="en-US" dirty="0" err="1" smtClean="0">
-                <a:solidFill>
-                  <a:schemeClr val="tx1">
-                    <a:lumMod val="85000"/>
-                    <a:lumOff val="15000"/>
-                  </a:schemeClr>
-                </a:solidFill>
-              </a:rPr>
-              <a:t>클릭시</a:t>
-            </a:r>
-            <a:endParaRPr lang="ko-KR" altLang="en-US" dirty="0">
-              <a:solidFill>
-                <a:schemeClr val="tx1">
-                  <a:lumMod val="85000"/>
-                  <a:lumOff val="15000"/>
-                </a:schemeClr>
-              </a:solidFill>
-            </a:endParaRPr>
-          </a:p>
-        </p:txBody>
-      </p:sp>
-      <p:sp>
-        <p:nvSpPr>
-          <p:cNvPr id="2" name="TextBox 1"/>
-          <p:cNvSpPr txBox="1"/>
-          <p:nvPr/>
-        </p:nvSpPr>
-        <p:spPr>
-          <a:xfrm>
-            <a:off x="66503" y="66499"/>
-            <a:ext cx="1822935" cy="923330"/>
-          </a:xfrm>
-          <a:prstGeom prst="rect">
-            <a:avLst/>
-          </a:prstGeom>
-          <a:noFill/>
-        </p:spPr>
-        <p:txBody>
-          <a:bodyPr wrap="none" rtlCol="0">
-            <a:spAutoFit/>
-          </a:bodyPr>
-          <a:lstStyle/>
-          <a:p>
-            <a:r>
-              <a:rPr lang="en-US" altLang="ko-KR" sz="900" dirty="0" smtClean="0">
-                <a:hlinkClick r:id="rId3"/>
-              </a:rPr>
-              <a:t>https://radishfiction.com/</a:t>
-            </a:r>
-            <a:endParaRPr lang="en-US" altLang="ko-KR" sz="900" dirty="0" smtClean="0"/>
-          </a:p>
-          <a:p>
-            <a:r>
-              <a:rPr lang="en-US" altLang="ko-KR" sz="900" dirty="0" smtClean="0">
-                <a:hlinkClick r:id="rId4"/>
-              </a:rPr>
-              <a:t>https://www.webnovel.com/</a:t>
-            </a:r>
-            <a:endParaRPr lang="en-US" altLang="ko-KR" sz="900" dirty="0" smtClean="0"/>
-          </a:p>
-          <a:p>
-            <a:r>
-              <a:rPr lang="en-US" altLang="ko-KR" sz="900" dirty="0" smtClean="0">
-                <a:hlinkClick r:id="rId5"/>
-              </a:rPr>
-              <a:t>https://www.royalroad.com/home</a:t>
-            </a:r>
-            <a:endParaRPr lang="en-US" altLang="ko-KR" sz="900" dirty="0" smtClean="0"/>
-          </a:p>
-          <a:p>
-            <a:r>
-              <a:rPr lang="en-US" altLang="ko-KR" sz="900" dirty="0" smtClean="0">
-                <a:hlinkClick r:id="rId6"/>
-              </a:rPr>
-              <a:t>https://www.wattpad.com/</a:t>
-            </a:r>
-            <a:endParaRPr lang="en-US" altLang="ko-KR" sz="900" dirty="0" smtClean="0"/>
-          </a:p>
-          <a:p>
-            <a:endParaRPr lang="en-US" altLang="ko-KR" sz="900" dirty="0" smtClean="0"/>
-          </a:p>
-          <a:p>
-            <a:endParaRPr lang="ko-KR" altLang="en-US" sz="900" dirty="0"/>
-          </a:p>
-        </p:txBody>
-      </p:sp>
-      <p:sp>
-        <p:nvSpPr>
-          <p:cNvPr id="72" name="모서리가 둥근 직사각형 71"/>
-          <p:cNvSpPr/>
-          <p:nvPr/>
-        </p:nvSpPr>
-        <p:spPr>
-          <a:xfrm>
-            <a:off x="5663600" y="6308813"/>
-            <a:ext cx="777564" cy="291492"/>
-          </a:xfrm>
-          <a:prstGeom prst="roundRect">
-            <a:avLst/>
-          </a:prstGeom>
-          <a:solidFill>
-            <a:schemeClr val="bg1">
-              <a:lumMod val="85000"/>
-            </a:schemeClr>
-          </a:solidFill>
-          <a:ln>
-            <a:solidFill>
-              <a:schemeClr val="tx1"/>
-            </a:solidFill>
-          </a:ln>
-        </p:spPr>
-        <p:style>
-          <a:lnRef idx="2">
-            <a:schemeClr val="accent1">
-              <a:shade val="50000"/>
-            </a:schemeClr>
-          </a:lnRef>
-          <a:fillRef idx="1">
-            <a:schemeClr val="accent1"/>
-          </a:fillRef>
-          <a:effectRef idx="0">
-            <a:schemeClr val="accent1"/>
-          </a:effectRef>
-          <a:fontRef idx="minor">
-            <a:schemeClr val="lt1"/>
-          </a:fontRef>
-        </p:style>
-        <p:txBody>
-          <a:bodyPr rtlCol="0" anchor="ctr"/>
-          <a:lstStyle/>
-          <a:p>
-            <a:pPr algn="ctr"/>
-            <a:r>
-              <a:rPr lang="ko-KR" altLang="en-US" sz="900" dirty="0" smtClean="0">
-                <a:solidFill>
-                  <a:schemeClr val="tx1">
-                    <a:lumMod val="85000"/>
-                    <a:lumOff val="15000"/>
-                  </a:schemeClr>
-                </a:solidFill>
-              </a:rPr>
-              <a:t>저장</a:t>
-            </a:r>
-            <a:endParaRPr lang="ko-KR" altLang="en-US" sz="900" dirty="0">
-              <a:solidFill>
-                <a:schemeClr val="tx1">
-                  <a:lumMod val="85000"/>
-                  <a:lumOff val="15000"/>
-                </a:schemeClr>
-              </a:solidFill>
-            </a:endParaRPr>
-          </a:p>
-        </p:txBody>
-      </p:sp>
-      <p:sp>
-        <p:nvSpPr>
-          <p:cNvPr id="3" name="TextBox 2"/>
-          <p:cNvSpPr txBox="1"/>
-          <p:nvPr/>
-        </p:nvSpPr>
-        <p:spPr>
-          <a:xfrm>
-            <a:off x="2108018" y="431558"/>
-            <a:ext cx="4116854" cy="3000821"/>
-          </a:xfrm>
-          <a:prstGeom prst="rect">
-            <a:avLst/>
-          </a:prstGeom>
-          <a:noFill/>
-        </p:spPr>
-        <p:txBody>
-          <a:bodyPr wrap="square" rtlCol="0">
-            <a:spAutoFit/>
-          </a:bodyPr>
-          <a:lstStyle/>
-          <a:p>
-            <a:r>
-              <a:rPr lang="en-US" altLang="ko-KR" sz="900" dirty="0"/>
-              <a:t>What is Lorem Ipsum?</a:t>
-            </a:r>
-          </a:p>
-          <a:p>
-            <a:r>
-              <a:rPr lang="en-US" altLang="ko-KR" sz="900" b="1" dirty="0"/>
-              <a:t>Lorem Ipsum</a:t>
-            </a:r>
-            <a:r>
-              <a:rPr lang="en-US" altLang="ko-KR" sz="900" dirty="0"/>
-              <a:t> is simply dummy text of the printing and typesetting industry. </a:t>
-            </a:r>
-            <a:endParaRPr lang="en-US" altLang="ko-KR" sz="900" dirty="0" smtClean="0"/>
-          </a:p>
-          <a:p>
-            <a:r>
-              <a:rPr lang="en-US" altLang="ko-KR" sz="900" dirty="0" smtClean="0"/>
-              <a:t>Lorem </a:t>
-            </a:r>
-            <a:r>
-              <a:rPr lang="en-US" altLang="ko-KR" sz="900" dirty="0"/>
-              <a:t>Ipsum has been the industry's standard dummy text ever since the 1500s, </a:t>
-            </a:r>
-            <a:endParaRPr lang="en-US" altLang="ko-KR" sz="900" dirty="0" smtClean="0"/>
-          </a:p>
-          <a:p>
-            <a:r>
-              <a:rPr lang="en-US" altLang="ko-KR" sz="900" dirty="0" smtClean="0"/>
-              <a:t>when </a:t>
-            </a:r>
-            <a:r>
-              <a:rPr lang="en-US" altLang="ko-KR" sz="900" dirty="0"/>
-              <a:t>an unknown printer took a galley of type and scrambled it to make a </a:t>
-            </a:r>
-            <a:endParaRPr lang="en-US" altLang="ko-KR" sz="900" dirty="0" smtClean="0"/>
-          </a:p>
-          <a:p>
-            <a:r>
-              <a:rPr lang="en-US" altLang="ko-KR" sz="900" dirty="0" smtClean="0"/>
-              <a:t>type </a:t>
-            </a:r>
-            <a:r>
-              <a:rPr lang="en-US" altLang="ko-KR" sz="900" dirty="0"/>
-              <a:t>specimen book. It has survived not only five centuries, but also the leap </a:t>
-            </a:r>
-            <a:endParaRPr lang="en-US" altLang="ko-KR" sz="900" dirty="0" smtClean="0"/>
-          </a:p>
-          <a:p>
-            <a:r>
-              <a:rPr lang="en-US" altLang="ko-KR" sz="900" dirty="0" smtClean="0"/>
-              <a:t>into </a:t>
-            </a:r>
-            <a:r>
-              <a:rPr lang="en-US" altLang="ko-KR" sz="900" dirty="0"/>
-              <a:t>electronic typesetting, remaining essentially unchanged. It </a:t>
-            </a:r>
-            <a:r>
-              <a:rPr lang="en-US" altLang="ko-KR" sz="900" dirty="0" smtClean="0"/>
-              <a:t>was</a:t>
-            </a:r>
-          </a:p>
-          <a:p>
-            <a:r>
-              <a:rPr lang="en-US" altLang="ko-KR" sz="900" dirty="0" smtClean="0"/>
-              <a:t> </a:t>
-            </a:r>
-            <a:r>
-              <a:rPr lang="en-US" altLang="ko-KR" sz="900" dirty="0" err="1"/>
-              <a:t>popularised</a:t>
-            </a:r>
-            <a:r>
-              <a:rPr lang="en-US" altLang="ko-KR" sz="900" dirty="0"/>
-              <a:t> in the 1960s with the release of </a:t>
-            </a:r>
-            <a:r>
-              <a:rPr lang="en-US" altLang="ko-KR" sz="900" dirty="0" err="1"/>
-              <a:t>Letraset</a:t>
-            </a:r>
-            <a:r>
-              <a:rPr lang="en-US" altLang="ko-KR" sz="900" dirty="0"/>
-              <a:t> sheets containing </a:t>
-            </a:r>
-            <a:endParaRPr lang="en-US" altLang="ko-KR" sz="900" dirty="0" smtClean="0"/>
-          </a:p>
-          <a:p>
-            <a:r>
-              <a:rPr lang="en-US" altLang="ko-KR" sz="900" dirty="0" smtClean="0"/>
-              <a:t>Lorem </a:t>
-            </a:r>
-            <a:r>
-              <a:rPr lang="en-US" altLang="ko-KR" sz="900" dirty="0"/>
-              <a:t>Ipsum passages, and more recently with desktop publishing </a:t>
-            </a:r>
-            <a:r>
-              <a:rPr lang="en-US" altLang="ko-KR" sz="900" dirty="0" smtClean="0"/>
-              <a:t>software</a:t>
-            </a:r>
-          </a:p>
-          <a:p>
-            <a:r>
-              <a:rPr lang="en-US" altLang="ko-KR" sz="900" dirty="0" smtClean="0"/>
-              <a:t> </a:t>
-            </a:r>
-            <a:r>
-              <a:rPr lang="en-US" altLang="ko-KR" sz="900" dirty="0"/>
-              <a:t>like Aldus PageMaker including versions of Lorem Ipsum</a:t>
-            </a:r>
-            <a:r>
-              <a:rPr lang="en-US" altLang="ko-KR" sz="900" dirty="0" smtClean="0"/>
-              <a:t>.</a:t>
-            </a:r>
-          </a:p>
-          <a:p>
-            <a:endParaRPr lang="en-US" altLang="ko-KR" sz="900" dirty="0"/>
-          </a:p>
-          <a:p>
-            <a:r>
-              <a:rPr lang="en-US" altLang="ko-KR" sz="900" dirty="0"/>
-              <a:t>Why do we use it?</a:t>
-            </a:r>
-          </a:p>
-          <a:p>
-            <a:r>
-              <a:rPr lang="en-US" altLang="ko-KR" sz="900" dirty="0"/>
-              <a:t>It is a long established fact that a reader will be distracted by the readable content of a page when looking at its layout. The point of using Lorem Ipsum is that it has a more-or-less normal distribution of letters, as opposed to using 'Content here, content here', making it look like readable English. Many desktop publishing packages and web page editors now use Lorem Ipsum as their default model text, and a search for 'lorem ipsum' will uncover many web sites still in their infancy. Various versions have evolved over the years, sometimes by accident, sometimes on purpose (injected </a:t>
-            </a:r>
-            <a:r>
-              <a:rPr lang="en-US" altLang="ko-KR" sz="900" dirty="0" err="1"/>
-              <a:t>humour</a:t>
-            </a:r>
-            <a:r>
-              <a:rPr lang="en-US" altLang="ko-KR" sz="900" dirty="0"/>
-              <a:t> and the like).</a:t>
-            </a:r>
-          </a:p>
-          <a:p>
-            <a:endParaRPr lang="en-US" altLang="ko-KR" sz="900" dirty="0"/>
-          </a:p>
-          <a:p>
-            <a:endParaRPr lang="ko-KR" altLang="en-US" sz="900" dirty="0"/>
-          </a:p>
-        </p:txBody>
-      </p:sp>
-      <p:sp>
-        <p:nvSpPr>
-          <p:cNvPr id="7" name="TextBox 6"/>
-          <p:cNvSpPr txBox="1"/>
-          <p:nvPr/>
-        </p:nvSpPr>
-        <p:spPr>
-          <a:xfrm>
-            <a:off x="7024255" y="108392"/>
-            <a:ext cx="2052165" cy="1615827"/>
-          </a:xfrm>
-          <a:prstGeom prst="rect">
-            <a:avLst/>
-          </a:prstGeom>
-          <a:noFill/>
-        </p:spPr>
-        <p:txBody>
-          <a:bodyPr wrap="none" rtlCol="0">
-            <a:spAutoFit/>
-          </a:bodyPr>
-          <a:lstStyle/>
-          <a:p>
-            <a:r>
-              <a:rPr lang="en-US" altLang="ko-KR" sz="900" dirty="0" smtClean="0">
-                <a:hlinkClick r:id="rId7"/>
-              </a:rPr>
-              <a:t>https://sir.kr/cm_free/1553981</a:t>
-            </a:r>
-            <a:endParaRPr lang="en-US" altLang="ko-KR" sz="900" dirty="0" smtClean="0"/>
-          </a:p>
-          <a:p>
-            <a:endParaRPr lang="en-US" altLang="ko-KR" sz="900" dirty="0"/>
-          </a:p>
-          <a:p>
-            <a:r>
-              <a:rPr lang="en-US" altLang="ko-KR" sz="900" dirty="0" smtClean="0">
-                <a:hlinkClick r:id="rId8"/>
-              </a:rPr>
-              <a:t>https://dev-bak.tistory.com/27</a:t>
-            </a:r>
-            <a:endParaRPr lang="en-US" altLang="ko-KR" sz="900" dirty="0" smtClean="0"/>
-          </a:p>
-          <a:p>
-            <a:endParaRPr lang="en-US" altLang="ko-KR" sz="900" dirty="0"/>
-          </a:p>
-          <a:p>
-            <a:endParaRPr lang="en-US" altLang="ko-KR" sz="900" dirty="0" smtClean="0"/>
-          </a:p>
-          <a:p>
-            <a:endParaRPr lang="en-US" altLang="ko-KR" sz="900" dirty="0"/>
-          </a:p>
-          <a:p>
-            <a:r>
-              <a:rPr lang="en-US" altLang="ko-KR" sz="900" dirty="0" smtClean="0">
-                <a:hlinkClick r:id="rId9"/>
-              </a:rPr>
-              <a:t>https://mine-it-record.tistory.com/277</a:t>
-            </a:r>
-            <a:endParaRPr lang="en-US" altLang="ko-KR" sz="900" dirty="0" smtClean="0"/>
-          </a:p>
-          <a:p>
-            <a:endParaRPr lang="en-US" altLang="ko-KR" sz="900" dirty="0"/>
-          </a:p>
-          <a:p>
-            <a:r>
-              <a:rPr lang="en-US" altLang="ko-KR" sz="900" dirty="0" smtClean="0">
-                <a:hlinkClick r:id="rId10"/>
-              </a:rPr>
-              <a:t>https://ckeditor.com/ckeditor-4/demo/</a:t>
-            </a:r>
-            <a:endParaRPr lang="en-US" altLang="ko-KR" sz="900" dirty="0" smtClean="0"/>
-          </a:p>
-          <a:p>
-            <a:endParaRPr lang="en-US" altLang="ko-KR" sz="900" dirty="0"/>
-          </a:p>
-          <a:p>
-            <a:endParaRPr lang="ko-KR" altLang="en-US" sz="900" dirty="0"/>
-          </a:p>
-        </p:txBody>
-      </p:sp>
-      <p:sp>
-        <p:nvSpPr>
-          <p:cNvPr id="26" name="모서리가 둥근 직사각형 25"/>
-          <p:cNvSpPr/>
-          <p:nvPr/>
-        </p:nvSpPr>
-        <p:spPr>
-          <a:xfrm>
-            <a:off x="1938152" y="6308813"/>
-            <a:ext cx="777564" cy="291492"/>
-          </a:xfrm>
-          <a:prstGeom prst="roundRect">
-            <a:avLst/>
-          </a:prstGeom>
-          <a:solidFill>
-            <a:schemeClr val="bg1">
-              <a:lumMod val="85000"/>
-            </a:schemeClr>
-          </a:solidFill>
-          <a:ln>
-            <a:solidFill>
-              <a:schemeClr val="tx1"/>
-            </a:solidFill>
-          </a:ln>
-        </p:spPr>
-        <p:style>
-          <a:lnRef idx="2">
-            <a:schemeClr val="accent1">
-              <a:shade val="50000"/>
-            </a:schemeClr>
-          </a:lnRef>
-          <a:fillRef idx="1">
-            <a:schemeClr val="accent1"/>
-          </a:fillRef>
-          <a:effectRef idx="0">
-            <a:schemeClr val="accent1"/>
-          </a:effectRef>
-          <a:fontRef idx="minor">
-            <a:schemeClr val="lt1"/>
-          </a:fontRef>
-        </p:style>
-        <p:txBody>
-          <a:bodyPr rtlCol="0" anchor="ctr"/>
-          <a:lstStyle/>
-          <a:p>
-            <a:pPr algn="ctr"/>
-            <a:r>
-              <a:rPr lang="ko-KR" altLang="en-US" sz="900" dirty="0" smtClean="0">
-                <a:solidFill>
-                  <a:schemeClr val="tx1">
-                    <a:lumMod val="85000"/>
-                    <a:lumOff val="15000"/>
-                  </a:schemeClr>
-                </a:solidFill>
-              </a:rPr>
-              <a:t>게시</a:t>
-            </a:r>
-            <a:endParaRPr lang="ko-KR" altLang="en-US" sz="900" dirty="0">
-              <a:solidFill>
-                <a:schemeClr val="tx1">
-                  <a:lumMod val="85000"/>
-                  <a:lumOff val="15000"/>
-                </a:schemeClr>
-              </a:solidFill>
-            </a:endParaRPr>
-          </a:p>
-        </p:txBody>
-      </p:sp>
-      <p:sp>
-        <p:nvSpPr>
-          <p:cNvPr id="27" name="모서리가 둥근 직사각형 26"/>
-          <p:cNvSpPr/>
-          <p:nvPr/>
-        </p:nvSpPr>
-        <p:spPr>
-          <a:xfrm>
-            <a:off x="2934296" y="6308813"/>
-            <a:ext cx="777564" cy="291492"/>
-          </a:xfrm>
-          <a:prstGeom prst="roundRect">
-            <a:avLst/>
-          </a:prstGeom>
-          <a:solidFill>
-            <a:schemeClr val="bg1">
-              <a:lumMod val="85000"/>
-            </a:schemeClr>
-          </a:solidFill>
-          <a:ln>
-            <a:solidFill>
-              <a:schemeClr val="tx1"/>
-            </a:solidFill>
-          </a:ln>
-        </p:spPr>
-        <p:style>
-          <a:lnRef idx="2">
-            <a:schemeClr val="accent1">
-              <a:shade val="50000"/>
-            </a:schemeClr>
-          </a:lnRef>
-          <a:fillRef idx="1">
-            <a:schemeClr val="accent1"/>
-          </a:fillRef>
-          <a:effectRef idx="0">
-            <a:schemeClr val="accent1"/>
-          </a:effectRef>
-          <a:fontRef idx="minor">
-            <a:schemeClr val="lt1"/>
-          </a:fontRef>
-        </p:style>
-        <p:txBody>
-          <a:bodyPr rtlCol="0" anchor="ctr"/>
-          <a:lstStyle/>
-          <a:p>
-            <a:pPr algn="ctr"/>
-            <a:r>
-              <a:rPr lang="ko-KR" altLang="en-US" sz="900" dirty="0" smtClean="0">
-                <a:solidFill>
-                  <a:schemeClr val="tx1">
-                    <a:lumMod val="85000"/>
-                    <a:lumOff val="15000"/>
-                  </a:schemeClr>
-                </a:solidFill>
-              </a:rPr>
-              <a:t>노트</a:t>
-            </a:r>
-            <a:endParaRPr lang="ko-KR" altLang="en-US" sz="900" dirty="0">
-              <a:solidFill>
-                <a:schemeClr val="tx1">
-                  <a:lumMod val="85000"/>
-                  <a:lumOff val="15000"/>
-                </a:schemeClr>
-              </a:solidFill>
-            </a:endParaRPr>
-          </a:p>
-        </p:txBody>
-      </p:sp>
-      <p:sp>
-        <p:nvSpPr>
-          <p:cNvPr id="5" name="직사각형 4"/>
-          <p:cNvSpPr/>
-          <p:nvPr/>
-        </p:nvSpPr>
-        <p:spPr>
-          <a:xfrm>
-            <a:off x="2715716" y="1724219"/>
-            <a:ext cx="3109038" cy="3109038"/>
-          </a:xfrm>
-          <a:prstGeom prst="rect">
-            <a:avLst/>
-          </a:prstGeom>
-          <a:solidFill>
-            <a:srgbClr val="92D050"/>
-          </a:solidFill>
-        </p:spPr>
-        <p:style>
-          <a:lnRef idx="2">
-            <a:schemeClr val="accent1">
-              <a:shade val="50000"/>
-            </a:schemeClr>
-          </a:lnRef>
-          <a:fillRef idx="1">
-            <a:schemeClr val="accent1"/>
-          </a:fillRef>
-          <a:effectRef idx="0">
-            <a:schemeClr val="accent1"/>
-          </a:effectRef>
-          <a:fontRef idx="minor">
-            <a:schemeClr val="lt1"/>
-          </a:fontRef>
-        </p:style>
-        <p:txBody>
-          <a:bodyPr rtlCol="0" anchor="ctr"/>
-          <a:lstStyle/>
-          <a:p>
-            <a:pPr algn="ctr"/>
-            <a:endParaRPr lang="ko-KR" altLang="en-US"/>
-          </a:p>
-        </p:txBody>
-      </p:sp>
-      <p:sp>
-        <p:nvSpPr>
-          <p:cNvPr id="6" name="TextBox 5"/>
-          <p:cNvSpPr txBox="1"/>
-          <p:nvPr/>
-        </p:nvSpPr>
-        <p:spPr>
-          <a:xfrm>
-            <a:off x="2843882" y="1816552"/>
-            <a:ext cx="441146" cy="230832"/>
-          </a:xfrm>
-          <a:prstGeom prst="rect">
-            <a:avLst/>
-          </a:prstGeom>
-          <a:noFill/>
-        </p:spPr>
-        <p:txBody>
-          <a:bodyPr wrap="none" rtlCol="0">
-            <a:spAutoFit/>
-          </a:bodyPr>
-          <a:lstStyle/>
-          <a:p>
-            <a:r>
-              <a:rPr lang="ko-KR" altLang="en-US" sz="900" b="1" dirty="0" smtClean="0"/>
-              <a:t>노트 </a:t>
-            </a:r>
-            <a:endParaRPr lang="ko-KR" altLang="en-US" sz="900" b="1" dirty="0"/>
-          </a:p>
-        </p:txBody>
-      </p:sp>
-      <p:sp>
-        <p:nvSpPr>
-          <p:cNvPr id="9" name="직사각형 8"/>
-          <p:cNvSpPr/>
-          <p:nvPr/>
-        </p:nvSpPr>
-        <p:spPr>
-          <a:xfrm>
-            <a:off x="2872910" y="2076412"/>
-            <a:ext cx="2819718" cy="2626216"/>
-          </a:xfrm>
-          <a:prstGeom prst="rect">
-            <a:avLst/>
-          </a:prstGeom>
-          <a:solidFill>
-            <a:schemeClr val="accent4">
-              <a:lumMod val="60000"/>
-              <a:lumOff val="40000"/>
-            </a:schemeClr>
-          </a:solidFill>
-        </p:spPr>
-        <p:style>
-          <a:lnRef idx="2">
-            <a:schemeClr val="accent1">
-              <a:shade val="50000"/>
-            </a:schemeClr>
-          </a:lnRef>
-          <a:fillRef idx="1">
-            <a:schemeClr val="accent1"/>
-          </a:fillRef>
-          <a:effectRef idx="0">
-            <a:schemeClr val="accent1"/>
-          </a:effectRef>
-          <a:fontRef idx="minor">
-            <a:schemeClr val="lt1"/>
-          </a:fontRef>
-        </p:style>
-        <p:txBody>
-          <a:bodyPr rtlCol="0" anchor="ctr"/>
-          <a:lstStyle/>
-          <a:p>
-            <a:r>
-              <a:rPr lang="en-US" altLang="ko-KR" sz="900" dirty="0" smtClean="0">
-                <a:solidFill>
-                  <a:schemeClr val="tx1">
-                    <a:lumMod val="85000"/>
-                    <a:lumOff val="15000"/>
-                  </a:schemeClr>
-                </a:solidFill>
-              </a:rPr>
-              <a:t>2022/10</a:t>
-            </a:r>
-            <a:r>
-              <a:rPr lang="ko-KR" altLang="en-US" sz="900" dirty="0" smtClean="0">
-                <a:solidFill>
-                  <a:schemeClr val="tx1">
-                    <a:lumMod val="85000"/>
-                    <a:lumOff val="15000"/>
-                  </a:schemeClr>
-                </a:solidFill>
-              </a:rPr>
-              <a:t>월</a:t>
-            </a:r>
-            <a:r>
-              <a:rPr lang="en-US" altLang="ko-KR" sz="900" dirty="0" smtClean="0">
-                <a:solidFill>
-                  <a:schemeClr val="tx1">
-                    <a:lumMod val="85000"/>
-                    <a:lumOff val="15000"/>
-                  </a:schemeClr>
-                </a:solidFill>
-              </a:rPr>
-              <a:t>31</a:t>
-            </a:r>
-            <a:r>
-              <a:rPr lang="ko-KR" altLang="en-US" sz="900" dirty="0" smtClean="0">
-                <a:solidFill>
-                  <a:schemeClr val="tx1">
-                    <a:lumMod val="85000"/>
-                    <a:lumOff val="15000"/>
-                  </a:schemeClr>
-                </a:solidFill>
-              </a:rPr>
-              <a:t>일</a:t>
-            </a:r>
-            <a:endParaRPr lang="en-US" altLang="ko-KR" sz="900" dirty="0" smtClean="0">
-              <a:solidFill>
-                <a:schemeClr val="tx1">
-                  <a:lumMod val="85000"/>
-                  <a:lumOff val="15000"/>
-                </a:schemeClr>
-              </a:solidFill>
-            </a:endParaRPr>
-          </a:p>
-          <a:p>
-            <a:endParaRPr lang="en-US" altLang="ko-KR" sz="900" dirty="0" smtClean="0">
-              <a:solidFill>
-                <a:schemeClr val="tx1">
-                  <a:lumMod val="85000"/>
-                  <a:lumOff val="15000"/>
-                </a:schemeClr>
-              </a:solidFill>
-            </a:endParaRPr>
-          </a:p>
-          <a:p>
-            <a:r>
-              <a:rPr lang="ko-KR" altLang="en-US" sz="900" dirty="0" smtClean="0">
-                <a:solidFill>
-                  <a:schemeClr val="tx1">
-                    <a:lumMod val="85000"/>
-                    <a:lumOff val="15000"/>
-                  </a:schemeClr>
-                </a:solidFill>
-              </a:rPr>
-              <a:t>이 문단은 초벌로 기록</a:t>
-            </a:r>
-            <a:r>
-              <a:rPr lang="en-US" altLang="ko-KR" sz="900" dirty="0" smtClean="0">
-                <a:solidFill>
-                  <a:schemeClr val="tx1">
-                    <a:lumMod val="85000"/>
-                    <a:lumOff val="15000"/>
-                  </a:schemeClr>
-                </a:solidFill>
-              </a:rPr>
-              <a:t>.</a:t>
-            </a:r>
-          </a:p>
-          <a:p>
-            <a:r>
-              <a:rPr lang="ko-KR" altLang="en-US" sz="900" dirty="0" smtClean="0">
-                <a:solidFill>
-                  <a:schemeClr val="tx1">
-                    <a:lumMod val="85000"/>
-                    <a:lumOff val="15000"/>
-                  </a:schemeClr>
-                </a:solidFill>
-              </a:rPr>
-              <a:t>줄거리와 흐름은 일치하나</a:t>
-            </a:r>
-            <a:endParaRPr lang="en-US" altLang="ko-KR" sz="900" dirty="0" smtClean="0">
-              <a:solidFill>
-                <a:schemeClr val="tx1">
-                  <a:lumMod val="85000"/>
-                  <a:lumOff val="15000"/>
-                </a:schemeClr>
-              </a:solidFill>
-            </a:endParaRPr>
-          </a:p>
-          <a:p>
-            <a:r>
-              <a:rPr lang="ko-KR" altLang="en-US" sz="900" dirty="0" smtClean="0">
-                <a:solidFill>
-                  <a:schemeClr val="tx1">
-                    <a:lumMod val="85000"/>
-                    <a:lumOff val="15000"/>
-                  </a:schemeClr>
-                </a:solidFill>
-              </a:rPr>
-              <a:t>표현이 어색함</a:t>
-            </a:r>
-            <a:r>
-              <a:rPr lang="en-US" altLang="ko-KR" sz="900" dirty="0" smtClean="0">
-                <a:solidFill>
-                  <a:schemeClr val="tx1">
-                    <a:lumMod val="85000"/>
-                    <a:lumOff val="15000"/>
-                  </a:schemeClr>
-                </a:solidFill>
-              </a:rPr>
-              <a:t>.</a:t>
-            </a:r>
-          </a:p>
-          <a:p>
-            <a:endParaRPr lang="en-US" altLang="ko-KR" sz="900" dirty="0" smtClean="0">
-              <a:solidFill>
-                <a:schemeClr val="tx1">
-                  <a:lumMod val="85000"/>
-                  <a:lumOff val="15000"/>
-                </a:schemeClr>
-              </a:solidFill>
-            </a:endParaRPr>
-          </a:p>
-          <a:p>
-            <a:r>
-              <a:rPr lang="ko-KR" altLang="en-US" sz="900" dirty="0" smtClean="0">
-                <a:solidFill>
-                  <a:schemeClr val="tx1">
-                    <a:lumMod val="85000"/>
-                    <a:lumOff val="15000"/>
-                  </a:schemeClr>
-                </a:solidFill>
-              </a:rPr>
-              <a:t>수정</a:t>
-            </a:r>
-            <a:r>
-              <a:rPr lang="en-US" altLang="ko-KR" sz="900" dirty="0" smtClean="0">
-                <a:solidFill>
-                  <a:schemeClr val="tx1">
-                    <a:lumMod val="85000"/>
-                    <a:lumOff val="15000"/>
-                  </a:schemeClr>
-                </a:solidFill>
-              </a:rPr>
-              <a:t>/</a:t>
-            </a:r>
-            <a:r>
-              <a:rPr lang="ko-KR" altLang="en-US" sz="900" dirty="0" smtClean="0">
-                <a:solidFill>
-                  <a:schemeClr val="tx1">
-                    <a:lumMod val="85000"/>
-                    <a:lumOff val="15000"/>
-                  </a:schemeClr>
-                </a:solidFill>
-              </a:rPr>
-              <a:t>보완 필요함</a:t>
-            </a:r>
-            <a:r>
-              <a:rPr lang="en-US" altLang="ko-KR" sz="900" dirty="0" smtClean="0">
-                <a:solidFill>
-                  <a:schemeClr val="tx1">
-                    <a:lumMod val="85000"/>
-                    <a:lumOff val="15000"/>
-                  </a:schemeClr>
-                </a:solidFill>
-              </a:rPr>
-              <a:t>.</a:t>
-            </a:r>
-          </a:p>
-          <a:p>
-            <a:endParaRPr lang="ko-KR" altLang="en-US" sz="900" dirty="0" smtClean="0">
-              <a:solidFill>
-                <a:schemeClr val="tx1">
-                  <a:lumMod val="85000"/>
-                  <a:lumOff val="15000"/>
-                </a:schemeClr>
-              </a:solidFill>
-            </a:endParaRPr>
-          </a:p>
-          <a:p>
-            <a:endParaRPr lang="en-US" altLang="ko-KR" sz="900" dirty="0" smtClean="0">
-              <a:solidFill>
-                <a:schemeClr val="tx1">
-                  <a:lumMod val="85000"/>
-                  <a:lumOff val="15000"/>
-                </a:schemeClr>
-              </a:solidFill>
-            </a:endParaRPr>
-          </a:p>
-          <a:p>
-            <a:endParaRPr lang="en-US" altLang="ko-KR" sz="900" dirty="0" smtClean="0">
-              <a:solidFill>
-                <a:schemeClr val="tx1">
-                  <a:lumMod val="85000"/>
-                  <a:lumOff val="15000"/>
-                </a:schemeClr>
-              </a:solidFill>
-            </a:endParaRPr>
-          </a:p>
-          <a:p>
-            <a:r>
-              <a:rPr lang="en-US" altLang="ko-KR" sz="900" dirty="0" smtClean="0">
-                <a:solidFill>
-                  <a:schemeClr val="tx1">
-                    <a:lumMod val="85000"/>
-                    <a:lumOff val="15000"/>
-                  </a:schemeClr>
-                </a:solidFill>
-              </a:rPr>
-              <a:t>2022/10</a:t>
-            </a:r>
-            <a:r>
-              <a:rPr lang="ko-KR" altLang="en-US" sz="900" dirty="0" smtClean="0">
-                <a:solidFill>
-                  <a:schemeClr val="tx1">
-                    <a:lumMod val="85000"/>
-                    <a:lumOff val="15000"/>
-                  </a:schemeClr>
-                </a:solidFill>
-              </a:rPr>
-              <a:t>월</a:t>
-            </a:r>
-            <a:r>
-              <a:rPr lang="en-US" altLang="ko-KR" sz="900" dirty="0" smtClean="0">
-                <a:solidFill>
-                  <a:schemeClr val="tx1">
-                    <a:lumMod val="85000"/>
-                    <a:lumOff val="15000"/>
-                  </a:schemeClr>
-                </a:solidFill>
-              </a:rPr>
-              <a:t>31</a:t>
-            </a:r>
-            <a:r>
-              <a:rPr lang="ko-KR" altLang="en-US" sz="900" dirty="0" smtClean="0">
-                <a:solidFill>
-                  <a:schemeClr val="tx1">
-                    <a:lumMod val="85000"/>
-                    <a:lumOff val="15000"/>
-                  </a:schemeClr>
-                </a:solidFill>
-              </a:rPr>
-              <a:t>일</a:t>
-            </a:r>
-            <a:endParaRPr lang="en-US" altLang="ko-KR" sz="900" dirty="0" smtClean="0">
-              <a:solidFill>
-                <a:schemeClr val="tx1">
-                  <a:lumMod val="85000"/>
-                  <a:lumOff val="15000"/>
-                </a:schemeClr>
-              </a:solidFill>
-            </a:endParaRPr>
-          </a:p>
-          <a:p>
-            <a:endParaRPr lang="en-US" altLang="ko-KR" sz="900" dirty="0" smtClean="0">
-              <a:solidFill>
-                <a:schemeClr val="tx1">
-                  <a:lumMod val="85000"/>
-                  <a:lumOff val="15000"/>
-                </a:schemeClr>
-              </a:solidFill>
-            </a:endParaRPr>
-          </a:p>
-          <a:p>
-            <a:r>
-              <a:rPr lang="ko-KR" altLang="en-US" sz="900" dirty="0" smtClean="0">
-                <a:solidFill>
-                  <a:schemeClr val="tx1">
-                    <a:lumMod val="85000"/>
-                    <a:lumOff val="15000"/>
-                  </a:schemeClr>
-                </a:solidFill>
-              </a:rPr>
-              <a:t>이 문단은 초벌로 기록</a:t>
-            </a:r>
-            <a:r>
-              <a:rPr lang="en-US" altLang="ko-KR" sz="900" dirty="0" smtClean="0">
-                <a:solidFill>
-                  <a:schemeClr val="tx1">
-                    <a:lumMod val="85000"/>
-                    <a:lumOff val="15000"/>
-                  </a:schemeClr>
-                </a:solidFill>
-              </a:rPr>
-              <a:t>.</a:t>
-            </a:r>
-          </a:p>
-          <a:p>
-            <a:r>
-              <a:rPr lang="ko-KR" altLang="en-US" sz="900" dirty="0" smtClean="0">
-                <a:solidFill>
-                  <a:schemeClr val="tx1">
-                    <a:lumMod val="85000"/>
-                    <a:lumOff val="15000"/>
-                  </a:schemeClr>
-                </a:solidFill>
-              </a:rPr>
-              <a:t>줄거리와 흐름은 일치하나</a:t>
-            </a:r>
-            <a:endParaRPr lang="en-US" altLang="ko-KR" sz="900" dirty="0" smtClean="0">
-              <a:solidFill>
-                <a:schemeClr val="tx1">
-                  <a:lumMod val="85000"/>
-                  <a:lumOff val="15000"/>
-                </a:schemeClr>
-              </a:solidFill>
-            </a:endParaRPr>
-          </a:p>
-          <a:p>
-            <a:r>
-              <a:rPr lang="ko-KR" altLang="en-US" sz="900" dirty="0" smtClean="0">
-                <a:solidFill>
-                  <a:schemeClr val="tx1">
-                    <a:lumMod val="85000"/>
-                    <a:lumOff val="15000"/>
-                  </a:schemeClr>
-                </a:solidFill>
-              </a:rPr>
-              <a:t>표현이 어색함</a:t>
-            </a:r>
-            <a:r>
-              <a:rPr lang="en-US" altLang="ko-KR" sz="900" dirty="0" smtClean="0">
-                <a:solidFill>
-                  <a:schemeClr val="tx1">
-                    <a:lumMod val="85000"/>
-                    <a:lumOff val="15000"/>
-                  </a:schemeClr>
-                </a:solidFill>
-              </a:rPr>
-              <a:t>.</a:t>
-            </a:r>
-          </a:p>
-          <a:p>
-            <a:endParaRPr lang="en-US" altLang="ko-KR" sz="900" dirty="0" smtClean="0">
-              <a:solidFill>
-                <a:schemeClr val="tx1">
-                  <a:lumMod val="85000"/>
-                  <a:lumOff val="15000"/>
-                </a:schemeClr>
-              </a:solidFill>
-            </a:endParaRPr>
-          </a:p>
-          <a:p>
-            <a:r>
-              <a:rPr lang="ko-KR" altLang="en-US" sz="900" dirty="0" smtClean="0">
-                <a:solidFill>
-                  <a:schemeClr val="tx1">
-                    <a:lumMod val="85000"/>
-                    <a:lumOff val="15000"/>
-                  </a:schemeClr>
-                </a:solidFill>
-              </a:rPr>
-              <a:t>수정</a:t>
-            </a:r>
-            <a:r>
-              <a:rPr lang="en-US" altLang="ko-KR" sz="900" dirty="0" smtClean="0">
-                <a:solidFill>
-                  <a:schemeClr val="tx1">
-                    <a:lumMod val="85000"/>
-                    <a:lumOff val="15000"/>
-                  </a:schemeClr>
-                </a:solidFill>
-              </a:rPr>
-              <a:t>/</a:t>
-            </a:r>
-            <a:r>
-              <a:rPr lang="ko-KR" altLang="en-US" sz="900" dirty="0" smtClean="0">
-                <a:solidFill>
-                  <a:schemeClr val="tx1">
-                    <a:lumMod val="85000"/>
-                    <a:lumOff val="15000"/>
-                  </a:schemeClr>
-                </a:solidFill>
-              </a:rPr>
-              <a:t>보완 필요함</a:t>
-            </a:r>
-            <a:r>
-              <a:rPr lang="en-US" altLang="ko-KR" sz="900" dirty="0" smtClean="0">
-                <a:solidFill>
-                  <a:schemeClr val="tx1">
-                    <a:lumMod val="85000"/>
-                    <a:lumOff val="15000"/>
-                  </a:schemeClr>
-                </a:solidFill>
-              </a:rPr>
-              <a:t>.</a:t>
-            </a:r>
-          </a:p>
-          <a:p>
-            <a:endParaRPr lang="ko-KR" altLang="en-US" sz="900" dirty="0">
-              <a:solidFill>
-                <a:schemeClr val="tx1">
-                  <a:lumMod val="85000"/>
-                  <a:lumOff val="15000"/>
-                </a:schemeClr>
-              </a:solidFill>
-            </a:endParaRPr>
-          </a:p>
-        </p:txBody>
-      </p:sp>
-      <p:sp>
-        <p:nvSpPr>
-          <p:cNvPr id="16" name="모서리가 둥근 직사각형 15"/>
-          <p:cNvSpPr/>
-          <p:nvPr/>
-        </p:nvSpPr>
-        <p:spPr>
-          <a:xfrm>
-            <a:off x="3893987" y="4330705"/>
-            <a:ext cx="777564" cy="291492"/>
-          </a:xfrm>
-          <a:prstGeom prst="roundRect">
-            <a:avLst/>
-          </a:prstGeom>
-          <a:solidFill>
-            <a:schemeClr val="bg1">
-              <a:lumMod val="85000"/>
-            </a:schemeClr>
-          </a:solidFill>
-          <a:ln>
-            <a:solidFill>
-              <a:schemeClr val="tx1"/>
-            </a:solidFill>
-          </a:ln>
-        </p:spPr>
-        <p:style>
-          <a:lnRef idx="2">
-            <a:schemeClr val="accent1">
-              <a:shade val="50000"/>
-            </a:schemeClr>
-          </a:lnRef>
-          <a:fillRef idx="1">
-            <a:schemeClr val="accent1"/>
-          </a:fillRef>
-          <a:effectRef idx="0">
-            <a:schemeClr val="accent1"/>
-          </a:effectRef>
-          <a:fontRef idx="minor">
-            <a:schemeClr val="lt1"/>
-          </a:fontRef>
-        </p:style>
-        <p:txBody>
-          <a:bodyPr rtlCol="0" anchor="ctr"/>
-          <a:lstStyle/>
-          <a:p>
-            <a:pPr algn="ctr"/>
-            <a:r>
-              <a:rPr lang="ko-KR" altLang="en-US" sz="900" smtClean="0">
-                <a:solidFill>
-                  <a:schemeClr val="tx1">
-                    <a:lumMod val="85000"/>
-                    <a:lumOff val="15000"/>
-                  </a:schemeClr>
-                </a:solidFill>
-              </a:rPr>
-              <a:t>저장</a:t>
-            </a:r>
-            <a:endParaRPr lang="ko-KR" altLang="en-US" sz="900" dirty="0">
-              <a:solidFill>
-                <a:schemeClr val="tx1">
-                  <a:lumMod val="85000"/>
-                  <a:lumOff val="15000"/>
-                </a:schemeClr>
-              </a:solidFill>
-            </a:endParaRPr>
-          </a:p>
-        </p:txBody>
-      </p:sp>
-      <p:sp>
-        <p:nvSpPr>
-          <p:cNvPr id="17" name="모서리가 둥근 직사각형 16"/>
-          <p:cNvSpPr/>
-          <p:nvPr/>
-        </p:nvSpPr>
-        <p:spPr>
-          <a:xfrm>
-            <a:off x="4847097" y="4330705"/>
-            <a:ext cx="777564" cy="291492"/>
-          </a:xfrm>
-          <a:prstGeom prst="roundRect">
-            <a:avLst/>
-          </a:prstGeom>
-          <a:solidFill>
-            <a:schemeClr val="bg1">
-              <a:lumMod val="85000"/>
-            </a:schemeClr>
-          </a:solidFill>
-          <a:ln>
-            <a:solidFill>
-              <a:schemeClr val="tx1"/>
-            </a:solidFill>
-          </a:ln>
-        </p:spPr>
-        <p:style>
-          <a:lnRef idx="2">
-            <a:schemeClr val="accent1">
-              <a:shade val="50000"/>
-            </a:schemeClr>
-          </a:lnRef>
-          <a:fillRef idx="1">
-            <a:schemeClr val="accent1"/>
-          </a:fillRef>
-          <a:effectRef idx="0">
-            <a:schemeClr val="accent1"/>
-          </a:effectRef>
-          <a:fontRef idx="minor">
-            <a:schemeClr val="lt1"/>
-          </a:fontRef>
-        </p:style>
-        <p:txBody>
-          <a:bodyPr rtlCol="0" anchor="ctr"/>
-          <a:lstStyle/>
-          <a:p>
-            <a:pPr algn="ctr"/>
-            <a:r>
-              <a:rPr lang="ko-KR" altLang="en-US" sz="900" dirty="0" smtClean="0">
-                <a:solidFill>
-                  <a:schemeClr val="tx1">
-                    <a:lumMod val="85000"/>
-                    <a:lumOff val="15000"/>
-                  </a:schemeClr>
-                </a:solidFill>
-              </a:rPr>
-              <a:t>나가기</a:t>
-            </a:r>
-            <a:endParaRPr lang="ko-KR" altLang="en-US" sz="900" dirty="0">
-              <a:solidFill>
-                <a:schemeClr val="tx1">
-                  <a:lumMod val="85000"/>
-                  <a:lumOff val="15000"/>
-                </a:schemeClr>
-              </a:solidFill>
-            </a:endParaRPr>
-          </a:p>
-        </p:txBody>
-      </p:sp>
-    </p:spTree>
-    <p:extLst>
-      <p:ext uri="{BB962C8B-B14F-4D97-AF65-F5344CB8AC3E}">
-        <p14:creationId xmlns:p14="http://schemas.microsoft.com/office/powerpoint/2010/main" val="3323161278"/>
-      </p:ext>
-    </p:extLst>
-  </p:cSld>
-  <p:clrMapOvr>
-    <a:masterClrMapping/>
-  </p:clrMapOvr>
-</p:sld>
-</file>
-
-<file path=ppt/slides/slide22.xml><?xml version="1.0" encoding="utf-8"?>
-<p:sld xmlns:a="http://schemas.openxmlformats.org/drawingml/2006/main" xmlns:r="http://schemas.openxmlformats.org/officeDocument/2006/relationships" xmlns:p="http://schemas.openxmlformats.org/presentationml/2006/main">
-  <p:cSld>
-    <p:spTree>
-      <p:nvGrpSpPr>
-        <p:cNvPr id="1" name=""/>
-        <p:cNvGrpSpPr/>
-        <p:nvPr/>
-      </p:nvGrpSpPr>
-      <p:grpSpPr>
-        <a:xfrm>
-          <a:off x="0" y="0"/>
-          <a:ext cx="0" cy="0"/>
-          <a:chOff x="0" y="0"/>
-          <a:chExt cx="0" cy="0"/>
-        </a:xfrm>
-      </p:grpSpPr>
-      <p:pic>
-        <p:nvPicPr>
-          <p:cNvPr id="8" name="그림 7"/>
-          <p:cNvPicPr>
-            <a:picLocks noChangeAspect="1"/>
-          </p:cNvPicPr>
-          <p:nvPr/>
-        </p:nvPicPr>
-        <p:blipFill>
-          <a:blip r:embed="rId2"/>
-          <a:stretch>
-            <a:fillRect/>
-          </a:stretch>
-        </p:blipFill>
-        <p:spPr>
-          <a:xfrm>
-            <a:off x="1938152" y="362307"/>
-            <a:ext cx="4528232" cy="5301344"/>
-          </a:xfrm>
-          <a:prstGeom prst="rect">
-            <a:avLst/>
-          </a:prstGeom>
-        </p:spPr>
-      </p:pic>
-      <p:sp>
-        <p:nvSpPr>
-          <p:cNvPr id="13" name="직사각형 12"/>
-          <p:cNvSpPr/>
-          <p:nvPr/>
-        </p:nvSpPr>
-        <p:spPr>
-          <a:xfrm>
-            <a:off x="1670858" y="6758"/>
-            <a:ext cx="5054139" cy="6851242"/>
-          </a:xfrm>
-          <a:prstGeom prst="rect">
-            <a:avLst/>
-          </a:prstGeom>
-          <a:solidFill>
-            <a:srgbClr val="FFFF00">
-              <a:alpha val="50196"/>
-            </a:srgbClr>
-          </a:solidFill>
-          <a:ln>
-            <a:solidFill>
-              <a:schemeClr val="tx1">
-                <a:lumMod val="75000"/>
-                <a:lumOff val="25000"/>
-              </a:schemeClr>
-            </a:solidFill>
-          </a:ln>
-        </p:spPr>
-        <p:style>
-          <a:lnRef idx="2">
-            <a:schemeClr val="accent1">
-              <a:shade val="50000"/>
-            </a:schemeClr>
-          </a:lnRef>
-          <a:fillRef idx="1">
-            <a:schemeClr val="accent1"/>
-          </a:fillRef>
-          <a:effectRef idx="0">
-            <a:schemeClr val="accent1"/>
-          </a:effectRef>
-          <a:fontRef idx="minor">
-            <a:schemeClr val="lt1"/>
-          </a:fontRef>
-        </p:style>
-        <p:txBody>
-          <a:bodyPr rtlCol="0" anchor="ctr"/>
-          <a:lstStyle/>
-          <a:p>
-            <a:pPr algn="ctr"/>
-            <a:endParaRPr lang="ko-KR" altLang="en-US" dirty="0">
-              <a:solidFill>
-                <a:schemeClr val="tx1">
-                  <a:lumMod val="85000"/>
-                  <a:lumOff val="15000"/>
-                </a:schemeClr>
-              </a:solidFill>
-            </a:endParaRPr>
-          </a:p>
-        </p:txBody>
-      </p:sp>
-      <p:sp>
-        <p:nvSpPr>
-          <p:cNvPr id="4" name="직사각형 3"/>
-          <p:cNvSpPr/>
-          <p:nvPr/>
-        </p:nvSpPr>
-        <p:spPr>
-          <a:xfrm>
-            <a:off x="1889438" y="228599"/>
-            <a:ext cx="4625661" cy="6488510"/>
-          </a:xfrm>
-          <a:prstGeom prst="rect">
-            <a:avLst/>
-          </a:prstGeom>
-          <a:noFill/>
-          <a:ln>
-            <a:solidFill>
-              <a:schemeClr val="tx1">
-                <a:lumMod val="75000"/>
-                <a:lumOff val="25000"/>
-              </a:schemeClr>
-            </a:solidFill>
-          </a:ln>
-        </p:spPr>
-        <p:style>
-          <a:lnRef idx="2">
-            <a:schemeClr val="accent1">
-              <a:shade val="50000"/>
-            </a:schemeClr>
-          </a:lnRef>
-          <a:fillRef idx="1">
-            <a:schemeClr val="accent1"/>
-          </a:fillRef>
-          <a:effectRef idx="0">
-            <a:schemeClr val="accent1"/>
-          </a:effectRef>
-          <a:fontRef idx="minor">
-            <a:schemeClr val="lt1"/>
-          </a:fontRef>
-        </p:style>
-        <p:txBody>
-          <a:bodyPr rtlCol="0" anchor="ctr"/>
-          <a:lstStyle/>
-          <a:p>
-            <a:pPr algn="ctr"/>
-            <a:endParaRPr lang="ko-KR" altLang="en-US">
-              <a:solidFill>
-                <a:schemeClr val="tx1">
-                  <a:lumMod val="85000"/>
-                  <a:lumOff val="15000"/>
-                </a:schemeClr>
-              </a:solidFill>
-            </a:endParaRPr>
-          </a:p>
-        </p:txBody>
-      </p:sp>
-      <p:sp>
-        <p:nvSpPr>
-          <p:cNvPr id="10" name="직사각형 9"/>
-          <p:cNvSpPr/>
-          <p:nvPr/>
-        </p:nvSpPr>
-        <p:spPr>
-          <a:xfrm>
-            <a:off x="102201" y="1218737"/>
-            <a:ext cx="1269399" cy="1050637"/>
-          </a:xfrm>
-          <a:prstGeom prst="rect">
-            <a:avLst/>
-          </a:prstGeom>
-          <a:noFill/>
-          <a:ln>
-            <a:solidFill>
-              <a:schemeClr val="tx1">
-                <a:lumMod val="75000"/>
-                <a:lumOff val="25000"/>
-              </a:schemeClr>
-            </a:solidFill>
-          </a:ln>
-        </p:spPr>
-        <p:style>
-          <a:lnRef idx="2">
-            <a:schemeClr val="accent1">
-              <a:shade val="50000"/>
-            </a:schemeClr>
-          </a:lnRef>
-          <a:fillRef idx="1">
-            <a:schemeClr val="accent1"/>
-          </a:fillRef>
-          <a:effectRef idx="0">
-            <a:schemeClr val="accent1"/>
-          </a:effectRef>
-          <a:fontRef idx="minor">
-            <a:schemeClr val="lt1"/>
-          </a:fontRef>
-        </p:style>
-        <p:txBody>
-          <a:bodyPr rtlCol="0" anchor="ctr"/>
-          <a:lstStyle/>
-          <a:p>
-            <a:pPr algn="ctr"/>
-            <a:r>
-              <a:rPr lang="ko-KR" altLang="en-US" dirty="0" err="1" smtClean="0">
-                <a:solidFill>
-                  <a:schemeClr val="tx1">
-                    <a:lumMod val="85000"/>
-                    <a:lumOff val="15000"/>
-                  </a:schemeClr>
-                </a:solidFill>
-              </a:rPr>
               <a:t>저장버튼</a:t>
             </a:r>
             <a:r>
@@ -23545,73 +21801,6 @@
                 </a:solidFill>
               </a:rPr>
               <a:t>삽화 둘러보기</a:t>
-            </a:r>
-            <a:endParaRPr lang="ko-KR" altLang="en-US" dirty="0">
-              <a:solidFill>
-                <a:schemeClr val="tx1">
-                  <a:lumMod val="85000"/>
-                  <a:lumOff val="15000"/>
-                </a:schemeClr>
-              </a:solidFill>
-            </a:endParaRPr>
-          </a:p>
-        </p:txBody>
-      </p:sp>
-      <p:sp>
-        <p:nvSpPr>
-          <p:cNvPr id="28" name="직사각형 27"/>
-          <p:cNvSpPr/>
-          <p:nvPr/>
-        </p:nvSpPr>
-        <p:spPr>
-          <a:xfrm>
-            <a:off x="2123562" y="8803371"/>
-            <a:ext cx="2296560" cy="312581"/>
-          </a:xfrm>
-          <a:prstGeom prst="rect">
-            <a:avLst/>
-          </a:prstGeom>
-          <a:noFill/>
-          <a:ln>
-            <a:solidFill>
-              <a:schemeClr val="tx1">
-                <a:lumMod val="75000"/>
-                <a:lumOff val="25000"/>
-              </a:schemeClr>
-            </a:solidFill>
-          </a:ln>
-        </p:spPr>
-        <p:style>
-          <a:lnRef idx="2">
-            <a:schemeClr val="accent1">
-              <a:shade val="50000"/>
-            </a:schemeClr>
-          </a:lnRef>
-          <a:fillRef idx="1">
-            <a:schemeClr val="accent1"/>
-          </a:fillRef>
-          <a:effectRef idx="0">
-            <a:schemeClr val="accent1"/>
-          </a:effectRef>
-          <a:fontRef idx="minor">
-            <a:schemeClr val="lt1"/>
-          </a:fontRef>
-        </p:style>
-        <p:txBody>
-          <a:bodyPr rtlCol="0" anchor="ctr"/>
-          <a:lstStyle/>
-          <a:p>
-            <a:pPr algn="ctr"/>
-            <a:r>
-              <a:rPr lang="ko-KR" altLang="en-US" dirty="0" smtClean="0">
-                <a:solidFill>
-                  <a:schemeClr val="tx1">
-                    <a:lumMod val="85000"/>
-                    <a:lumOff val="15000"/>
-                  </a:schemeClr>
-                </a:solidFill>
-              </a:rPr>
-              <a:t>일러스트 지원</a:t>
             </a:r>
             <a:endParaRPr lang="ko-KR" altLang="en-US" dirty="0">
               <a:solidFill>
